--- a/servicemesh/mesh005.pptx
+++ b/servicemesh/mesh005.pptx
@@ -5,10 +5,34 @@
     <p:sldMasterId id="2147483648" r:id="rId1"/>
   </p:sldMasterIdLst>
   <p:notesMasterIdLst>
-    <p:notesMasterId r:id="rId3"/>
+    <p:notesMasterId r:id="rId27"/>
   </p:notesMasterIdLst>
   <p:sldIdLst>
     <p:sldId id="256" r:id="rId2"/>
+    <p:sldId id="257" r:id="rId3"/>
+    <p:sldId id="258" r:id="rId4"/>
+    <p:sldId id="259" r:id="rId5"/>
+    <p:sldId id="260" r:id="rId6"/>
+    <p:sldId id="261" r:id="rId7"/>
+    <p:sldId id="262" r:id="rId8"/>
+    <p:sldId id="263" r:id="rId9"/>
+    <p:sldId id="264" r:id="rId10"/>
+    <p:sldId id="265" r:id="rId11"/>
+    <p:sldId id="266" r:id="rId12"/>
+    <p:sldId id="267" r:id="rId13"/>
+    <p:sldId id="268" r:id="rId14"/>
+    <p:sldId id="269" r:id="rId15"/>
+    <p:sldId id="270" r:id="rId16"/>
+    <p:sldId id="272" r:id="rId17"/>
+    <p:sldId id="273" r:id="rId18"/>
+    <p:sldId id="274" r:id="rId19"/>
+    <p:sldId id="275" r:id="rId20"/>
+    <p:sldId id="276" r:id="rId21"/>
+    <p:sldId id="277" r:id="rId22"/>
+    <p:sldId id="278" r:id="rId23"/>
+    <p:sldId id="279" r:id="rId24"/>
+    <p:sldId id="281" r:id="rId25"/>
+    <p:sldId id="282" r:id="rId26"/>
   </p:sldIdLst>
   <p:sldSz cx="12192000" cy="6858000"/>
   <p:notesSz cx="6858000" cy="9144000"/>
@@ -197,7 +221,7 @@
           <a:p>
             <a:fld id="{63F136E3-80C6-A842-B275-74FC7A4265FC}" type="datetimeFigureOut">
               <a:rPr kumimoji="1" lang="zh-CN" altLang="en-US" smtClean="0"/>
-              <a:t>2019/7/7</a:t>
+              <a:t>2019/7/9</a:t>
             </a:fld>
             <a:endParaRPr kumimoji="1" lang="zh-CN" altLang="en-US"/>
           </a:p>
@@ -465,6 +489,1374 @@
 </p:notesMaster>
 </file>
 
+<file path=ppt/notesSlides/notesSlide1.xml><?xml version="1.0" encoding="utf-8"?>
+<p:notes xmlns:a="http://schemas.openxmlformats.org/drawingml/2006/main" xmlns:r="http://schemas.openxmlformats.org/officeDocument/2006/relationships" xmlns:p="http://schemas.openxmlformats.org/presentationml/2006/main">
+  <p:cSld>
+    <p:spTree>
+      <p:nvGrpSpPr>
+        <p:cNvPr id="1" name=""/>
+        <p:cNvGrpSpPr/>
+        <p:nvPr/>
+      </p:nvGrpSpPr>
+      <p:grpSpPr>
+        <a:xfrm>
+          <a:off x="0" y="0"/>
+          <a:ext cx="0" cy="0"/>
+          <a:chOff x="0" y="0"/>
+          <a:chExt cx="0" cy="0"/>
+        </a:xfrm>
+      </p:grpSpPr>
+      <p:sp>
+        <p:nvSpPr>
+          <p:cNvPr id="2" name="幻灯片图像占位符 1"/>
+          <p:cNvSpPr>
+            <a:spLocks noGrp="1" noRot="1" noChangeAspect="1"/>
+          </p:cNvSpPr>
+          <p:nvPr>
+            <p:ph type="sldImg"/>
+          </p:nvPr>
+        </p:nvSpPr>
+        <p:spPr/>
+      </p:sp>
+      <p:sp>
+        <p:nvSpPr>
+          <p:cNvPr id="3" name="备注占位符 2"/>
+          <p:cNvSpPr>
+            <a:spLocks noGrp="1"/>
+          </p:cNvSpPr>
+          <p:nvPr>
+            <p:ph type="body" idx="1"/>
+          </p:nvPr>
+        </p:nvSpPr>
+        <p:spPr/>
+        <p:txBody>
+          <a:bodyPr/>
+          <a:lstStyle/>
+          <a:p>
+            <a:r>
+              <a:rPr kumimoji="1" lang="en-US" altLang="zh-CN" dirty="0" smtClean="0"/>
+              <a:t>citadel</a:t>
+            </a:r>
+            <a:endParaRPr kumimoji="1" lang="zh-CN" altLang="en-US" dirty="0"/>
+          </a:p>
+        </p:txBody>
+      </p:sp>
+      <p:sp>
+        <p:nvSpPr>
+          <p:cNvPr id="4" name="幻灯片编号占位符 3"/>
+          <p:cNvSpPr>
+            <a:spLocks noGrp="1"/>
+          </p:cNvSpPr>
+          <p:nvPr>
+            <p:ph type="sldNum" sz="quarter" idx="10"/>
+          </p:nvPr>
+        </p:nvSpPr>
+        <p:spPr/>
+        <p:txBody>
+          <a:bodyPr/>
+          <a:lstStyle/>
+          <a:p>
+            <a:fld id="{2A48A843-6325-C940-A430-FD72B9AFF102}" type="slidenum">
+              <a:rPr kumimoji="1" lang="zh-CN" altLang="en-US" smtClean="0"/>
+              <a:t>2</a:t>
+            </a:fld>
+            <a:endParaRPr kumimoji="1" lang="zh-CN" altLang="en-US"/>
+          </a:p>
+        </p:txBody>
+      </p:sp>
+    </p:spTree>
+    <p:extLst>
+      <p:ext uri="{BB962C8B-B14F-4D97-AF65-F5344CB8AC3E}">
+        <p14:creationId xmlns:p14="http://schemas.microsoft.com/office/powerpoint/2010/main" val="1712476611"/>
+      </p:ext>
+    </p:extLst>
+  </p:cSld>
+  <p:clrMapOvr>
+    <a:masterClrMapping/>
+  </p:clrMapOvr>
+</p:notes>
+</file>
+
+<file path=ppt/notesSlides/notesSlide10.xml><?xml version="1.0" encoding="utf-8"?>
+<p:notes xmlns:a="http://schemas.openxmlformats.org/drawingml/2006/main" xmlns:r="http://schemas.openxmlformats.org/officeDocument/2006/relationships" xmlns:p="http://schemas.openxmlformats.org/presentationml/2006/main">
+  <p:cSld>
+    <p:spTree>
+      <p:nvGrpSpPr>
+        <p:cNvPr id="1" name=""/>
+        <p:cNvGrpSpPr/>
+        <p:nvPr/>
+      </p:nvGrpSpPr>
+      <p:grpSpPr>
+        <a:xfrm>
+          <a:off x="0" y="0"/>
+          <a:ext cx="0" cy="0"/>
+          <a:chOff x="0" y="0"/>
+          <a:chExt cx="0" cy="0"/>
+        </a:xfrm>
+      </p:grpSpPr>
+      <p:sp>
+        <p:nvSpPr>
+          <p:cNvPr id="2" name="幻灯片图像占位符 1"/>
+          <p:cNvSpPr>
+            <a:spLocks noGrp="1" noRot="1" noChangeAspect="1"/>
+          </p:cNvSpPr>
+          <p:nvPr>
+            <p:ph type="sldImg"/>
+          </p:nvPr>
+        </p:nvSpPr>
+        <p:spPr/>
+      </p:sp>
+      <p:sp>
+        <p:nvSpPr>
+          <p:cNvPr id="3" name="备注占位符 2"/>
+          <p:cNvSpPr>
+            <a:spLocks noGrp="1"/>
+          </p:cNvSpPr>
+          <p:nvPr>
+            <p:ph type="body" idx="1"/>
+          </p:nvPr>
+        </p:nvSpPr>
+        <p:spPr/>
+        <p:txBody>
+          <a:bodyPr/>
+          <a:lstStyle/>
+          <a:p>
+            <a:endParaRPr kumimoji="1" lang="zh-CN" altLang="en-US" dirty="0"/>
+          </a:p>
+        </p:txBody>
+      </p:sp>
+      <p:sp>
+        <p:nvSpPr>
+          <p:cNvPr id="4" name="幻灯片编号占位符 3"/>
+          <p:cNvSpPr>
+            <a:spLocks noGrp="1"/>
+          </p:cNvSpPr>
+          <p:nvPr>
+            <p:ph type="sldNum" sz="quarter" idx="10"/>
+          </p:nvPr>
+        </p:nvSpPr>
+        <p:spPr/>
+        <p:txBody>
+          <a:bodyPr/>
+          <a:lstStyle/>
+          <a:p>
+            <a:fld id="{2A48A843-6325-C940-A430-FD72B9AFF102}" type="slidenum">
+              <a:rPr kumimoji="1" lang="zh-CN" altLang="en-US" smtClean="0"/>
+              <a:t>15</a:t>
+            </a:fld>
+            <a:endParaRPr kumimoji="1" lang="zh-CN" altLang="en-US"/>
+          </a:p>
+        </p:txBody>
+      </p:sp>
+    </p:spTree>
+    <p:extLst>
+      <p:ext uri="{BB962C8B-B14F-4D97-AF65-F5344CB8AC3E}">
+        <p14:creationId xmlns:p14="http://schemas.microsoft.com/office/powerpoint/2010/main" val="414554265"/>
+      </p:ext>
+    </p:extLst>
+  </p:cSld>
+  <p:clrMapOvr>
+    <a:masterClrMapping/>
+  </p:clrMapOvr>
+</p:notes>
+</file>
+
+<file path=ppt/notesSlides/notesSlide11.xml><?xml version="1.0" encoding="utf-8"?>
+<p:notes xmlns:a="http://schemas.openxmlformats.org/drawingml/2006/main" xmlns:r="http://schemas.openxmlformats.org/officeDocument/2006/relationships" xmlns:p="http://schemas.openxmlformats.org/presentationml/2006/main">
+  <p:cSld>
+    <p:spTree>
+      <p:nvGrpSpPr>
+        <p:cNvPr id="1" name=""/>
+        <p:cNvGrpSpPr/>
+        <p:nvPr/>
+      </p:nvGrpSpPr>
+      <p:grpSpPr>
+        <a:xfrm>
+          <a:off x="0" y="0"/>
+          <a:ext cx="0" cy="0"/>
+          <a:chOff x="0" y="0"/>
+          <a:chExt cx="0" cy="0"/>
+        </a:xfrm>
+      </p:grpSpPr>
+      <p:sp>
+        <p:nvSpPr>
+          <p:cNvPr id="2" name="幻灯片图像占位符 1"/>
+          <p:cNvSpPr>
+            <a:spLocks noGrp="1" noRot="1" noChangeAspect="1"/>
+          </p:cNvSpPr>
+          <p:nvPr>
+            <p:ph type="sldImg"/>
+          </p:nvPr>
+        </p:nvSpPr>
+        <p:spPr/>
+      </p:sp>
+      <p:sp>
+        <p:nvSpPr>
+          <p:cNvPr id="3" name="备注占位符 2"/>
+          <p:cNvSpPr>
+            <a:spLocks noGrp="1"/>
+          </p:cNvSpPr>
+          <p:nvPr>
+            <p:ph type="body" idx="1"/>
+          </p:nvPr>
+        </p:nvSpPr>
+        <p:spPr/>
+        <p:txBody>
+          <a:bodyPr/>
+          <a:lstStyle/>
+          <a:p>
+            <a:endParaRPr kumimoji="1" lang="zh-CN" altLang="en-US" dirty="0"/>
+          </a:p>
+        </p:txBody>
+      </p:sp>
+      <p:sp>
+        <p:nvSpPr>
+          <p:cNvPr id="4" name="幻灯片编号占位符 3"/>
+          <p:cNvSpPr>
+            <a:spLocks noGrp="1"/>
+          </p:cNvSpPr>
+          <p:nvPr>
+            <p:ph type="sldNum" sz="quarter" idx="10"/>
+          </p:nvPr>
+        </p:nvSpPr>
+        <p:spPr/>
+        <p:txBody>
+          <a:bodyPr/>
+          <a:lstStyle/>
+          <a:p>
+            <a:fld id="{2A48A843-6325-C940-A430-FD72B9AFF102}" type="slidenum">
+              <a:rPr kumimoji="1" lang="zh-CN" altLang="en-US" smtClean="0"/>
+              <a:t>16</a:t>
+            </a:fld>
+            <a:endParaRPr kumimoji="1" lang="zh-CN" altLang="en-US"/>
+          </a:p>
+        </p:txBody>
+      </p:sp>
+    </p:spTree>
+    <p:extLst>
+      <p:ext uri="{BB962C8B-B14F-4D97-AF65-F5344CB8AC3E}">
+        <p14:creationId xmlns:p14="http://schemas.microsoft.com/office/powerpoint/2010/main" val="1580073509"/>
+      </p:ext>
+    </p:extLst>
+  </p:cSld>
+  <p:clrMapOvr>
+    <a:masterClrMapping/>
+  </p:clrMapOvr>
+</p:notes>
+</file>
+
+<file path=ppt/notesSlides/notesSlide12.xml><?xml version="1.0" encoding="utf-8"?>
+<p:notes xmlns:a="http://schemas.openxmlformats.org/drawingml/2006/main" xmlns:r="http://schemas.openxmlformats.org/officeDocument/2006/relationships" xmlns:p="http://schemas.openxmlformats.org/presentationml/2006/main">
+  <p:cSld>
+    <p:spTree>
+      <p:nvGrpSpPr>
+        <p:cNvPr id="1" name=""/>
+        <p:cNvGrpSpPr/>
+        <p:nvPr/>
+      </p:nvGrpSpPr>
+      <p:grpSpPr>
+        <a:xfrm>
+          <a:off x="0" y="0"/>
+          <a:ext cx="0" cy="0"/>
+          <a:chOff x="0" y="0"/>
+          <a:chExt cx="0" cy="0"/>
+        </a:xfrm>
+      </p:grpSpPr>
+      <p:sp>
+        <p:nvSpPr>
+          <p:cNvPr id="2" name="幻灯片图像占位符 1"/>
+          <p:cNvSpPr>
+            <a:spLocks noGrp="1" noRot="1" noChangeAspect="1"/>
+          </p:cNvSpPr>
+          <p:nvPr>
+            <p:ph type="sldImg"/>
+          </p:nvPr>
+        </p:nvSpPr>
+        <p:spPr/>
+      </p:sp>
+      <p:sp>
+        <p:nvSpPr>
+          <p:cNvPr id="3" name="备注占位符 2"/>
+          <p:cNvSpPr>
+            <a:spLocks noGrp="1"/>
+          </p:cNvSpPr>
+          <p:nvPr>
+            <p:ph type="body" idx="1"/>
+          </p:nvPr>
+        </p:nvSpPr>
+        <p:spPr/>
+        <p:txBody>
+          <a:bodyPr/>
+          <a:lstStyle/>
+          <a:p>
+            <a:endParaRPr kumimoji="1" lang="zh-CN" altLang="en-US" dirty="0"/>
+          </a:p>
+        </p:txBody>
+      </p:sp>
+      <p:sp>
+        <p:nvSpPr>
+          <p:cNvPr id="4" name="幻灯片编号占位符 3"/>
+          <p:cNvSpPr>
+            <a:spLocks noGrp="1"/>
+          </p:cNvSpPr>
+          <p:nvPr>
+            <p:ph type="sldNum" sz="quarter" idx="10"/>
+          </p:nvPr>
+        </p:nvSpPr>
+        <p:spPr/>
+        <p:txBody>
+          <a:bodyPr/>
+          <a:lstStyle/>
+          <a:p>
+            <a:fld id="{2A48A843-6325-C940-A430-FD72B9AFF102}" type="slidenum">
+              <a:rPr kumimoji="1" lang="zh-CN" altLang="en-US" smtClean="0"/>
+              <a:t>17</a:t>
+            </a:fld>
+            <a:endParaRPr kumimoji="1" lang="zh-CN" altLang="en-US"/>
+          </a:p>
+        </p:txBody>
+      </p:sp>
+    </p:spTree>
+    <p:extLst>
+      <p:ext uri="{BB962C8B-B14F-4D97-AF65-F5344CB8AC3E}">
+        <p14:creationId xmlns:p14="http://schemas.microsoft.com/office/powerpoint/2010/main" val="1901596151"/>
+      </p:ext>
+    </p:extLst>
+  </p:cSld>
+  <p:clrMapOvr>
+    <a:masterClrMapping/>
+  </p:clrMapOvr>
+</p:notes>
+</file>
+
+<file path=ppt/notesSlides/notesSlide13.xml><?xml version="1.0" encoding="utf-8"?>
+<p:notes xmlns:a="http://schemas.openxmlformats.org/drawingml/2006/main" xmlns:r="http://schemas.openxmlformats.org/officeDocument/2006/relationships" xmlns:p="http://schemas.openxmlformats.org/presentationml/2006/main">
+  <p:cSld>
+    <p:spTree>
+      <p:nvGrpSpPr>
+        <p:cNvPr id="1" name=""/>
+        <p:cNvGrpSpPr/>
+        <p:nvPr/>
+      </p:nvGrpSpPr>
+      <p:grpSpPr>
+        <a:xfrm>
+          <a:off x="0" y="0"/>
+          <a:ext cx="0" cy="0"/>
+          <a:chOff x="0" y="0"/>
+          <a:chExt cx="0" cy="0"/>
+        </a:xfrm>
+      </p:grpSpPr>
+      <p:sp>
+        <p:nvSpPr>
+          <p:cNvPr id="2" name="幻灯片图像占位符 1"/>
+          <p:cNvSpPr>
+            <a:spLocks noGrp="1" noRot="1" noChangeAspect="1"/>
+          </p:cNvSpPr>
+          <p:nvPr>
+            <p:ph type="sldImg"/>
+          </p:nvPr>
+        </p:nvSpPr>
+        <p:spPr/>
+      </p:sp>
+      <p:sp>
+        <p:nvSpPr>
+          <p:cNvPr id="3" name="备注占位符 2"/>
+          <p:cNvSpPr>
+            <a:spLocks noGrp="1"/>
+          </p:cNvSpPr>
+          <p:nvPr>
+            <p:ph type="body" idx="1"/>
+          </p:nvPr>
+        </p:nvSpPr>
+        <p:spPr/>
+        <p:txBody>
+          <a:bodyPr/>
+          <a:lstStyle/>
+          <a:p>
+            <a:endParaRPr kumimoji="1" lang="zh-CN" altLang="en-US" dirty="0"/>
+          </a:p>
+        </p:txBody>
+      </p:sp>
+      <p:sp>
+        <p:nvSpPr>
+          <p:cNvPr id="4" name="幻灯片编号占位符 3"/>
+          <p:cNvSpPr>
+            <a:spLocks noGrp="1"/>
+          </p:cNvSpPr>
+          <p:nvPr>
+            <p:ph type="sldNum" sz="quarter" idx="10"/>
+          </p:nvPr>
+        </p:nvSpPr>
+        <p:spPr/>
+        <p:txBody>
+          <a:bodyPr/>
+          <a:lstStyle/>
+          <a:p>
+            <a:fld id="{2A48A843-6325-C940-A430-FD72B9AFF102}" type="slidenum">
+              <a:rPr kumimoji="1" lang="zh-CN" altLang="en-US" smtClean="0"/>
+              <a:t>22</a:t>
+            </a:fld>
+            <a:endParaRPr kumimoji="1" lang="zh-CN" altLang="en-US"/>
+          </a:p>
+        </p:txBody>
+      </p:sp>
+    </p:spTree>
+    <p:extLst>
+      <p:ext uri="{BB962C8B-B14F-4D97-AF65-F5344CB8AC3E}">
+        <p14:creationId xmlns:p14="http://schemas.microsoft.com/office/powerpoint/2010/main" val="614046666"/>
+      </p:ext>
+    </p:extLst>
+  </p:cSld>
+  <p:clrMapOvr>
+    <a:masterClrMapping/>
+  </p:clrMapOvr>
+</p:notes>
+</file>
+
+<file path=ppt/notesSlides/notesSlide14.xml><?xml version="1.0" encoding="utf-8"?>
+<p:notes xmlns:a="http://schemas.openxmlformats.org/drawingml/2006/main" xmlns:r="http://schemas.openxmlformats.org/officeDocument/2006/relationships" xmlns:p="http://schemas.openxmlformats.org/presentationml/2006/main">
+  <p:cSld>
+    <p:spTree>
+      <p:nvGrpSpPr>
+        <p:cNvPr id="1" name=""/>
+        <p:cNvGrpSpPr/>
+        <p:nvPr/>
+      </p:nvGrpSpPr>
+      <p:grpSpPr>
+        <a:xfrm>
+          <a:off x="0" y="0"/>
+          <a:ext cx="0" cy="0"/>
+          <a:chOff x="0" y="0"/>
+          <a:chExt cx="0" cy="0"/>
+        </a:xfrm>
+      </p:grpSpPr>
+      <p:sp>
+        <p:nvSpPr>
+          <p:cNvPr id="2" name="幻灯片图像占位符 1"/>
+          <p:cNvSpPr>
+            <a:spLocks noGrp="1" noRot="1" noChangeAspect="1"/>
+          </p:cNvSpPr>
+          <p:nvPr>
+            <p:ph type="sldImg"/>
+          </p:nvPr>
+        </p:nvSpPr>
+        <p:spPr/>
+      </p:sp>
+      <p:sp>
+        <p:nvSpPr>
+          <p:cNvPr id="3" name="备注占位符 2"/>
+          <p:cNvSpPr>
+            <a:spLocks noGrp="1"/>
+          </p:cNvSpPr>
+          <p:nvPr>
+            <p:ph type="body" idx="1"/>
+          </p:nvPr>
+        </p:nvSpPr>
+        <p:spPr/>
+        <p:txBody>
+          <a:bodyPr/>
+          <a:lstStyle/>
+          <a:p>
+            <a:r>
+              <a:rPr lang="zh-CN" altLang="en-US" dirty="0" smtClean="0"/>
+              <a:t>基于</a:t>
+            </a:r>
+            <a:r>
+              <a:rPr lang="en-US" altLang="zh-CN" dirty="0" smtClean="0"/>
+              <a:t>group</a:t>
+            </a:r>
+            <a:r>
+              <a:rPr lang="zh-CN" altLang="en-US" dirty="0" smtClean="0"/>
+              <a:t>或</a:t>
+            </a:r>
+            <a:r>
+              <a:rPr lang="en-US" altLang="zh-CN" dirty="0" smtClean="0"/>
+              <a:t>scope header</a:t>
+            </a:r>
+            <a:r>
+              <a:rPr lang="zh-CN" altLang="en-US" dirty="0" smtClean="0"/>
+              <a:t>授权</a:t>
+            </a:r>
+            <a:endParaRPr kumimoji="1" lang="zh-CN" altLang="en-US" dirty="0"/>
+          </a:p>
+        </p:txBody>
+      </p:sp>
+      <p:sp>
+        <p:nvSpPr>
+          <p:cNvPr id="4" name="幻灯片编号占位符 3"/>
+          <p:cNvSpPr>
+            <a:spLocks noGrp="1"/>
+          </p:cNvSpPr>
+          <p:nvPr>
+            <p:ph type="sldNum" sz="quarter" idx="10"/>
+          </p:nvPr>
+        </p:nvSpPr>
+        <p:spPr/>
+        <p:txBody>
+          <a:bodyPr/>
+          <a:lstStyle/>
+          <a:p>
+            <a:fld id="{2A48A843-6325-C940-A430-FD72B9AFF102}" type="slidenum">
+              <a:rPr kumimoji="1" lang="zh-CN" altLang="en-US" smtClean="0"/>
+              <a:t>23</a:t>
+            </a:fld>
+            <a:endParaRPr kumimoji="1" lang="zh-CN" altLang="en-US"/>
+          </a:p>
+        </p:txBody>
+      </p:sp>
+    </p:spTree>
+    <p:extLst>
+      <p:ext uri="{BB962C8B-B14F-4D97-AF65-F5344CB8AC3E}">
+        <p14:creationId xmlns:p14="http://schemas.microsoft.com/office/powerpoint/2010/main" val="1924054666"/>
+      </p:ext>
+    </p:extLst>
+  </p:cSld>
+  <p:clrMapOvr>
+    <a:masterClrMapping/>
+  </p:clrMapOvr>
+</p:notes>
+</file>
+
+<file path=ppt/notesSlides/notesSlide15.xml><?xml version="1.0" encoding="utf-8"?>
+<p:notes xmlns:a="http://schemas.openxmlformats.org/drawingml/2006/main" xmlns:r="http://schemas.openxmlformats.org/officeDocument/2006/relationships" xmlns:p="http://schemas.openxmlformats.org/presentationml/2006/main">
+  <p:cSld>
+    <p:spTree>
+      <p:nvGrpSpPr>
+        <p:cNvPr id="1" name=""/>
+        <p:cNvGrpSpPr/>
+        <p:nvPr/>
+      </p:nvGrpSpPr>
+      <p:grpSpPr>
+        <a:xfrm>
+          <a:off x="0" y="0"/>
+          <a:ext cx="0" cy="0"/>
+          <a:chOff x="0" y="0"/>
+          <a:chExt cx="0" cy="0"/>
+        </a:xfrm>
+      </p:grpSpPr>
+      <p:sp>
+        <p:nvSpPr>
+          <p:cNvPr id="2" name="幻灯片图像占位符 1"/>
+          <p:cNvSpPr>
+            <a:spLocks noGrp="1" noRot="1" noChangeAspect="1"/>
+          </p:cNvSpPr>
+          <p:nvPr>
+            <p:ph type="sldImg"/>
+          </p:nvPr>
+        </p:nvSpPr>
+        <p:spPr/>
+      </p:sp>
+      <p:sp>
+        <p:nvSpPr>
+          <p:cNvPr id="3" name="备注占位符 2"/>
+          <p:cNvSpPr>
+            <a:spLocks noGrp="1"/>
+          </p:cNvSpPr>
+          <p:nvPr>
+            <p:ph type="body" idx="1"/>
+          </p:nvPr>
+        </p:nvSpPr>
+        <p:spPr/>
+        <p:txBody>
+          <a:bodyPr/>
+          <a:lstStyle/>
+          <a:p>
+            <a:endParaRPr kumimoji="1" lang="zh-CN" altLang="en-US" dirty="0"/>
+          </a:p>
+        </p:txBody>
+      </p:sp>
+      <p:sp>
+        <p:nvSpPr>
+          <p:cNvPr id="4" name="幻灯片编号占位符 3"/>
+          <p:cNvSpPr>
+            <a:spLocks noGrp="1"/>
+          </p:cNvSpPr>
+          <p:nvPr>
+            <p:ph type="sldNum" sz="quarter" idx="10"/>
+          </p:nvPr>
+        </p:nvSpPr>
+        <p:spPr/>
+        <p:txBody>
+          <a:bodyPr/>
+          <a:lstStyle/>
+          <a:p>
+            <a:fld id="{2A48A843-6325-C940-A430-FD72B9AFF102}" type="slidenum">
+              <a:rPr kumimoji="1" lang="zh-CN" altLang="en-US" smtClean="0"/>
+              <a:t>24</a:t>
+            </a:fld>
+            <a:endParaRPr kumimoji="1" lang="zh-CN" altLang="en-US"/>
+          </a:p>
+        </p:txBody>
+      </p:sp>
+    </p:spTree>
+    <p:extLst>
+      <p:ext uri="{BB962C8B-B14F-4D97-AF65-F5344CB8AC3E}">
+        <p14:creationId xmlns:p14="http://schemas.microsoft.com/office/powerpoint/2010/main" val="725122093"/>
+      </p:ext>
+    </p:extLst>
+  </p:cSld>
+  <p:clrMapOvr>
+    <a:masterClrMapping/>
+  </p:clrMapOvr>
+</p:notes>
+</file>
+
+<file path=ppt/notesSlides/notesSlide16.xml><?xml version="1.0" encoding="utf-8"?>
+<p:notes xmlns:a="http://schemas.openxmlformats.org/drawingml/2006/main" xmlns:r="http://schemas.openxmlformats.org/officeDocument/2006/relationships" xmlns:p="http://schemas.openxmlformats.org/presentationml/2006/main">
+  <p:cSld>
+    <p:spTree>
+      <p:nvGrpSpPr>
+        <p:cNvPr id="1" name=""/>
+        <p:cNvGrpSpPr/>
+        <p:nvPr/>
+      </p:nvGrpSpPr>
+      <p:grpSpPr>
+        <a:xfrm>
+          <a:off x="0" y="0"/>
+          <a:ext cx="0" cy="0"/>
+          <a:chOff x="0" y="0"/>
+          <a:chExt cx="0" cy="0"/>
+        </a:xfrm>
+      </p:grpSpPr>
+      <p:sp>
+        <p:nvSpPr>
+          <p:cNvPr id="2" name="幻灯片图像占位符 1"/>
+          <p:cNvSpPr>
+            <a:spLocks noGrp="1" noRot="1" noChangeAspect="1"/>
+          </p:cNvSpPr>
+          <p:nvPr>
+            <p:ph type="sldImg"/>
+          </p:nvPr>
+        </p:nvSpPr>
+        <p:spPr/>
+      </p:sp>
+      <p:sp>
+        <p:nvSpPr>
+          <p:cNvPr id="3" name="备注占位符 2"/>
+          <p:cNvSpPr>
+            <a:spLocks noGrp="1"/>
+          </p:cNvSpPr>
+          <p:nvPr>
+            <p:ph type="body" idx="1"/>
+          </p:nvPr>
+        </p:nvSpPr>
+        <p:spPr/>
+        <p:txBody>
+          <a:bodyPr/>
+          <a:lstStyle/>
+          <a:p>
+            <a:endParaRPr kumimoji="1" lang="zh-CN" altLang="en-US" dirty="0"/>
+          </a:p>
+        </p:txBody>
+      </p:sp>
+      <p:sp>
+        <p:nvSpPr>
+          <p:cNvPr id="4" name="幻灯片编号占位符 3"/>
+          <p:cNvSpPr>
+            <a:spLocks noGrp="1"/>
+          </p:cNvSpPr>
+          <p:nvPr>
+            <p:ph type="sldNum" sz="quarter" idx="10"/>
+          </p:nvPr>
+        </p:nvSpPr>
+        <p:spPr/>
+        <p:txBody>
+          <a:bodyPr/>
+          <a:lstStyle/>
+          <a:p>
+            <a:fld id="{2A48A843-6325-C940-A430-FD72B9AFF102}" type="slidenum">
+              <a:rPr kumimoji="1" lang="zh-CN" altLang="en-US" smtClean="0"/>
+              <a:t>25</a:t>
+            </a:fld>
+            <a:endParaRPr kumimoji="1" lang="zh-CN" altLang="en-US"/>
+          </a:p>
+        </p:txBody>
+      </p:sp>
+    </p:spTree>
+    <p:extLst>
+      <p:ext uri="{BB962C8B-B14F-4D97-AF65-F5344CB8AC3E}">
+        <p14:creationId xmlns:p14="http://schemas.microsoft.com/office/powerpoint/2010/main" val="98060686"/>
+      </p:ext>
+    </p:extLst>
+  </p:cSld>
+  <p:clrMapOvr>
+    <a:masterClrMapping/>
+  </p:clrMapOvr>
+</p:notes>
+</file>
+
+<file path=ppt/notesSlides/notesSlide2.xml><?xml version="1.0" encoding="utf-8"?>
+<p:notes xmlns:a="http://schemas.openxmlformats.org/drawingml/2006/main" xmlns:r="http://schemas.openxmlformats.org/officeDocument/2006/relationships" xmlns:p="http://schemas.openxmlformats.org/presentationml/2006/main">
+  <p:cSld>
+    <p:spTree>
+      <p:nvGrpSpPr>
+        <p:cNvPr id="1" name=""/>
+        <p:cNvGrpSpPr/>
+        <p:nvPr/>
+      </p:nvGrpSpPr>
+      <p:grpSpPr>
+        <a:xfrm>
+          <a:off x="0" y="0"/>
+          <a:ext cx="0" cy="0"/>
+          <a:chOff x="0" y="0"/>
+          <a:chExt cx="0" cy="0"/>
+        </a:xfrm>
+      </p:grpSpPr>
+      <p:sp>
+        <p:nvSpPr>
+          <p:cNvPr id="2" name="幻灯片图像占位符 1"/>
+          <p:cNvSpPr>
+            <a:spLocks noGrp="1" noRot="1" noChangeAspect="1"/>
+          </p:cNvSpPr>
+          <p:nvPr>
+            <p:ph type="sldImg"/>
+          </p:nvPr>
+        </p:nvSpPr>
+        <p:spPr/>
+      </p:sp>
+      <p:sp>
+        <p:nvSpPr>
+          <p:cNvPr id="3" name="备注占位符 2"/>
+          <p:cNvSpPr>
+            <a:spLocks noGrp="1"/>
+          </p:cNvSpPr>
+          <p:nvPr>
+            <p:ph type="body" idx="1"/>
+          </p:nvPr>
+        </p:nvSpPr>
+        <p:spPr/>
+        <p:txBody>
+          <a:bodyPr/>
+          <a:lstStyle/>
+          <a:p>
+            <a:endParaRPr kumimoji="1" lang="zh-CN" altLang="en-US" dirty="0"/>
+          </a:p>
+        </p:txBody>
+      </p:sp>
+      <p:sp>
+        <p:nvSpPr>
+          <p:cNvPr id="4" name="幻灯片编号占位符 3"/>
+          <p:cNvSpPr>
+            <a:spLocks noGrp="1"/>
+          </p:cNvSpPr>
+          <p:nvPr>
+            <p:ph type="sldNum" sz="quarter" idx="10"/>
+          </p:nvPr>
+        </p:nvSpPr>
+        <p:spPr/>
+        <p:txBody>
+          <a:bodyPr/>
+          <a:lstStyle/>
+          <a:p>
+            <a:fld id="{2A48A843-6325-C940-A430-FD72B9AFF102}" type="slidenum">
+              <a:rPr kumimoji="1" lang="zh-CN" altLang="en-US" smtClean="0"/>
+              <a:t>3</a:t>
+            </a:fld>
+            <a:endParaRPr kumimoji="1" lang="zh-CN" altLang="en-US"/>
+          </a:p>
+        </p:txBody>
+      </p:sp>
+    </p:spTree>
+    <p:extLst>
+      <p:ext uri="{BB962C8B-B14F-4D97-AF65-F5344CB8AC3E}">
+        <p14:creationId xmlns:p14="http://schemas.microsoft.com/office/powerpoint/2010/main" val="1152867779"/>
+      </p:ext>
+    </p:extLst>
+  </p:cSld>
+  <p:clrMapOvr>
+    <a:masterClrMapping/>
+  </p:clrMapOvr>
+</p:notes>
+</file>
+
+<file path=ppt/notesSlides/notesSlide3.xml><?xml version="1.0" encoding="utf-8"?>
+<p:notes xmlns:a="http://schemas.openxmlformats.org/drawingml/2006/main" xmlns:r="http://schemas.openxmlformats.org/officeDocument/2006/relationships" xmlns:p="http://schemas.openxmlformats.org/presentationml/2006/main">
+  <p:cSld>
+    <p:spTree>
+      <p:nvGrpSpPr>
+        <p:cNvPr id="1" name=""/>
+        <p:cNvGrpSpPr/>
+        <p:nvPr/>
+      </p:nvGrpSpPr>
+      <p:grpSpPr>
+        <a:xfrm>
+          <a:off x="0" y="0"/>
+          <a:ext cx="0" cy="0"/>
+          <a:chOff x="0" y="0"/>
+          <a:chExt cx="0" cy="0"/>
+        </a:xfrm>
+      </p:grpSpPr>
+      <p:sp>
+        <p:nvSpPr>
+          <p:cNvPr id="2" name="幻灯片图像占位符 1"/>
+          <p:cNvSpPr>
+            <a:spLocks noGrp="1" noRot="1" noChangeAspect="1"/>
+          </p:cNvSpPr>
+          <p:nvPr>
+            <p:ph type="sldImg"/>
+          </p:nvPr>
+        </p:nvSpPr>
+        <p:spPr/>
+      </p:sp>
+      <p:sp>
+        <p:nvSpPr>
+          <p:cNvPr id="3" name="备注占位符 2"/>
+          <p:cNvSpPr>
+            <a:spLocks noGrp="1"/>
+          </p:cNvSpPr>
+          <p:nvPr>
+            <p:ph type="body" idx="1"/>
+          </p:nvPr>
+        </p:nvSpPr>
+        <p:spPr/>
+        <p:txBody>
+          <a:bodyPr/>
+          <a:lstStyle/>
+          <a:p>
+            <a:endParaRPr kumimoji="1" lang="zh-CN" altLang="en-US" dirty="0"/>
+          </a:p>
+        </p:txBody>
+      </p:sp>
+      <p:sp>
+        <p:nvSpPr>
+          <p:cNvPr id="4" name="幻灯片编号占位符 3"/>
+          <p:cNvSpPr>
+            <a:spLocks noGrp="1"/>
+          </p:cNvSpPr>
+          <p:nvPr>
+            <p:ph type="sldNum" sz="quarter" idx="10"/>
+          </p:nvPr>
+        </p:nvSpPr>
+        <p:spPr/>
+        <p:txBody>
+          <a:bodyPr/>
+          <a:lstStyle/>
+          <a:p>
+            <a:fld id="{2A48A843-6325-C940-A430-FD72B9AFF102}" type="slidenum">
+              <a:rPr kumimoji="1" lang="zh-CN" altLang="en-US" smtClean="0"/>
+              <a:t>4</a:t>
+            </a:fld>
+            <a:endParaRPr kumimoji="1" lang="zh-CN" altLang="en-US"/>
+          </a:p>
+        </p:txBody>
+      </p:sp>
+    </p:spTree>
+    <p:extLst>
+      <p:ext uri="{BB962C8B-B14F-4D97-AF65-F5344CB8AC3E}">
+        <p14:creationId xmlns:p14="http://schemas.microsoft.com/office/powerpoint/2010/main" val="5732775"/>
+      </p:ext>
+    </p:extLst>
+  </p:cSld>
+  <p:clrMapOvr>
+    <a:masterClrMapping/>
+  </p:clrMapOvr>
+</p:notes>
+</file>
+
+<file path=ppt/notesSlides/notesSlide4.xml><?xml version="1.0" encoding="utf-8"?>
+<p:notes xmlns:a="http://schemas.openxmlformats.org/drawingml/2006/main" xmlns:r="http://schemas.openxmlformats.org/officeDocument/2006/relationships" xmlns:p="http://schemas.openxmlformats.org/presentationml/2006/main">
+  <p:cSld>
+    <p:spTree>
+      <p:nvGrpSpPr>
+        <p:cNvPr id="1" name=""/>
+        <p:cNvGrpSpPr/>
+        <p:nvPr/>
+      </p:nvGrpSpPr>
+      <p:grpSpPr>
+        <a:xfrm>
+          <a:off x="0" y="0"/>
+          <a:ext cx="0" cy="0"/>
+          <a:chOff x="0" y="0"/>
+          <a:chExt cx="0" cy="0"/>
+        </a:xfrm>
+      </p:grpSpPr>
+      <p:sp>
+        <p:nvSpPr>
+          <p:cNvPr id="2" name="幻灯片图像占位符 1"/>
+          <p:cNvSpPr>
+            <a:spLocks noGrp="1" noRot="1" noChangeAspect="1"/>
+          </p:cNvSpPr>
+          <p:nvPr>
+            <p:ph type="sldImg"/>
+          </p:nvPr>
+        </p:nvSpPr>
+        <p:spPr/>
+      </p:sp>
+      <p:sp>
+        <p:nvSpPr>
+          <p:cNvPr id="3" name="备注占位符 2"/>
+          <p:cNvSpPr>
+            <a:spLocks noGrp="1"/>
+          </p:cNvSpPr>
+          <p:nvPr>
+            <p:ph type="body" idx="1"/>
+          </p:nvPr>
+        </p:nvSpPr>
+        <p:spPr/>
+        <p:txBody>
+          <a:bodyPr/>
+          <a:lstStyle/>
+          <a:p>
+            <a:endParaRPr kumimoji="1" lang="zh-CN" altLang="en-US" dirty="0"/>
+          </a:p>
+        </p:txBody>
+      </p:sp>
+      <p:sp>
+        <p:nvSpPr>
+          <p:cNvPr id="4" name="幻灯片编号占位符 3"/>
+          <p:cNvSpPr>
+            <a:spLocks noGrp="1"/>
+          </p:cNvSpPr>
+          <p:nvPr>
+            <p:ph type="sldNum" sz="quarter" idx="10"/>
+          </p:nvPr>
+        </p:nvSpPr>
+        <p:spPr/>
+        <p:txBody>
+          <a:bodyPr/>
+          <a:lstStyle/>
+          <a:p>
+            <a:fld id="{2A48A843-6325-C940-A430-FD72B9AFF102}" type="slidenum">
+              <a:rPr kumimoji="1" lang="zh-CN" altLang="en-US" smtClean="0"/>
+              <a:t>5</a:t>
+            </a:fld>
+            <a:endParaRPr kumimoji="1" lang="zh-CN" altLang="en-US"/>
+          </a:p>
+        </p:txBody>
+      </p:sp>
+    </p:spTree>
+    <p:extLst>
+      <p:ext uri="{BB962C8B-B14F-4D97-AF65-F5344CB8AC3E}">
+        <p14:creationId xmlns:p14="http://schemas.microsoft.com/office/powerpoint/2010/main" val="1861777827"/>
+      </p:ext>
+    </p:extLst>
+  </p:cSld>
+  <p:clrMapOvr>
+    <a:masterClrMapping/>
+  </p:clrMapOvr>
+</p:notes>
+</file>
+
+<file path=ppt/notesSlides/notesSlide5.xml><?xml version="1.0" encoding="utf-8"?>
+<p:notes xmlns:a="http://schemas.openxmlformats.org/drawingml/2006/main" xmlns:r="http://schemas.openxmlformats.org/officeDocument/2006/relationships" xmlns:p="http://schemas.openxmlformats.org/presentationml/2006/main">
+  <p:cSld>
+    <p:spTree>
+      <p:nvGrpSpPr>
+        <p:cNvPr id="1" name=""/>
+        <p:cNvGrpSpPr/>
+        <p:nvPr/>
+      </p:nvGrpSpPr>
+      <p:grpSpPr>
+        <a:xfrm>
+          <a:off x="0" y="0"/>
+          <a:ext cx="0" cy="0"/>
+          <a:chOff x="0" y="0"/>
+          <a:chExt cx="0" cy="0"/>
+        </a:xfrm>
+      </p:grpSpPr>
+      <p:sp>
+        <p:nvSpPr>
+          <p:cNvPr id="2" name="幻灯片图像占位符 1"/>
+          <p:cNvSpPr>
+            <a:spLocks noGrp="1" noRot="1" noChangeAspect="1"/>
+          </p:cNvSpPr>
+          <p:nvPr>
+            <p:ph type="sldImg"/>
+          </p:nvPr>
+        </p:nvSpPr>
+        <p:spPr/>
+      </p:sp>
+      <p:sp>
+        <p:nvSpPr>
+          <p:cNvPr id="3" name="备注占位符 2"/>
+          <p:cNvSpPr>
+            <a:spLocks noGrp="1"/>
+          </p:cNvSpPr>
+          <p:nvPr>
+            <p:ph type="body" idx="1"/>
+          </p:nvPr>
+        </p:nvSpPr>
+        <p:spPr/>
+        <p:txBody>
+          <a:bodyPr/>
+          <a:lstStyle/>
+          <a:p>
+            <a:endParaRPr kumimoji="1" lang="zh-CN" altLang="en-US" dirty="0"/>
+          </a:p>
+        </p:txBody>
+      </p:sp>
+      <p:sp>
+        <p:nvSpPr>
+          <p:cNvPr id="4" name="幻灯片编号占位符 3"/>
+          <p:cNvSpPr>
+            <a:spLocks noGrp="1"/>
+          </p:cNvSpPr>
+          <p:nvPr>
+            <p:ph type="sldNum" sz="quarter" idx="10"/>
+          </p:nvPr>
+        </p:nvSpPr>
+        <p:spPr/>
+        <p:txBody>
+          <a:bodyPr/>
+          <a:lstStyle/>
+          <a:p>
+            <a:fld id="{2A48A843-6325-C940-A430-FD72B9AFF102}" type="slidenum">
+              <a:rPr kumimoji="1" lang="zh-CN" altLang="en-US" smtClean="0"/>
+              <a:t>7</a:t>
+            </a:fld>
+            <a:endParaRPr kumimoji="1" lang="zh-CN" altLang="en-US"/>
+          </a:p>
+        </p:txBody>
+      </p:sp>
+    </p:spTree>
+    <p:extLst>
+      <p:ext uri="{BB962C8B-B14F-4D97-AF65-F5344CB8AC3E}">
+        <p14:creationId xmlns:p14="http://schemas.microsoft.com/office/powerpoint/2010/main" val="65024413"/>
+      </p:ext>
+    </p:extLst>
+  </p:cSld>
+  <p:clrMapOvr>
+    <a:masterClrMapping/>
+  </p:clrMapOvr>
+</p:notes>
+</file>
+
+<file path=ppt/notesSlides/notesSlide6.xml><?xml version="1.0" encoding="utf-8"?>
+<p:notes xmlns:a="http://schemas.openxmlformats.org/drawingml/2006/main" xmlns:r="http://schemas.openxmlformats.org/officeDocument/2006/relationships" xmlns:p="http://schemas.openxmlformats.org/presentationml/2006/main">
+  <p:cSld>
+    <p:spTree>
+      <p:nvGrpSpPr>
+        <p:cNvPr id="1" name=""/>
+        <p:cNvGrpSpPr/>
+        <p:nvPr/>
+      </p:nvGrpSpPr>
+      <p:grpSpPr>
+        <a:xfrm>
+          <a:off x="0" y="0"/>
+          <a:ext cx="0" cy="0"/>
+          <a:chOff x="0" y="0"/>
+          <a:chExt cx="0" cy="0"/>
+        </a:xfrm>
+      </p:grpSpPr>
+      <p:sp>
+        <p:nvSpPr>
+          <p:cNvPr id="2" name="幻灯片图像占位符 1"/>
+          <p:cNvSpPr>
+            <a:spLocks noGrp="1" noRot="1" noChangeAspect="1"/>
+          </p:cNvSpPr>
+          <p:nvPr>
+            <p:ph type="sldImg"/>
+          </p:nvPr>
+        </p:nvSpPr>
+        <p:spPr/>
+      </p:sp>
+      <p:sp>
+        <p:nvSpPr>
+          <p:cNvPr id="3" name="备注占位符 2"/>
+          <p:cNvSpPr>
+            <a:spLocks noGrp="1"/>
+          </p:cNvSpPr>
+          <p:nvPr>
+            <p:ph type="body" idx="1"/>
+          </p:nvPr>
+        </p:nvSpPr>
+        <p:spPr/>
+        <p:txBody>
+          <a:bodyPr/>
+          <a:lstStyle/>
+          <a:p>
+            <a:endParaRPr kumimoji="1" lang="zh-CN" altLang="en-US" dirty="0"/>
+          </a:p>
+        </p:txBody>
+      </p:sp>
+      <p:sp>
+        <p:nvSpPr>
+          <p:cNvPr id="4" name="幻灯片编号占位符 3"/>
+          <p:cNvSpPr>
+            <a:spLocks noGrp="1"/>
+          </p:cNvSpPr>
+          <p:nvPr>
+            <p:ph type="sldNum" sz="quarter" idx="10"/>
+          </p:nvPr>
+        </p:nvSpPr>
+        <p:spPr/>
+        <p:txBody>
+          <a:bodyPr/>
+          <a:lstStyle/>
+          <a:p>
+            <a:fld id="{2A48A843-6325-C940-A430-FD72B9AFF102}" type="slidenum">
+              <a:rPr kumimoji="1" lang="zh-CN" altLang="en-US" smtClean="0"/>
+              <a:t>10</a:t>
+            </a:fld>
+            <a:endParaRPr kumimoji="1" lang="zh-CN" altLang="en-US"/>
+          </a:p>
+        </p:txBody>
+      </p:sp>
+    </p:spTree>
+    <p:extLst>
+      <p:ext uri="{BB962C8B-B14F-4D97-AF65-F5344CB8AC3E}">
+        <p14:creationId xmlns:p14="http://schemas.microsoft.com/office/powerpoint/2010/main" val="639514394"/>
+      </p:ext>
+    </p:extLst>
+  </p:cSld>
+  <p:clrMapOvr>
+    <a:masterClrMapping/>
+  </p:clrMapOvr>
+</p:notes>
+</file>
+
+<file path=ppt/notesSlides/notesSlide7.xml><?xml version="1.0" encoding="utf-8"?>
+<p:notes xmlns:a="http://schemas.openxmlformats.org/drawingml/2006/main" xmlns:r="http://schemas.openxmlformats.org/officeDocument/2006/relationships" xmlns:p="http://schemas.openxmlformats.org/presentationml/2006/main">
+  <p:cSld>
+    <p:spTree>
+      <p:nvGrpSpPr>
+        <p:cNvPr id="1" name=""/>
+        <p:cNvGrpSpPr/>
+        <p:nvPr/>
+      </p:nvGrpSpPr>
+      <p:grpSpPr>
+        <a:xfrm>
+          <a:off x="0" y="0"/>
+          <a:ext cx="0" cy="0"/>
+          <a:chOff x="0" y="0"/>
+          <a:chExt cx="0" cy="0"/>
+        </a:xfrm>
+      </p:grpSpPr>
+      <p:sp>
+        <p:nvSpPr>
+          <p:cNvPr id="2" name="幻灯片图像占位符 1"/>
+          <p:cNvSpPr>
+            <a:spLocks noGrp="1" noRot="1" noChangeAspect="1"/>
+          </p:cNvSpPr>
+          <p:nvPr>
+            <p:ph type="sldImg"/>
+          </p:nvPr>
+        </p:nvSpPr>
+        <p:spPr/>
+      </p:sp>
+      <p:sp>
+        <p:nvSpPr>
+          <p:cNvPr id="3" name="备注占位符 2"/>
+          <p:cNvSpPr>
+            <a:spLocks noGrp="1"/>
+          </p:cNvSpPr>
+          <p:nvPr>
+            <p:ph type="body" idx="1"/>
+          </p:nvPr>
+        </p:nvSpPr>
+        <p:spPr/>
+        <p:txBody>
+          <a:bodyPr/>
+          <a:lstStyle/>
+          <a:p>
+            <a:endParaRPr kumimoji="1" lang="zh-CN" altLang="en-US" dirty="0"/>
+          </a:p>
+        </p:txBody>
+      </p:sp>
+      <p:sp>
+        <p:nvSpPr>
+          <p:cNvPr id="4" name="幻灯片编号占位符 3"/>
+          <p:cNvSpPr>
+            <a:spLocks noGrp="1"/>
+          </p:cNvSpPr>
+          <p:nvPr>
+            <p:ph type="sldNum" sz="quarter" idx="10"/>
+          </p:nvPr>
+        </p:nvSpPr>
+        <p:spPr/>
+        <p:txBody>
+          <a:bodyPr/>
+          <a:lstStyle/>
+          <a:p>
+            <a:fld id="{2A48A843-6325-C940-A430-FD72B9AFF102}" type="slidenum">
+              <a:rPr kumimoji="1" lang="zh-CN" altLang="en-US" smtClean="0"/>
+              <a:t>11</a:t>
+            </a:fld>
+            <a:endParaRPr kumimoji="1" lang="zh-CN" altLang="en-US"/>
+          </a:p>
+        </p:txBody>
+      </p:sp>
+    </p:spTree>
+    <p:extLst>
+      <p:ext uri="{BB962C8B-B14F-4D97-AF65-F5344CB8AC3E}">
+        <p14:creationId xmlns:p14="http://schemas.microsoft.com/office/powerpoint/2010/main" val="2097441968"/>
+      </p:ext>
+    </p:extLst>
+  </p:cSld>
+  <p:clrMapOvr>
+    <a:masterClrMapping/>
+  </p:clrMapOvr>
+</p:notes>
+</file>
+
+<file path=ppt/notesSlides/notesSlide8.xml><?xml version="1.0" encoding="utf-8"?>
+<p:notes xmlns:a="http://schemas.openxmlformats.org/drawingml/2006/main" xmlns:r="http://schemas.openxmlformats.org/officeDocument/2006/relationships" xmlns:p="http://schemas.openxmlformats.org/presentationml/2006/main">
+  <p:cSld>
+    <p:spTree>
+      <p:nvGrpSpPr>
+        <p:cNvPr id="1" name=""/>
+        <p:cNvGrpSpPr/>
+        <p:nvPr/>
+      </p:nvGrpSpPr>
+      <p:grpSpPr>
+        <a:xfrm>
+          <a:off x="0" y="0"/>
+          <a:ext cx="0" cy="0"/>
+          <a:chOff x="0" y="0"/>
+          <a:chExt cx="0" cy="0"/>
+        </a:xfrm>
+      </p:grpSpPr>
+      <p:sp>
+        <p:nvSpPr>
+          <p:cNvPr id="2" name="幻灯片图像占位符 1"/>
+          <p:cNvSpPr>
+            <a:spLocks noGrp="1" noRot="1" noChangeAspect="1"/>
+          </p:cNvSpPr>
+          <p:nvPr>
+            <p:ph type="sldImg"/>
+          </p:nvPr>
+        </p:nvSpPr>
+        <p:spPr/>
+      </p:sp>
+      <p:sp>
+        <p:nvSpPr>
+          <p:cNvPr id="3" name="备注占位符 2"/>
+          <p:cNvSpPr>
+            <a:spLocks noGrp="1"/>
+          </p:cNvSpPr>
+          <p:nvPr>
+            <p:ph type="body" idx="1"/>
+          </p:nvPr>
+        </p:nvSpPr>
+        <p:spPr/>
+        <p:txBody>
+          <a:bodyPr/>
+          <a:lstStyle/>
+          <a:p>
+            <a:endParaRPr kumimoji="1" lang="zh-CN" altLang="en-US" dirty="0"/>
+          </a:p>
+        </p:txBody>
+      </p:sp>
+      <p:sp>
+        <p:nvSpPr>
+          <p:cNvPr id="4" name="幻灯片编号占位符 3"/>
+          <p:cNvSpPr>
+            <a:spLocks noGrp="1"/>
+          </p:cNvSpPr>
+          <p:nvPr>
+            <p:ph type="sldNum" sz="quarter" idx="10"/>
+          </p:nvPr>
+        </p:nvSpPr>
+        <p:spPr/>
+        <p:txBody>
+          <a:bodyPr/>
+          <a:lstStyle/>
+          <a:p>
+            <a:fld id="{2A48A843-6325-C940-A430-FD72B9AFF102}" type="slidenum">
+              <a:rPr kumimoji="1" lang="zh-CN" altLang="en-US" smtClean="0"/>
+              <a:t>12</a:t>
+            </a:fld>
+            <a:endParaRPr kumimoji="1" lang="zh-CN" altLang="en-US"/>
+          </a:p>
+        </p:txBody>
+      </p:sp>
+    </p:spTree>
+    <p:extLst>
+      <p:ext uri="{BB962C8B-B14F-4D97-AF65-F5344CB8AC3E}">
+        <p14:creationId xmlns:p14="http://schemas.microsoft.com/office/powerpoint/2010/main" val="1377891761"/>
+      </p:ext>
+    </p:extLst>
+  </p:cSld>
+  <p:clrMapOvr>
+    <a:masterClrMapping/>
+  </p:clrMapOvr>
+</p:notes>
+</file>
+
+<file path=ppt/notesSlides/notesSlide9.xml><?xml version="1.0" encoding="utf-8"?>
+<p:notes xmlns:a="http://schemas.openxmlformats.org/drawingml/2006/main" xmlns:r="http://schemas.openxmlformats.org/officeDocument/2006/relationships" xmlns:p="http://schemas.openxmlformats.org/presentationml/2006/main">
+  <p:cSld>
+    <p:spTree>
+      <p:nvGrpSpPr>
+        <p:cNvPr id="1" name=""/>
+        <p:cNvGrpSpPr/>
+        <p:nvPr/>
+      </p:nvGrpSpPr>
+      <p:grpSpPr>
+        <a:xfrm>
+          <a:off x="0" y="0"/>
+          <a:ext cx="0" cy="0"/>
+          <a:chOff x="0" y="0"/>
+          <a:chExt cx="0" cy="0"/>
+        </a:xfrm>
+      </p:grpSpPr>
+      <p:sp>
+        <p:nvSpPr>
+          <p:cNvPr id="2" name="幻灯片图像占位符 1"/>
+          <p:cNvSpPr>
+            <a:spLocks noGrp="1" noRot="1" noChangeAspect="1"/>
+          </p:cNvSpPr>
+          <p:nvPr>
+            <p:ph type="sldImg"/>
+          </p:nvPr>
+        </p:nvSpPr>
+        <p:spPr/>
+      </p:sp>
+      <p:sp>
+        <p:nvSpPr>
+          <p:cNvPr id="3" name="备注占位符 2"/>
+          <p:cNvSpPr>
+            <a:spLocks noGrp="1"/>
+          </p:cNvSpPr>
+          <p:nvPr>
+            <p:ph type="body" idx="1"/>
+          </p:nvPr>
+        </p:nvSpPr>
+        <p:spPr/>
+        <p:txBody>
+          <a:bodyPr/>
+          <a:lstStyle/>
+          <a:p>
+            <a:endParaRPr kumimoji="1" lang="zh-CN" altLang="en-US" dirty="0"/>
+          </a:p>
+        </p:txBody>
+      </p:sp>
+      <p:sp>
+        <p:nvSpPr>
+          <p:cNvPr id="4" name="幻灯片编号占位符 3"/>
+          <p:cNvSpPr>
+            <a:spLocks noGrp="1"/>
+          </p:cNvSpPr>
+          <p:nvPr>
+            <p:ph type="sldNum" sz="quarter" idx="10"/>
+          </p:nvPr>
+        </p:nvSpPr>
+        <p:spPr/>
+        <p:txBody>
+          <a:bodyPr/>
+          <a:lstStyle/>
+          <a:p>
+            <a:fld id="{2A48A843-6325-C940-A430-FD72B9AFF102}" type="slidenum">
+              <a:rPr kumimoji="1" lang="zh-CN" altLang="en-US" smtClean="0"/>
+              <a:t>13</a:t>
+            </a:fld>
+            <a:endParaRPr kumimoji="1" lang="zh-CN" altLang="en-US"/>
+          </a:p>
+        </p:txBody>
+      </p:sp>
+    </p:spTree>
+    <p:extLst>
+      <p:ext uri="{BB962C8B-B14F-4D97-AF65-F5344CB8AC3E}">
+        <p14:creationId xmlns:p14="http://schemas.microsoft.com/office/powerpoint/2010/main" val="762322020"/>
+      </p:ext>
+    </p:extLst>
+  </p:cSld>
+  <p:clrMapOvr>
+    <a:masterClrMapping/>
+  </p:clrMapOvr>
+</p:notes>
+</file>
+
 <file path=ppt/slideLayouts/slideLayout1.xml><?xml version="1.0" encoding="utf-8"?>
 <p:sldLayout xmlns:a="http://schemas.openxmlformats.org/drawingml/2006/main" xmlns:r="http://schemas.openxmlformats.org/officeDocument/2006/relationships" xmlns:p="http://schemas.openxmlformats.org/presentationml/2006/main" type="title" preserve="1">
   <p:cSld name="标题幻灯片">
@@ -560,7 +1952,7 @@
           <a:effectLst/>
           <a:extLst>
             <a:ext uri="{91240B29-F687-4f45-9708-019B960494DF}">
-              <a14:hiddenLine xmlns:a14="http://schemas.microsoft.com/office/drawing/2010/main" xmlns="" w="9525">
+              <a14:hiddenLine xmlns="" xmlns:a14="http://schemas.microsoft.com/office/drawing/2010/main" w="9525">
                 <a:solidFill>
                   <a:srgbClr val="000000"/>
                 </a:solidFill>
@@ -753,7 +2145,7 @@
             <a:fld id="{08B9EBBA-996F-894A-B54A-D6246ED52CEA}" type="datetimeFigureOut">
               <a:rPr lang="en-US" dirty="0"/>
               <a:pPr/>
-              <a:t>7/7/19</a:t>
+              <a:t>7/9/19</a:t>
             </a:fld>
             <a:endParaRPr lang="en-US" dirty="0"/>
           </a:p>
@@ -1068,7 +2460,7 @@
             <a:fld id="{18C79C5D-2A6F-F04D-97DA-BEF2467B64E4}" type="datetimeFigureOut">
               <a:rPr lang="en-US" dirty="0"/>
               <a:pPr/>
-              <a:t>7/7/19</a:t>
+              <a:t>7/9/19</a:t>
             </a:fld>
             <a:endParaRPr lang="en-US" dirty="0"/>
           </a:p>
@@ -1553,7 +2945,7 @@
             <a:fld id="{8DFA1846-DA80-1C48-A609-854EA85C59AD}" type="datetimeFigureOut">
               <a:rPr lang="en-US" dirty="0"/>
               <a:pPr/>
-              <a:t>7/7/19</a:t>
+              <a:t>7/9/19</a:t>
             </a:fld>
             <a:endParaRPr lang="en-US" dirty="0"/>
           </a:p>
@@ -1919,7 +3311,7 @@
             <a:fld id="{FBF54567-0DE4-3F47-BF90-CB84690072F9}" type="datetimeFigureOut">
               <a:rPr lang="en-US" dirty="0"/>
               <a:pPr/>
-              <a:t>7/7/19</a:t>
+              <a:t>7/9/19</a:t>
             </a:fld>
             <a:endParaRPr lang="en-US" dirty="0"/>
           </a:p>
@@ -2070,7 +3462,7 @@
           <a:ln/>
           <a:extLst>
             <a:ext uri="{91240B29-F687-4f45-9708-019B960494DF}">
-              <a14:hiddenLine xmlns:a14="http://schemas.microsoft.com/office/drawing/2010/main" xmlns="" w="9525">
+              <a14:hiddenLine xmlns="" xmlns:a14="http://schemas.microsoft.com/office/drawing/2010/main" w="9525">
                 <a:solidFill>
                   <a:srgbClr val="000000"/>
                 </a:solidFill>
@@ -2189,7 +3581,7 @@
             <a:fld id="{C6C52C72-DE31-F449-A4ED-4C594FD91407}" type="datetimeFigureOut">
               <a:rPr lang="en-US" dirty="0"/>
               <a:pPr/>
-              <a:t>7/7/19</a:t>
+              <a:t>7/9/19</a:t>
             </a:fld>
             <a:endParaRPr lang="en-US" dirty="0"/>
           </a:p>
@@ -2342,7 +3734,7 @@
           <a:ln/>
           <a:extLst>
             <a:ext uri="{91240B29-F687-4f45-9708-019B960494DF}">
-              <a14:hiddenLine xmlns:a14="http://schemas.microsoft.com/office/drawing/2010/main" xmlns="" w="9525">
+              <a14:hiddenLine xmlns="" xmlns:a14="http://schemas.microsoft.com/office/drawing/2010/main" w="9525">
                 <a:solidFill>
                   <a:srgbClr val="000000"/>
                 </a:solidFill>
@@ -2471,7 +3863,7 @@
             <a:fld id="{ED62726E-379B-B349-9EED-81ED093FA806}" type="datetimeFigureOut">
               <a:rPr lang="en-US" dirty="0"/>
               <a:pPr/>
-              <a:t>7/7/19</a:t>
+              <a:t>7/9/19</a:t>
             </a:fld>
             <a:endParaRPr lang="en-US" dirty="0"/>
           </a:p>
@@ -2622,7 +4014,7 @@
           <a:ln/>
           <a:extLst>
             <a:ext uri="{91240B29-F687-4f45-9708-019B960494DF}">
-              <a14:hiddenLine xmlns:a14="http://schemas.microsoft.com/office/drawing/2010/main" xmlns="" w="9525">
+              <a14:hiddenLine xmlns="" xmlns:a14="http://schemas.microsoft.com/office/drawing/2010/main" w="9525">
                 <a:solidFill>
                   <a:srgbClr val="000000"/>
                 </a:solidFill>
@@ -2751,7 +4143,7 @@
             <a:fld id="{9B3A1323-8D79-1946-B0D7-40001CF92E9D}" type="datetimeFigureOut">
               <a:rPr lang="en-US" dirty="0"/>
               <a:pPr/>
-              <a:t>7/7/19</a:t>
+              <a:t>7/9/19</a:t>
             </a:fld>
             <a:endParaRPr lang="en-US" dirty="0"/>
           </a:p>
@@ -3091,7 +4483,7 @@
             <a:fld id="{8DFA1846-DA80-1C48-A609-854EA85C59AD}" type="datetimeFigureOut">
               <a:rPr lang="en-US" dirty="0"/>
               <a:pPr/>
-              <a:t>7/7/19</a:t>
+              <a:t>7/9/19</a:t>
             </a:fld>
             <a:endParaRPr lang="en-US" dirty="0"/>
           </a:p>
@@ -3242,7 +4634,7 @@
           <a:ln/>
           <a:extLst>
             <a:ext uri="{91240B29-F687-4f45-9708-019B960494DF}">
-              <a14:hiddenLine xmlns:a14="http://schemas.microsoft.com/office/drawing/2010/main" xmlns="" w="9525">
+              <a14:hiddenLine xmlns="" xmlns:a14="http://schemas.microsoft.com/office/drawing/2010/main" w="9525">
                 <a:solidFill>
                   <a:srgbClr val="000000"/>
                 </a:solidFill>
@@ -3427,7 +4819,7 @@
             <a:fld id="{57302355-E14B-8545-A8F8-0FE83CC9D524}" type="datetimeFigureOut">
               <a:rPr lang="en-US" dirty="0"/>
               <a:pPr/>
-              <a:t>7/7/19</a:t>
+              <a:t>7/9/19</a:t>
             </a:fld>
             <a:endParaRPr lang="en-US" dirty="0"/>
           </a:p>
@@ -3578,7 +4970,7 @@
           <a:ln/>
           <a:extLst>
             <a:ext uri="{91240B29-F687-4f45-9708-019B960494DF}">
-              <a14:hiddenLine xmlns:a14="http://schemas.microsoft.com/office/drawing/2010/main" xmlns="" w="9525">
+              <a14:hiddenLine xmlns="" xmlns:a14="http://schemas.microsoft.com/office/drawing/2010/main" w="9525">
                 <a:solidFill>
                   <a:srgbClr val="000000"/>
                 </a:solidFill>
@@ -3901,7 +5293,7 @@
             <a:fld id="{02640F58-564D-2B4F-AE67-E407BA4FCF45}" type="datetimeFigureOut">
               <a:rPr lang="en-US" dirty="0"/>
               <a:pPr/>
-              <a:t>7/7/19</a:t>
+              <a:t>7/9/19</a:t>
             </a:fld>
             <a:endParaRPr lang="en-US" dirty="0"/>
           </a:p>
@@ -4052,7 +5444,7 @@
           <a:ln/>
           <a:extLst>
             <a:ext uri="{91240B29-F687-4f45-9708-019B960494DF}">
-              <a14:hiddenLine xmlns:a14="http://schemas.microsoft.com/office/drawing/2010/main" xmlns="" w="9525">
+              <a14:hiddenLine xmlns="" xmlns:a14="http://schemas.microsoft.com/office/drawing/2010/main" w="9525">
                 <a:solidFill>
                   <a:srgbClr val="000000"/>
                 </a:solidFill>
@@ -4119,7 +5511,7 @@
             <a:fld id="{F13A34C8-038E-2045-AF43-DF7DBB8E0E9E}" type="datetimeFigureOut">
               <a:rPr lang="en-US" dirty="0"/>
               <a:pPr/>
-              <a:t>7/7/19</a:t>
+              <a:t>7/9/19</a:t>
             </a:fld>
             <a:endParaRPr lang="en-US" dirty="0"/>
           </a:p>
@@ -4211,7 +5603,7 @@
             <a:fld id="{8818C68F-D26B-8F47-958C-23B49CF8A634}" type="datetimeFigureOut">
               <a:rPr lang="en-US" dirty="0"/>
               <a:pPr/>
-              <a:t>7/7/19</a:t>
+              <a:t>7/9/19</a:t>
             </a:fld>
             <a:endParaRPr lang="en-US" dirty="0"/>
           </a:p>
@@ -4475,7 +5867,7 @@
           <a:ln/>
           <a:extLst>
             <a:ext uri="{91240B29-F687-4f45-9708-019B960494DF}">
-              <a14:hiddenLine xmlns:a14="http://schemas.microsoft.com/office/drawing/2010/main" xmlns="" w="9525">
+              <a14:hiddenLine xmlns="" xmlns:a14="http://schemas.microsoft.com/office/drawing/2010/main" w="9525">
                 <a:solidFill>
                   <a:srgbClr val="000000"/>
                 </a:solidFill>
@@ -4675,7 +6067,7 @@
             <a:fld id="{D0DF5E60-9974-AC48-9591-99C2BB44B7CF}" type="datetimeFigureOut">
               <a:rPr lang="en-US" dirty="0"/>
               <a:pPr/>
-              <a:t>7/7/19</a:t>
+              <a:t>7/9/19</a:t>
             </a:fld>
             <a:endParaRPr lang="en-US" dirty="0"/>
           </a:p>
@@ -4985,7 +6377,7 @@
             <a:fld id="{18C79C5D-2A6F-F04D-97DA-BEF2467B64E4}" type="datetimeFigureOut">
               <a:rPr lang="en-US" dirty="0"/>
               <a:pPr/>
-              <a:t>7/7/19</a:t>
+              <a:t>7/9/19</a:t>
             </a:fld>
             <a:endParaRPr lang="en-US" dirty="0"/>
           </a:p>
@@ -5252,7 +6644,7 @@
             <a:fld id="{09B482E8-6E0E-1B4F-B1FD-C69DB9E858D9}" type="datetimeFigureOut">
               <a:rPr lang="en-US" dirty="0"/>
               <a:pPr/>
-              <a:t>7/7/19</a:t>
+              <a:t>7/9/19</a:t>
             </a:fld>
             <a:endParaRPr lang="en-US" dirty="0"/>
           </a:p>
@@ -5782,6 +7174,5934 @@
       </p:par>
     </p:tnLst>
   </p:timing>
+</p:sld>
+</file>
+
+<file path=ppt/slides/slide10.xml><?xml version="1.0" encoding="utf-8"?>
+<p:sld xmlns:a="http://schemas.openxmlformats.org/drawingml/2006/main" xmlns:r="http://schemas.openxmlformats.org/officeDocument/2006/relationships" xmlns:p="http://schemas.openxmlformats.org/presentationml/2006/main">
+  <p:cSld>
+    <p:spTree>
+      <p:nvGrpSpPr>
+        <p:cNvPr id="1" name=""/>
+        <p:cNvGrpSpPr/>
+        <p:nvPr/>
+      </p:nvGrpSpPr>
+      <p:grpSpPr>
+        <a:xfrm>
+          <a:off x="0" y="0"/>
+          <a:ext cx="0" cy="0"/>
+          <a:chOff x="0" y="0"/>
+          <a:chExt cx="0" cy="0"/>
+        </a:xfrm>
+      </p:grpSpPr>
+      <p:sp>
+        <p:nvSpPr>
+          <p:cNvPr id="2" name="标题 1"/>
+          <p:cNvSpPr>
+            <a:spLocks noGrp="1"/>
+          </p:cNvSpPr>
+          <p:nvPr>
+            <p:ph type="title"/>
+          </p:nvPr>
+        </p:nvSpPr>
+        <p:spPr/>
+        <p:txBody>
+          <a:bodyPr/>
+          <a:lstStyle/>
+          <a:p>
+            <a:r>
+              <a:rPr kumimoji="1" lang="zh-CN" altLang="en-US" dirty="0"/>
+              <a:t>认证</a:t>
+            </a:r>
+            <a:r>
+              <a:rPr kumimoji="1" lang="en-US" altLang="zh-CN" dirty="0" smtClean="0"/>
+              <a:t>-Service</a:t>
+            </a:r>
+            <a:r>
+              <a:rPr kumimoji="1" lang="zh-CN" altLang="en-US" dirty="0" smtClean="0"/>
+              <a:t> </a:t>
+            </a:r>
+            <a:r>
+              <a:rPr kumimoji="1" lang="en-US" altLang="zh-CN" dirty="0" smtClean="0"/>
+              <a:t>TLS</a:t>
+            </a:r>
+            <a:endParaRPr kumimoji="1" lang="zh-CN" altLang="en-US" dirty="0"/>
+          </a:p>
+        </p:txBody>
+      </p:sp>
+      <p:sp>
+        <p:nvSpPr>
+          <p:cNvPr id="3" name="内容占位符 2"/>
+          <p:cNvSpPr>
+            <a:spLocks noGrp="1"/>
+          </p:cNvSpPr>
+          <p:nvPr>
+            <p:ph idx="1"/>
+          </p:nvPr>
+        </p:nvSpPr>
+        <p:spPr/>
+        <p:txBody>
+          <a:bodyPr/>
+          <a:lstStyle/>
+          <a:p>
+            <a:r>
+              <a:rPr lang="en-US" altLang="zh-CN" dirty="0" err="1"/>
+              <a:t>kubectl</a:t>
+            </a:r>
+            <a:r>
+              <a:rPr lang="en-US" altLang="zh-CN" dirty="0"/>
+              <a:t> apply </a:t>
+            </a:r>
+            <a:r>
+              <a:rPr lang="en-US" altLang="zh-CN" dirty="0"/>
+              <a:t>-</a:t>
+            </a:r>
+            <a:r>
+              <a:rPr lang="en-US" altLang="zh-CN" dirty="0" smtClean="0"/>
+              <a:t>n</a:t>
+            </a:r>
+            <a:r>
+              <a:rPr lang="zh-CN" altLang="en-US" dirty="0" smtClean="0"/>
+              <a:t> </a:t>
+            </a:r>
+            <a:r>
+              <a:rPr lang="en-US" altLang="zh-CN" dirty="0" smtClean="0"/>
+              <a:t>bar</a:t>
+            </a:r>
+            <a:r>
+              <a:rPr lang="zh-CN" altLang="en-US" dirty="0" smtClean="0"/>
+              <a:t> </a:t>
+            </a:r>
+            <a:r>
+              <a:rPr lang="en-US" altLang="zh-CN" dirty="0" smtClean="0"/>
+              <a:t>-f </a:t>
+            </a:r>
+            <a:r>
+              <a:rPr lang="en-US" altLang="zh-CN" dirty="0"/>
+              <a:t>p-</a:t>
+            </a:r>
+            <a:r>
+              <a:rPr lang="en-US" altLang="zh-CN" dirty="0" err="1"/>
+              <a:t>httpbin.yaml</a:t>
+            </a:r>
+            <a:r>
+              <a:rPr lang="en-US" altLang="zh-CN" dirty="0"/>
+              <a:t> </a:t>
+            </a:r>
+            <a:endParaRPr lang="en-US" altLang="zh-CN" dirty="0" smtClean="0"/>
+          </a:p>
+          <a:p>
+            <a:r>
+              <a:rPr lang="en-US" altLang="zh-CN" dirty="0" err="1" smtClean="0"/>
+              <a:t>kubectl</a:t>
+            </a:r>
+            <a:r>
+              <a:rPr lang="en-US" altLang="zh-CN" dirty="0" smtClean="0"/>
+              <a:t> apply</a:t>
+            </a:r>
+            <a:r>
+              <a:rPr lang="en-US" altLang="zh-CN" dirty="0"/>
+              <a:t> -n</a:t>
+            </a:r>
+            <a:r>
+              <a:rPr lang="zh-CN" altLang="en-US" dirty="0"/>
+              <a:t> </a:t>
+            </a:r>
+            <a:r>
+              <a:rPr lang="en-US" altLang="zh-CN" dirty="0"/>
+              <a:t>bar</a:t>
+            </a:r>
+            <a:r>
+              <a:rPr lang="en-US" altLang="zh-CN" dirty="0" smtClean="0"/>
+              <a:t> </a:t>
+            </a:r>
+            <a:r>
+              <a:rPr lang="en-US" altLang="zh-CN" dirty="0"/>
+              <a:t>-f </a:t>
+            </a:r>
+            <a:r>
+              <a:rPr lang="en-US" altLang="zh-CN" dirty="0" err="1"/>
+              <a:t>dr-httpbin.yaml</a:t>
+            </a:r>
+            <a:r>
+              <a:rPr lang="en-US" altLang="zh-CN" dirty="0"/>
+              <a:t> </a:t>
+            </a:r>
+            <a:endParaRPr lang="en-US" altLang="zh-CN" dirty="0" smtClean="0"/>
+          </a:p>
+          <a:p>
+            <a:r>
+              <a:rPr lang="en-US" altLang="zh-CN" dirty="0"/>
+              <a:t>//</a:t>
+            </a:r>
+            <a:r>
+              <a:rPr lang="en-US" altLang="zh-CN" dirty="0" err="1"/>
+              <a:t>sleep.legacy</a:t>
+            </a:r>
+            <a:r>
+              <a:rPr lang="en-US" altLang="zh-CN" dirty="0"/>
+              <a:t> to </a:t>
+            </a:r>
+            <a:r>
+              <a:rPr lang="en-US" altLang="zh-CN" dirty="0" err="1"/>
+              <a:t>httpbin.foo</a:t>
+            </a:r>
+            <a:r>
+              <a:rPr lang="en-US" altLang="zh-CN" dirty="0"/>
+              <a:t> &amp; </a:t>
+            </a:r>
+            <a:r>
+              <a:rPr lang="en-US" altLang="zh-CN" dirty="0" err="1"/>
+              <a:t>sleep.legacy</a:t>
+            </a:r>
+            <a:r>
+              <a:rPr lang="en-US" altLang="zh-CN" dirty="0"/>
+              <a:t> to </a:t>
+            </a:r>
+            <a:r>
+              <a:rPr lang="en-US" altLang="zh-CN" dirty="0" err="1"/>
+              <a:t>httpbin.bar</a:t>
+            </a:r>
+            <a:r>
+              <a:rPr lang="en-US" altLang="zh-CN" dirty="0"/>
+              <a:t> fail</a:t>
+            </a:r>
+          </a:p>
+          <a:p>
+            <a:r>
+              <a:rPr lang="en-US" altLang="zh-CN" dirty="0"/>
+              <a:t>for from in "foo" "bar" "legacy"; do for to in "foo" "bar" "legacy"; do </a:t>
+            </a:r>
+            <a:r>
+              <a:rPr lang="en-US" altLang="zh-CN" dirty="0" err="1"/>
+              <a:t>kubectl</a:t>
+            </a:r>
+            <a:r>
+              <a:rPr lang="en-US" altLang="zh-CN" dirty="0"/>
+              <a:t> exec $(</a:t>
+            </a:r>
+            <a:r>
+              <a:rPr lang="en-US" altLang="zh-CN" dirty="0" err="1"/>
+              <a:t>kubectl</a:t>
+            </a:r>
+            <a:r>
+              <a:rPr lang="en-US" altLang="zh-CN" dirty="0"/>
+              <a:t> get pod -l app=sleep -n ${from} -o </a:t>
+            </a:r>
+            <a:r>
+              <a:rPr lang="en-US" altLang="zh-CN" dirty="0" err="1"/>
+              <a:t>jsonpath</a:t>
+            </a:r>
+            <a:r>
+              <a:rPr lang="en-US" altLang="zh-CN" dirty="0"/>
+              <a:t>={.items..</a:t>
+            </a:r>
+            <a:r>
+              <a:rPr lang="en-US" altLang="zh-CN" dirty="0" err="1"/>
+              <a:t>metadata.name</a:t>
+            </a:r>
+            <a:r>
+              <a:rPr lang="en-US" altLang="zh-CN" dirty="0"/>
+              <a:t>}) -c sleep -n ${from} -- curl "http://</a:t>
+            </a:r>
+            <a:r>
+              <a:rPr lang="en-US" altLang="zh-CN" dirty="0" err="1"/>
+              <a:t>httpbin</a:t>
+            </a:r>
+            <a:r>
+              <a:rPr lang="en-US" altLang="zh-CN" dirty="0"/>
+              <a:t>.${to}:8000/</a:t>
+            </a:r>
+            <a:r>
+              <a:rPr lang="en-US" altLang="zh-CN" dirty="0" err="1"/>
+              <a:t>ip</a:t>
+            </a:r>
+            <a:r>
+              <a:rPr lang="en-US" altLang="zh-CN" dirty="0"/>
+              <a:t>" -s -o /dev/null -w "sleep.${from} to </a:t>
+            </a:r>
+            <a:r>
+              <a:rPr lang="en-US" altLang="zh-CN" dirty="0" err="1"/>
+              <a:t>httpbin</a:t>
+            </a:r>
+            <a:r>
+              <a:rPr lang="en-US" altLang="zh-CN" dirty="0"/>
+              <a:t>.${to}: %{</a:t>
+            </a:r>
+            <a:r>
+              <a:rPr lang="en-US" altLang="zh-CN" dirty="0" err="1"/>
+              <a:t>http_code</a:t>
+            </a:r>
+            <a:r>
+              <a:rPr lang="en-US" altLang="zh-CN" dirty="0"/>
+              <a:t>}\n"; done; done</a:t>
+            </a:r>
+            <a:endParaRPr lang="en-US" altLang="zh-CN" dirty="0">
+              <a:effectLst/>
+            </a:endParaRPr>
+          </a:p>
+        </p:txBody>
+      </p:sp>
+    </p:spTree>
+    <p:extLst>
+      <p:ext uri="{BB962C8B-B14F-4D97-AF65-F5344CB8AC3E}">
+        <p14:creationId xmlns:p14="http://schemas.microsoft.com/office/powerpoint/2010/main" val="1728469973"/>
+      </p:ext>
+    </p:extLst>
+  </p:cSld>
+  <p:clrMapOvr>
+    <a:masterClrMapping/>
+  </p:clrMapOvr>
+</p:sld>
+</file>
+
+<file path=ppt/slides/slide11.xml><?xml version="1.0" encoding="utf-8"?>
+<p:sld xmlns:a="http://schemas.openxmlformats.org/drawingml/2006/main" xmlns:r="http://schemas.openxmlformats.org/officeDocument/2006/relationships" xmlns:p="http://schemas.openxmlformats.org/presentationml/2006/main">
+  <p:cSld>
+    <p:spTree>
+      <p:nvGrpSpPr>
+        <p:cNvPr id="1" name=""/>
+        <p:cNvGrpSpPr/>
+        <p:nvPr/>
+      </p:nvGrpSpPr>
+      <p:grpSpPr>
+        <a:xfrm>
+          <a:off x="0" y="0"/>
+          <a:ext cx="0" cy="0"/>
+          <a:chOff x="0" y="0"/>
+          <a:chExt cx="0" cy="0"/>
+        </a:xfrm>
+      </p:grpSpPr>
+      <p:sp>
+        <p:nvSpPr>
+          <p:cNvPr id="2" name="标题 1"/>
+          <p:cNvSpPr>
+            <a:spLocks noGrp="1"/>
+          </p:cNvSpPr>
+          <p:nvPr>
+            <p:ph type="title"/>
+          </p:nvPr>
+        </p:nvSpPr>
+        <p:spPr/>
+        <p:txBody>
+          <a:bodyPr/>
+          <a:lstStyle/>
+          <a:p>
+            <a:r>
+              <a:rPr kumimoji="1" lang="zh-CN" altLang="en-US" dirty="0"/>
+              <a:t>认证</a:t>
+            </a:r>
+            <a:r>
+              <a:rPr kumimoji="1" lang="en-US" altLang="zh-CN" dirty="0" smtClean="0"/>
+              <a:t>-Service</a:t>
+            </a:r>
+            <a:r>
+              <a:rPr kumimoji="1" lang="zh-CN" altLang="en-US" dirty="0" smtClean="0"/>
+              <a:t> </a:t>
+            </a:r>
+            <a:r>
+              <a:rPr kumimoji="1" lang="en-US" altLang="zh-CN" dirty="0" smtClean="0"/>
+              <a:t>TLS</a:t>
+            </a:r>
+            <a:endParaRPr kumimoji="1" lang="zh-CN" altLang="en-US" dirty="0"/>
+          </a:p>
+        </p:txBody>
+      </p:sp>
+      <p:sp>
+        <p:nvSpPr>
+          <p:cNvPr id="3" name="内容占位符 2"/>
+          <p:cNvSpPr>
+            <a:spLocks noGrp="1"/>
+          </p:cNvSpPr>
+          <p:nvPr>
+            <p:ph idx="1"/>
+          </p:nvPr>
+        </p:nvSpPr>
+        <p:spPr/>
+        <p:txBody>
+          <a:bodyPr/>
+          <a:lstStyle/>
+          <a:p>
+            <a:r>
+              <a:rPr lang="en-US" altLang="zh-CN" dirty="0" err="1"/>
+              <a:t>kubectl</a:t>
+            </a:r>
+            <a:r>
+              <a:rPr lang="en-US" altLang="zh-CN" dirty="0"/>
+              <a:t> </a:t>
+            </a:r>
+            <a:r>
+              <a:rPr lang="en-US" altLang="zh-CN" dirty="0" smtClean="0"/>
+              <a:t>apply</a:t>
+            </a:r>
+            <a:r>
+              <a:rPr lang="en-US" altLang="zh-CN" dirty="0"/>
+              <a:t> -n</a:t>
+            </a:r>
+            <a:r>
+              <a:rPr lang="zh-CN" altLang="en-US" dirty="0"/>
+              <a:t> </a:t>
+            </a:r>
+            <a:r>
+              <a:rPr lang="en-US" altLang="zh-CN" dirty="0"/>
+              <a:t>bar</a:t>
+            </a:r>
+            <a:r>
+              <a:rPr lang="en-US" altLang="zh-CN" dirty="0" smtClean="0"/>
+              <a:t> </a:t>
+            </a:r>
+            <a:r>
+              <a:rPr lang="en-US" altLang="zh-CN" dirty="0"/>
+              <a:t>-f p-</a:t>
+            </a:r>
+            <a:r>
+              <a:rPr lang="en-US" altLang="zh-CN" dirty="0" err="1"/>
+              <a:t>httpbin</a:t>
+            </a:r>
+            <a:r>
+              <a:rPr lang="en-US" altLang="zh-CN" dirty="0"/>
+              <a:t>-</a:t>
+            </a:r>
+            <a:r>
+              <a:rPr lang="en-US" altLang="zh-CN" dirty="0" err="1"/>
+              <a:t>port.yaml</a:t>
+            </a:r>
+            <a:r>
+              <a:rPr lang="en-US" altLang="zh-CN" dirty="0"/>
+              <a:t> </a:t>
+            </a:r>
+            <a:endParaRPr lang="en-US" altLang="zh-CN" dirty="0" smtClean="0"/>
+          </a:p>
+          <a:p>
+            <a:r>
+              <a:rPr lang="en-US" altLang="zh-CN" dirty="0" err="1" smtClean="0"/>
+              <a:t>kubectl</a:t>
+            </a:r>
+            <a:r>
+              <a:rPr lang="en-US" altLang="zh-CN" dirty="0" smtClean="0"/>
+              <a:t> apply</a:t>
+            </a:r>
+            <a:r>
+              <a:rPr lang="en-US" altLang="zh-CN" dirty="0"/>
+              <a:t> -n</a:t>
+            </a:r>
+            <a:r>
+              <a:rPr lang="zh-CN" altLang="en-US" dirty="0"/>
+              <a:t> </a:t>
+            </a:r>
+            <a:r>
+              <a:rPr lang="en-US" altLang="zh-CN" dirty="0"/>
+              <a:t>bar</a:t>
+            </a:r>
+            <a:r>
+              <a:rPr lang="en-US" altLang="zh-CN" dirty="0" smtClean="0"/>
+              <a:t> </a:t>
+            </a:r>
+            <a:r>
+              <a:rPr lang="en-US" altLang="zh-CN" dirty="0"/>
+              <a:t>-f </a:t>
+            </a:r>
+            <a:r>
+              <a:rPr lang="en-US" altLang="zh-CN" dirty="0" err="1"/>
+              <a:t>dr-httpbin-port.yaml</a:t>
+            </a:r>
+            <a:r>
+              <a:rPr lang="en-US" altLang="zh-CN" dirty="0" smtClean="0"/>
+              <a:t> </a:t>
+            </a:r>
+          </a:p>
+          <a:p>
+            <a:r>
+              <a:rPr lang="en-US" altLang="zh-CN" dirty="0"/>
+              <a:t>//</a:t>
+            </a:r>
+            <a:r>
+              <a:rPr lang="en-US" altLang="zh-CN" i="1" dirty="0" err="1"/>
+              <a:t>sleep.legacy</a:t>
+            </a:r>
+            <a:r>
+              <a:rPr lang="en-US" altLang="zh-CN" i="1" dirty="0"/>
+              <a:t> to </a:t>
+            </a:r>
+            <a:r>
+              <a:rPr lang="en-US" altLang="zh-CN" i="1" dirty="0" err="1"/>
+              <a:t>httpbin.foo</a:t>
+            </a:r>
+            <a:r>
+              <a:rPr lang="en-US" altLang="zh-CN" dirty="0"/>
+              <a:t> fail</a:t>
+            </a:r>
+            <a:endParaRPr lang="en-US" altLang="zh-CN" dirty="0"/>
+          </a:p>
+          <a:p>
+            <a:r>
+              <a:rPr lang="en-US" altLang="zh-CN" dirty="0"/>
+              <a:t>for from in "foo" "bar" "legacy"; do for to in "foo" "bar" "legacy"; do </a:t>
+            </a:r>
+            <a:r>
+              <a:rPr lang="en-US" altLang="zh-CN" dirty="0" err="1"/>
+              <a:t>kubectl</a:t>
+            </a:r>
+            <a:r>
+              <a:rPr lang="en-US" altLang="zh-CN" dirty="0"/>
+              <a:t> exec $(</a:t>
+            </a:r>
+            <a:r>
+              <a:rPr lang="en-US" altLang="zh-CN" dirty="0" err="1"/>
+              <a:t>kubectl</a:t>
+            </a:r>
+            <a:r>
+              <a:rPr lang="en-US" altLang="zh-CN" dirty="0"/>
+              <a:t> get pod -l app=sleep -n ${from} -o </a:t>
+            </a:r>
+            <a:r>
+              <a:rPr lang="en-US" altLang="zh-CN" dirty="0" err="1"/>
+              <a:t>jsonpath</a:t>
+            </a:r>
+            <a:r>
+              <a:rPr lang="en-US" altLang="zh-CN" dirty="0"/>
+              <a:t>={.items..</a:t>
+            </a:r>
+            <a:r>
+              <a:rPr lang="en-US" altLang="zh-CN" dirty="0" err="1"/>
+              <a:t>metadata.name</a:t>
+            </a:r>
+            <a:r>
+              <a:rPr lang="en-US" altLang="zh-CN" dirty="0"/>
+              <a:t>}) -c sleep -n ${from} -- curl "http://</a:t>
+            </a:r>
+            <a:r>
+              <a:rPr lang="en-US" altLang="zh-CN" dirty="0" err="1"/>
+              <a:t>httpbin</a:t>
+            </a:r>
+            <a:r>
+              <a:rPr lang="en-US" altLang="zh-CN" dirty="0"/>
+              <a:t>.${to}:8000/</a:t>
+            </a:r>
+            <a:r>
+              <a:rPr lang="en-US" altLang="zh-CN" dirty="0" err="1"/>
+              <a:t>ip</a:t>
+            </a:r>
+            <a:r>
+              <a:rPr lang="en-US" altLang="zh-CN" dirty="0"/>
+              <a:t>" -s -o /dev/null -w "sleep.${from} to </a:t>
+            </a:r>
+            <a:r>
+              <a:rPr lang="en-US" altLang="zh-CN" dirty="0" err="1"/>
+              <a:t>httpbin</a:t>
+            </a:r>
+            <a:r>
+              <a:rPr lang="en-US" altLang="zh-CN" dirty="0"/>
+              <a:t>.${to}: %{</a:t>
+            </a:r>
+            <a:r>
+              <a:rPr lang="en-US" altLang="zh-CN" dirty="0" err="1"/>
+              <a:t>http_code</a:t>
+            </a:r>
+            <a:r>
+              <a:rPr lang="en-US" altLang="zh-CN" dirty="0"/>
+              <a:t>}\n"; done; done</a:t>
+            </a:r>
+            <a:endParaRPr lang="en-US" altLang="zh-CN" dirty="0">
+              <a:effectLst/>
+            </a:endParaRPr>
+          </a:p>
+        </p:txBody>
+      </p:sp>
+    </p:spTree>
+    <p:extLst>
+      <p:ext uri="{BB962C8B-B14F-4D97-AF65-F5344CB8AC3E}">
+        <p14:creationId xmlns:p14="http://schemas.microsoft.com/office/powerpoint/2010/main" val="375905685"/>
+      </p:ext>
+    </p:extLst>
+  </p:cSld>
+  <p:clrMapOvr>
+    <a:masterClrMapping/>
+  </p:clrMapOvr>
+</p:sld>
+</file>
+
+<file path=ppt/slides/slide12.xml><?xml version="1.0" encoding="utf-8"?>
+<p:sld xmlns:a="http://schemas.openxmlformats.org/drawingml/2006/main" xmlns:r="http://schemas.openxmlformats.org/officeDocument/2006/relationships" xmlns:p="http://schemas.openxmlformats.org/presentationml/2006/main">
+  <p:cSld>
+    <p:spTree>
+      <p:nvGrpSpPr>
+        <p:cNvPr id="1" name=""/>
+        <p:cNvGrpSpPr/>
+        <p:nvPr/>
+      </p:nvGrpSpPr>
+      <p:grpSpPr>
+        <a:xfrm>
+          <a:off x="0" y="0"/>
+          <a:ext cx="0" cy="0"/>
+          <a:chOff x="0" y="0"/>
+          <a:chExt cx="0" cy="0"/>
+        </a:xfrm>
+      </p:grpSpPr>
+      <p:sp>
+        <p:nvSpPr>
+          <p:cNvPr id="2" name="标题 1"/>
+          <p:cNvSpPr>
+            <a:spLocks noGrp="1"/>
+          </p:cNvSpPr>
+          <p:nvPr>
+            <p:ph type="title"/>
+          </p:nvPr>
+        </p:nvSpPr>
+        <p:spPr/>
+        <p:txBody>
+          <a:bodyPr/>
+          <a:lstStyle/>
+          <a:p>
+            <a:r>
+              <a:rPr kumimoji="1" lang="zh-CN" altLang="en-US" dirty="0"/>
+              <a:t>认证</a:t>
+            </a:r>
+            <a:r>
+              <a:rPr kumimoji="1" lang="en-US" altLang="zh-CN" dirty="0" smtClean="0"/>
+              <a:t>-Service</a:t>
+            </a:r>
+            <a:r>
+              <a:rPr kumimoji="1" lang="zh-CN" altLang="en-US" dirty="0" smtClean="0"/>
+              <a:t> </a:t>
+            </a:r>
+            <a:r>
+              <a:rPr kumimoji="1" lang="en-US" altLang="zh-CN" dirty="0" smtClean="0"/>
+              <a:t>TLS</a:t>
+            </a:r>
+            <a:endParaRPr kumimoji="1" lang="zh-CN" altLang="en-US" dirty="0"/>
+          </a:p>
+        </p:txBody>
+      </p:sp>
+      <p:sp>
+        <p:nvSpPr>
+          <p:cNvPr id="3" name="内容占位符 2"/>
+          <p:cNvSpPr>
+            <a:spLocks noGrp="1"/>
+          </p:cNvSpPr>
+          <p:nvPr>
+            <p:ph idx="1"/>
+          </p:nvPr>
+        </p:nvSpPr>
+        <p:spPr/>
+        <p:txBody>
+          <a:bodyPr/>
+          <a:lstStyle/>
+          <a:p>
+            <a:r>
+              <a:rPr lang="en-US" altLang="zh-CN" dirty="0" err="1"/>
+              <a:t>kubectl</a:t>
+            </a:r>
+            <a:r>
+              <a:rPr lang="en-US" altLang="zh-CN" dirty="0"/>
+              <a:t> </a:t>
+            </a:r>
+            <a:r>
+              <a:rPr lang="en-US" altLang="zh-CN" dirty="0" smtClean="0"/>
+              <a:t>apply</a:t>
+            </a:r>
+            <a:r>
+              <a:rPr lang="en-US" altLang="zh-CN" dirty="0"/>
+              <a:t> -n</a:t>
+            </a:r>
+            <a:r>
+              <a:rPr lang="zh-CN" altLang="en-US" dirty="0"/>
+              <a:t> </a:t>
+            </a:r>
+            <a:r>
+              <a:rPr lang="en-US" altLang="zh-CN" dirty="0" smtClean="0"/>
+              <a:t>foo </a:t>
+            </a:r>
+            <a:r>
+              <a:rPr lang="en-US" altLang="zh-CN" dirty="0"/>
+              <a:t>-f p-overwrite-</a:t>
+            </a:r>
+            <a:r>
+              <a:rPr lang="en-US" altLang="zh-CN" dirty="0" err="1"/>
+              <a:t>example.yaml</a:t>
+            </a:r>
+            <a:r>
+              <a:rPr lang="en-US" altLang="zh-CN" dirty="0"/>
+              <a:t> </a:t>
+            </a:r>
+            <a:endParaRPr lang="en-US" altLang="zh-CN" dirty="0" smtClean="0"/>
+          </a:p>
+          <a:p>
+            <a:r>
+              <a:rPr lang="en-US" altLang="zh-CN" dirty="0" err="1" smtClean="0"/>
+              <a:t>kubectl</a:t>
+            </a:r>
+            <a:r>
+              <a:rPr lang="en-US" altLang="zh-CN" dirty="0" smtClean="0"/>
+              <a:t> apply</a:t>
+            </a:r>
+            <a:r>
+              <a:rPr lang="en-US" altLang="zh-CN" dirty="0"/>
+              <a:t> -n</a:t>
+            </a:r>
+            <a:r>
+              <a:rPr lang="zh-CN" altLang="en-US" dirty="0"/>
+              <a:t> </a:t>
+            </a:r>
+            <a:r>
+              <a:rPr lang="en-US" altLang="zh-CN" dirty="0"/>
+              <a:t>foo </a:t>
+            </a:r>
+            <a:r>
+              <a:rPr lang="en-US" altLang="zh-CN" dirty="0" smtClean="0"/>
+              <a:t> </a:t>
+            </a:r>
+            <a:r>
+              <a:rPr lang="en-US" altLang="zh-CN" dirty="0"/>
+              <a:t>-f </a:t>
+            </a:r>
+            <a:r>
+              <a:rPr lang="en-US" altLang="zh-CN" dirty="0" err="1"/>
+              <a:t>dr</a:t>
+            </a:r>
+            <a:r>
+              <a:rPr lang="en-US" altLang="zh-CN" dirty="0"/>
+              <a:t>-overwrite-</a:t>
+            </a:r>
+            <a:r>
+              <a:rPr lang="en-US" altLang="zh-CN" dirty="0" err="1"/>
+              <a:t>example.yaml</a:t>
+            </a:r>
+            <a:r>
+              <a:rPr lang="en-US" altLang="zh-CN" dirty="0"/>
+              <a:t> </a:t>
+            </a:r>
+            <a:endParaRPr lang="en-US" altLang="zh-CN" dirty="0" smtClean="0"/>
+          </a:p>
+          <a:p>
+            <a:r>
+              <a:rPr lang="en-US" altLang="zh-CN" dirty="0"/>
+              <a:t>for from in "foo" "bar" "legacy"; do for to in "foo" "bar" "legacy"; do </a:t>
+            </a:r>
+            <a:r>
+              <a:rPr lang="en-US" altLang="zh-CN" dirty="0" err="1"/>
+              <a:t>kubectl</a:t>
+            </a:r>
+            <a:r>
+              <a:rPr lang="en-US" altLang="zh-CN" dirty="0"/>
+              <a:t> exec $(</a:t>
+            </a:r>
+            <a:r>
+              <a:rPr lang="en-US" altLang="zh-CN" dirty="0" err="1"/>
+              <a:t>kubectl</a:t>
+            </a:r>
+            <a:r>
+              <a:rPr lang="en-US" altLang="zh-CN" dirty="0"/>
+              <a:t> get pod -l app=sleep -n ${from} -o </a:t>
+            </a:r>
+            <a:r>
+              <a:rPr lang="en-US" altLang="zh-CN" dirty="0" err="1"/>
+              <a:t>jsonpath</a:t>
+            </a:r>
+            <a:r>
+              <a:rPr lang="en-US" altLang="zh-CN" dirty="0"/>
+              <a:t>={.items..</a:t>
+            </a:r>
+            <a:r>
+              <a:rPr lang="en-US" altLang="zh-CN" dirty="0" err="1"/>
+              <a:t>metadata.name</a:t>
+            </a:r>
+            <a:r>
+              <a:rPr lang="en-US" altLang="zh-CN" dirty="0"/>
+              <a:t>}) -c sleep -n ${from} -- curl "http://</a:t>
+            </a:r>
+            <a:r>
+              <a:rPr lang="en-US" altLang="zh-CN" dirty="0" err="1"/>
+              <a:t>httpbin</a:t>
+            </a:r>
+            <a:r>
+              <a:rPr lang="en-US" altLang="zh-CN" dirty="0"/>
+              <a:t>.${to}:8000/</a:t>
+            </a:r>
+            <a:r>
+              <a:rPr lang="en-US" altLang="zh-CN" dirty="0" err="1"/>
+              <a:t>ip</a:t>
+            </a:r>
+            <a:r>
+              <a:rPr lang="en-US" altLang="zh-CN" dirty="0"/>
+              <a:t>" -s -o /dev/null -w "sleep.${from} to </a:t>
+            </a:r>
+            <a:r>
+              <a:rPr lang="en-US" altLang="zh-CN" dirty="0" err="1"/>
+              <a:t>httpbin</a:t>
+            </a:r>
+            <a:r>
+              <a:rPr lang="en-US" altLang="zh-CN" dirty="0"/>
+              <a:t>.${to}: %{</a:t>
+            </a:r>
+            <a:r>
+              <a:rPr lang="en-US" altLang="zh-CN" dirty="0" err="1"/>
+              <a:t>http_code</a:t>
+            </a:r>
+            <a:r>
+              <a:rPr lang="en-US" altLang="zh-CN" dirty="0"/>
+              <a:t>}\n"; done; done</a:t>
+            </a:r>
+            <a:endParaRPr lang="en-US" altLang="zh-CN" dirty="0">
+              <a:effectLst/>
+            </a:endParaRPr>
+          </a:p>
+        </p:txBody>
+      </p:sp>
+    </p:spTree>
+    <p:extLst>
+      <p:ext uri="{BB962C8B-B14F-4D97-AF65-F5344CB8AC3E}">
+        <p14:creationId xmlns:p14="http://schemas.microsoft.com/office/powerpoint/2010/main" val="305843176"/>
+      </p:ext>
+    </p:extLst>
+  </p:cSld>
+  <p:clrMapOvr>
+    <a:masterClrMapping/>
+  </p:clrMapOvr>
+</p:sld>
+</file>
+
+<file path=ppt/slides/slide13.xml><?xml version="1.0" encoding="utf-8"?>
+<p:sld xmlns:a="http://schemas.openxmlformats.org/drawingml/2006/main" xmlns:r="http://schemas.openxmlformats.org/officeDocument/2006/relationships" xmlns:p="http://schemas.openxmlformats.org/presentationml/2006/main">
+  <p:cSld>
+    <p:spTree>
+      <p:nvGrpSpPr>
+        <p:cNvPr id="1" name=""/>
+        <p:cNvGrpSpPr/>
+        <p:nvPr/>
+      </p:nvGrpSpPr>
+      <p:grpSpPr>
+        <a:xfrm>
+          <a:off x="0" y="0"/>
+          <a:ext cx="0" cy="0"/>
+          <a:chOff x="0" y="0"/>
+          <a:chExt cx="0" cy="0"/>
+        </a:xfrm>
+      </p:grpSpPr>
+      <p:sp>
+        <p:nvSpPr>
+          <p:cNvPr id="2" name="标题 1"/>
+          <p:cNvSpPr>
+            <a:spLocks noGrp="1"/>
+          </p:cNvSpPr>
+          <p:nvPr>
+            <p:ph type="title"/>
+          </p:nvPr>
+        </p:nvSpPr>
+        <p:spPr/>
+        <p:txBody>
+          <a:bodyPr/>
+          <a:lstStyle/>
+          <a:p>
+            <a:r>
+              <a:rPr kumimoji="1" lang="zh-CN" altLang="en-US" dirty="0"/>
+              <a:t>认证</a:t>
+            </a:r>
+            <a:r>
+              <a:rPr kumimoji="1" lang="en-US" altLang="zh-CN" dirty="0"/>
+              <a:t>-Service</a:t>
+            </a:r>
+            <a:r>
+              <a:rPr kumimoji="1" lang="zh-CN" altLang="en-US" dirty="0"/>
+              <a:t> </a:t>
+            </a:r>
+            <a:r>
+              <a:rPr kumimoji="1" lang="en-US" altLang="zh-CN" dirty="0"/>
+              <a:t>TLS</a:t>
+            </a:r>
+            <a:endParaRPr kumimoji="1" lang="zh-CN" altLang="en-US" dirty="0"/>
+          </a:p>
+        </p:txBody>
+      </p:sp>
+      <p:sp>
+        <p:nvSpPr>
+          <p:cNvPr id="3" name="内容占位符 2"/>
+          <p:cNvSpPr>
+            <a:spLocks noGrp="1"/>
+          </p:cNvSpPr>
+          <p:nvPr>
+            <p:ph idx="1"/>
+          </p:nvPr>
+        </p:nvSpPr>
+        <p:spPr/>
+        <p:txBody>
+          <a:bodyPr/>
+          <a:lstStyle/>
+          <a:p>
+            <a:r>
+              <a:rPr lang="en-US" altLang="zh-CN" dirty="0" err="1"/>
+              <a:t>kubectl</a:t>
+            </a:r>
+            <a:r>
+              <a:rPr lang="en-US" altLang="zh-CN" dirty="0"/>
+              <a:t> delete policy default overwrite-example -n foo</a:t>
+            </a:r>
+          </a:p>
+          <a:p>
+            <a:r>
+              <a:rPr lang="en-US" altLang="zh-CN" dirty="0" err="1"/>
+              <a:t>kubectl</a:t>
+            </a:r>
+            <a:r>
+              <a:rPr lang="en-US" altLang="zh-CN" dirty="0"/>
+              <a:t> delete policy </a:t>
+            </a:r>
+            <a:r>
+              <a:rPr lang="en-US" altLang="zh-CN" dirty="0" err="1"/>
+              <a:t>httpbin</a:t>
+            </a:r>
+            <a:r>
+              <a:rPr lang="en-US" altLang="zh-CN" dirty="0"/>
+              <a:t> -n bar</a:t>
+            </a:r>
+          </a:p>
+          <a:p>
+            <a:r>
+              <a:rPr lang="en-US" altLang="zh-CN" dirty="0" err="1"/>
+              <a:t>kubectl</a:t>
+            </a:r>
+            <a:r>
+              <a:rPr lang="en-US" altLang="zh-CN" dirty="0"/>
+              <a:t> delete </a:t>
+            </a:r>
+            <a:r>
+              <a:rPr lang="en-US" altLang="zh-CN" dirty="0" err="1"/>
+              <a:t>destinationrules</a:t>
+            </a:r>
+            <a:r>
+              <a:rPr lang="en-US" altLang="zh-CN" dirty="0"/>
+              <a:t> default overwrite-example -n foo</a:t>
+            </a:r>
+          </a:p>
+          <a:p>
+            <a:r>
+              <a:rPr lang="en-US" altLang="zh-CN" dirty="0" err="1"/>
+              <a:t>kubectl</a:t>
+            </a:r>
+            <a:r>
+              <a:rPr lang="en-US" altLang="zh-CN" dirty="0"/>
+              <a:t> delete </a:t>
+            </a:r>
+            <a:r>
+              <a:rPr lang="en-US" altLang="zh-CN" dirty="0" err="1"/>
+              <a:t>destinationrules</a:t>
+            </a:r>
+            <a:r>
+              <a:rPr lang="en-US" altLang="zh-CN" dirty="0"/>
+              <a:t> </a:t>
+            </a:r>
+            <a:r>
+              <a:rPr lang="en-US" altLang="zh-CN" dirty="0" err="1"/>
+              <a:t>httpbin</a:t>
+            </a:r>
+            <a:r>
+              <a:rPr lang="en-US" altLang="zh-CN" dirty="0"/>
+              <a:t> -n </a:t>
+            </a:r>
+            <a:r>
+              <a:rPr lang="en-US" altLang="zh-CN" dirty="0" smtClean="0"/>
+              <a:t>bar</a:t>
+            </a:r>
+            <a:endParaRPr lang="en-US" altLang="zh-CN" dirty="0"/>
+          </a:p>
+        </p:txBody>
+      </p:sp>
+    </p:spTree>
+    <p:extLst>
+      <p:ext uri="{BB962C8B-B14F-4D97-AF65-F5344CB8AC3E}">
+        <p14:creationId xmlns:p14="http://schemas.microsoft.com/office/powerpoint/2010/main" val="1932007096"/>
+      </p:ext>
+    </p:extLst>
+  </p:cSld>
+  <p:clrMapOvr>
+    <a:masterClrMapping/>
+  </p:clrMapOvr>
+</p:sld>
+</file>
+
+<file path=ppt/slides/slide14.xml><?xml version="1.0" encoding="utf-8"?>
+<p:sld xmlns:a="http://schemas.openxmlformats.org/drawingml/2006/main" xmlns:r="http://schemas.openxmlformats.org/officeDocument/2006/relationships" xmlns:p="http://schemas.openxmlformats.org/presentationml/2006/main">
+  <p:cSld>
+    <p:spTree>
+      <p:nvGrpSpPr>
+        <p:cNvPr id="1" name=""/>
+        <p:cNvGrpSpPr/>
+        <p:nvPr/>
+      </p:nvGrpSpPr>
+      <p:grpSpPr>
+        <a:xfrm>
+          <a:off x="0" y="0"/>
+          <a:ext cx="0" cy="0"/>
+          <a:chOff x="0" y="0"/>
+          <a:chExt cx="0" cy="0"/>
+        </a:xfrm>
+      </p:grpSpPr>
+      <p:sp>
+        <p:nvSpPr>
+          <p:cNvPr id="2" name="标题 1"/>
+          <p:cNvSpPr>
+            <a:spLocks noGrp="1"/>
+          </p:cNvSpPr>
+          <p:nvPr>
+            <p:ph type="title"/>
+          </p:nvPr>
+        </p:nvSpPr>
+        <p:spPr/>
+        <p:txBody>
+          <a:bodyPr/>
+          <a:lstStyle/>
+          <a:p>
+            <a:r>
+              <a:rPr kumimoji="1" lang="zh-CN" altLang="en-US" dirty="0" smtClean="0"/>
+              <a:t>认证</a:t>
+            </a:r>
+            <a:r>
+              <a:rPr kumimoji="1" lang="en-US" altLang="zh-CN" dirty="0" smtClean="0"/>
+              <a:t>-</a:t>
+            </a:r>
+            <a:r>
+              <a:rPr kumimoji="1" lang="zh-CN" altLang="en-US" dirty="0" smtClean="0"/>
+              <a:t>终端用户</a:t>
+            </a:r>
+            <a:r>
+              <a:rPr kumimoji="1" lang="en-US" altLang="zh-CN" dirty="0" smtClean="0"/>
+              <a:t>JWT</a:t>
+            </a:r>
+            <a:endParaRPr kumimoji="1" lang="zh-CN" altLang="en-US" dirty="0"/>
+          </a:p>
+        </p:txBody>
+      </p:sp>
+      <p:sp>
+        <p:nvSpPr>
+          <p:cNvPr id="3" name="内容占位符 2"/>
+          <p:cNvSpPr>
+            <a:spLocks noGrp="1"/>
+          </p:cNvSpPr>
+          <p:nvPr>
+            <p:ph idx="1"/>
+          </p:nvPr>
+        </p:nvSpPr>
+        <p:spPr/>
+        <p:txBody>
+          <a:bodyPr/>
+          <a:lstStyle/>
+          <a:p>
+            <a:r>
+              <a:rPr lang="en-US" altLang="zh-CN" dirty="0" err="1"/>
+              <a:t>kubectl</a:t>
+            </a:r>
+            <a:r>
+              <a:rPr lang="en-US" altLang="zh-CN" dirty="0"/>
+              <a:t> apply -f </a:t>
+            </a:r>
+            <a:r>
+              <a:rPr lang="en-US" altLang="zh-CN" dirty="0" err="1" smtClean="0"/>
+              <a:t>gw-httpbin-gateway.yaml</a:t>
+            </a:r>
+            <a:endParaRPr lang="en-US" altLang="zh-CN" dirty="0" smtClean="0"/>
+          </a:p>
+          <a:p>
+            <a:r>
+              <a:rPr lang="en-US" altLang="zh-CN" dirty="0" err="1"/>
+              <a:t>kubectl</a:t>
+            </a:r>
+            <a:r>
+              <a:rPr lang="en-US" altLang="zh-CN" dirty="0"/>
+              <a:t> apply -f </a:t>
+            </a:r>
+            <a:r>
+              <a:rPr lang="en-US" altLang="zh-CN" dirty="0" smtClean="0"/>
+              <a:t>vs-</a:t>
+            </a:r>
+            <a:r>
+              <a:rPr lang="en-US" altLang="zh-CN" dirty="0" err="1" smtClean="0"/>
+              <a:t>httpbin.yaml</a:t>
+            </a:r>
+            <a:endParaRPr lang="en-US" altLang="zh-CN" dirty="0" smtClean="0"/>
+          </a:p>
+          <a:p>
+            <a:r>
+              <a:rPr lang="en-US" altLang="zh-CN" dirty="0"/>
+              <a:t>export INGRESS_HOST=$(</a:t>
+            </a:r>
+            <a:r>
+              <a:rPr lang="en-US" altLang="zh-CN" dirty="0" err="1"/>
+              <a:t>kubectl</a:t>
+            </a:r>
+            <a:r>
+              <a:rPr lang="en-US" altLang="zh-CN" dirty="0"/>
+              <a:t> get </a:t>
+            </a:r>
+            <a:r>
+              <a:rPr lang="en-US" altLang="zh-CN" dirty="0" err="1"/>
+              <a:t>po</a:t>
+            </a:r>
+            <a:r>
+              <a:rPr lang="en-US" altLang="zh-CN" dirty="0"/>
+              <a:t> -l </a:t>
+            </a:r>
+            <a:r>
+              <a:rPr lang="en-US" altLang="zh-CN" dirty="0" err="1"/>
+              <a:t>istio</a:t>
+            </a:r>
+            <a:r>
+              <a:rPr lang="en-US" altLang="zh-CN" dirty="0"/>
+              <a:t>=</a:t>
+            </a:r>
+            <a:r>
+              <a:rPr lang="en-US" altLang="zh-CN" dirty="0" err="1"/>
+              <a:t>ingressgateway</a:t>
+            </a:r>
+            <a:r>
+              <a:rPr lang="en-US" altLang="zh-CN" dirty="0"/>
+              <a:t> -n </a:t>
+            </a:r>
+            <a:r>
+              <a:rPr lang="en-US" altLang="zh-CN" dirty="0" err="1"/>
+              <a:t>istio</a:t>
+            </a:r>
+            <a:r>
+              <a:rPr lang="en-US" altLang="zh-CN" dirty="0"/>
+              <a:t>-system -o </a:t>
+            </a:r>
+            <a:r>
+              <a:rPr lang="en-US" altLang="zh-CN" dirty="0" err="1"/>
+              <a:t>jsonpath</a:t>
+            </a:r>
+            <a:r>
+              <a:rPr lang="en-US" altLang="zh-CN" dirty="0"/>
+              <a:t>='{.items[0].</a:t>
+            </a:r>
+            <a:r>
+              <a:rPr lang="en-US" altLang="zh-CN" dirty="0" err="1"/>
+              <a:t>status.hostIP</a:t>
+            </a:r>
+            <a:r>
+              <a:rPr lang="en-US" altLang="zh-CN" dirty="0"/>
+              <a:t>}') </a:t>
+            </a:r>
+          </a:p>
+          <a:p>
+            <a:r>
+              <a:rPr lang="en-US" altLang="zh-CN" dirty="0"/>
+              <a:t>export INGRESS_PORT=$(</a:t>
+            </a:r>
+            <a:r>
+              <a:rPr lang="en-US" altLang="zh-CN" dirty="0" err="1"/>
+              <a:t>kubectl</a:t>
+            </a:r>
+            <a:r>
+              <a:rPr lang="en-US" altLang="zh-CN" dirty="0"/>
+              <a:t> -n </a:t>
+            </a:r>
+            <a:r>
+              <a:rPr lang="en-US" altLang="zh-CN" dirty="0" err="1"/>
+              <a:t>istio</a:t>
+            </a:r>
+            <a:r>
+              <a:rPr lang="en-US" altLang="zh-CN" dirty="0"/>
+              <a:t>-system get service </a:t>
+            </a:r>
+            <a:r>
+              <a:rPr lang="en-US" altLang="zh-CN" dirty="0" err="1"/>
+              <a:t>istio-ingressgateway</a:t>
+            </a:r>
+            <a:r>
+              <a:rPr lang="en-US" altLang="zh-CN" dirty="0"/>
+              <a:t> -o </a:t>
+            </a:r>
+            <a:r>
+              <a:rPr lang="en-US" altLang="zh-CN" dirty="0" err="1"/>
+              <a:t>jsonpath</a:t>
+            </a:r>
+            <a:r>
+              <a:rPr lang="en-US" altLang="zh-CN" dirty="0"/>
+              <a:t>='{.</a:t>
+            </a:r>
+            <a:r>
+              <a:rPr lang="en-US" altLang="zh-CN" dirty="0" err="1"/>
+              <a:t>spec.ports</a:t>
+            </a:r>
+            <a:r>
+              <a:rPr lang="en-US" altLang="zh-CN" dirty="0"/>
+              <a:t>[?(@.name=="http2")].</a:t>
+            </a:r>
+            <a:r>
+              <a:rPr lang="en-US" altLang="zh-CN" dirty="0" err="1"/>
+              <a:t>nodePort</a:t>
+            </a:r>
+            <a:r>
+              <a:rPr lang="en-US" altLang="zh-CN" dirty="0"/>
+              <a:t>}') </a:t>
+            </a:r>
+          </a:p>
+          <a:p>
+            <a:r>
+              <a:rPr lang="en-US" altLang="zh-CN" dirty="0"/>
+              <a:t>//200</a:t>
+            </a:r>
+          </a:p>
+          <a:p>
+            <a:r>
+              <a:rPr lang="en-US" altLang="zh-CN" dirty="0"/>
+              <a:t>curl $INGRESS_HOST:$INGRESS_PORT/headers -s -o /dev/null -w "%{</a:t>
+            </a:r>
+            <a:r>
+              <a:rPr lang="en-US" altLang="zh-CN" dirty="0" err="1"/>
+              <a:t>http_code</a:t>
+            </a:r>
+            <a:r>
+              <a:rPr lang="en-US" altLang="zh-CN" dirty="0"/>
+              <a:t>}\n</a:t>
+            </a:r>
+            <a:r>
+              <a:rPr lang="en-US" altLang="zh-CN" dirty="0" smtClean="0"/>
+              <a:t>"</a:t>
+            </a:r>
+            <a:endParaRPr lang="en-US" altLang="zh-CN" dirty="0"/>
+          </a:p>
+        </p:txBody>
+      </p:sp>
+    </p:spTree>
+    <p:extLst>
+      <p:ext uri="{BB962C8B-B14F-4D97-AF65-F5344CB8AC3E}">
+        <p14:creationId xmlns:p14="http://schemas.microsoft.com/office/powerpoint/2010/main" val="458752138"/>
+      </p:ext>
+    </p:extLst>
+  </p:cSld>
+  <p:clrMapOvr>
+    <a:masterClrMapping/>
+  </p:clrMapOvr>
+</p:sld>
+</file>
+
+<file path=ppt/slides/slide15.xml><?xml version="1.0" encoding="utf-8"?>
+<p:sld xmlns:a="http://schemas.openxmlformats.org/drawingml/2006/main" xmlns:r="http://schemas.openxmlformats.org/officeDocument/2006/relationships" xmlns:p="http://schemas.openxmlformats.org/presentationml/2006/main">
+  <p:cSld>
+    <p:spTree>
+      <p:nvGrpSpPr>
+        <p:cNvPr id="1" name=""/>
+        <p:cNvGrpSpPr/>
+        <p:nvPr/>
+      </p:nvGrpSpPr>
+      <p:grpSpPr>
+        <a:xfrm>
+          <a:off x="0" y="0"/>
+          <a:ext cx="0" cy="0"/>
+          <a:chOff x="0" y="0"/>
+          <a:chExt cx="0" cy="0"/>
+        </a:xfrm>
+      </p:grpSpPr>
+      <p:sp>
+        <p:nvSpPr>
+          <p:cNvPr id="2" name="标题 1"/>
+          <p:cNvSpPr>
+            <a:spLocks noGrp="1"/>
+          </p:cNvSpPr>
+          <p:nvPr>
+            <p:ph type="title"/>
+          </p:nvPr>
+        </p:nvSpPr>
+        <p:spPr/>
+        <p:txBody>
+          <a:bodyPr/>
+          <a:lstStyle/>
+          <a:p>
+            <a:r>
+              <a:rPr kumimoji="1" lang="zh-CN" altLang="en-US" dirty="0" smtClean="0"/>
+              <a:t>认证</a:t>
+            </a:r>
+            <a:r>
+              <a:rPr kumimoji="1" lang="en-US" altLang="zh-CN" dirty="0" smtClean="0"/>
+              <a:t>-</a:t>
+            </a:r>
+            <a:r>
+              <a:rPr kumimoji="1" lang="zh-CN" altLang="en-US" dirty="0" smtClean="0"/>
+              <a:t>终端用户</a:t>
+            </a:r>
+            <a:r>
+              <a:rPr kumimoji="1" lang="en-US" altLang="zh-CN" dirty="0" smtClean="0"/>
+              <a:t>JWT</a:t>
+            </a:r>
+            <a:endParaRPr kumimoji="1" lang="zh-CN" altLang="en-US" dirty="0"/>
+          </a:p>
+        </p:txBody>
+      </p:sp>
+      <p:sp>
+        <p:nvSpPr>
+          <p:cNvPr id="3" name="内容占位符 2"/>
+          <p:cNvSpPr>
+            <a:spLocks noGrp="1"/>
+          </p:cNvSpPr>
+          <p:nvPr>
+            <p:ph idx="1"/>
+          </p:nvPr>
+        </p:nvSpPr>
+        <p:spPr/>
+        <p:txBody>
+          <a:bodyPr/>
+          <a:lstStyle/>
+          <a:p>
+            <a:r>
+              <a:rPr lang="en-US" altLang="zh-CN" dirty="0" err="1"/>
+              <a:t>kubectl</a:t>
+            </a:r>
+            <a:r>
+              <a:rPr lang="en-US" altLang="zh-CN" dirty="0"/>
+              <a:t> apply -n foo </a:t>
+            </a:r>
+            <a:r>
+              <a:rPr lang="en-US" altLang="zh-CN" dirty="0"/>
+              <a:t>-</a:t>
+            </a:r>
+            <a:r>
+              <a:rPr lang="en-US" altLang="zh-CN" dirty="0" smtClean="0"/>
+              <a:t>f</a:t>
+            </a:r>
+            <a:r>
+              <a:rPr lang="zh-CN" altLang="en-US" dirty="0" smtClean="0"/>
+              <a:t> </a:t>
+            </a:r>
+            <a:r>
+              <a:rPr lang="en-US" altLang="zh-CN" dirty="0" smtClean="0"/>
+              <a:t>p-</a:t>
+            </a:r>
+            <a:r>
+              <a:rPr lang="en-US" altLang="zh-CN" dirty="0" err="1" smtClean="0"/>
+              <a:t>jwt</a:t>
+            </a:r>
+            <a:r>
+              <a:rPr lang="en-US" altLang="zh-CN" dirty="0" smtClean="0"/>
+              <a:t>-</a:t>
+            </a:r>
+            <a:r>
+              <a:rPr lang="en-US" altLang="zh-CN" dirty="0" err="1" smtClean="0"/>
+              <a:t>example.yaml</a:t>
+            </a:r>
+            <a:endParaRPr lang="en-US" altLang="zh-CN" dirty="0" smtClean="0"/>
+          </a:p>
+          <a:p>
+            <a:r>
+              <a:rPr lang="en-US" altLang="zh-CN" dirty="0"/>
+              <a:t>//401</a:t>
+            </a:r>
+            <a:endParaRPr lang="en-US" altLang="zh-CN" dirty="0"/>
+          </a:p>
+          <a:p>
+            <a:r>
+              <a:rPr lang="en-US" altLang="zh-CN" dirty="0"/>
+              <a:t>curl $INGRESS_HOST:$INGRESS_PORT/headers -s -o /dev/null -w "%{</a:t>
+            </a:r>
+            <a:r>
+              <a:rPr lang="en-US" altLang="zh-CN" dirty="0" err="1"/>
+              <a:t>http_code</a:t>
+            </a:r>
+            <a:r>
+              <a:rPr lang="en-US" altLang="zh-CN" dirty="0"/>
+              <a:t>}\n"</a:t>
+            </a:r>
+          </a:p>
+          <a:p>
+            <a:r>
+              <a:rPr lang="en-US" altLang="zh-CN" dirty="0"/>
+              <a:t>TOKEN=$(curl https://</a:t>
+            </a:r>
+            <a:r>
+              <a:rPr lang="en-US" altLang="zh-CN" dirty="0" err="1"/>
+              <a:t>raw.githubusercontent.com</a:t>
+            </a:r>
+            <a:r>
+              <a:rPr lang="en-US" altLang="zh-CN" dirty="0"/>
+              <a:t>/</a:t>
+            </a:r>
+            <a:r>
+              <a:rPr lang="en-US" altLang="zh-CN" dirty="0" err="1"/>
+              <a:t>istio</a:t>
+            </a:r>
+            <a:r>
+              <a:rPr lang="en-US" altLang="zh-CN" dirty="0"/>
+              <a:t>/</a:t>
+            </a:r>
+            <a:r>
+              <a:rPr lang="en-US" altLang="zh-CN" dirty="0" err="1"/>
+              <a:t>istio</a:t>
+            </a:r>
+            <a:r>
+              <a:rPr lang="en-US" altLang="zh-CN" dirty="0"/>
+              <a:t>/release-1.2/security/tools/</a:t>
+            </a:r>
+            <a:r>
+              <a:rPr lang="en-US" altLang="zh-CN" dirty="0" err="1"/>
+              <a:t>jwt</a:t>
+            </a:r>
+            <a:r>
+              <a:rPr lang="en-US" altLang="zh-CN" dirty="0"/>
+              <a:t>/samples/</a:t>
+            </a:r>
+            <a:r>
+              <a:rPr lang="en-US" altLang="zh-CN" dirty="0" err="1"/>
+              <a:t>demo.jwt</a:t>
+            </a:r>
+            <a:r>
+              <a:rPr lang="en-US" altLang="zh-CN" dirty="0"/>
+              <a:t> -s)</a:t>
+            </a:r>
+          </a:p>
+          <a:p>
+            <a:r>
+              <a:rPr lang="en-US" altLang="zh-CN" dirty="0"/>
+              <a:t>//200</a:t>
+            </a:r>
+          </a:p>
+          <a:p>
+            <a:r>
+              <a:rPr lang="en-US" altLang="zh-CN" dirty="0"/>
+              <a:t>curl --header "Authorization: Bearer $TOKEN" $INGRESS_HOST:$INGRESS_PORT/headers -s -o /dev/null -w "%{</a:t>
+            </a:r>
+            <a:r>
+              <a:rPr lang="en-US" altLang="zh-CN" dirty="0" err="1"/>
+              <a:t>http_code</a:t>
+            </a:r>
+            <a:r>
+              <a:rPr lang="en-US" altLang="zh-CN" dirty="0"/>
+              <a:t>}\n</a:t>
+            </a:r>
+            <a:r>
+              <a:rPr lang="en-US" altLang="zh-CN" dirty="0" smtClean="0"/>
+              <a:t>"</a:t>
+            </a:r>
+            <a:endParaRPr lang="en-US" altLang="zh-CN" dirty="0"/>
+          </a:p>
+        </p:txBody>
+      </p:sp>
+    </p:spTree>
+    <p:extLst>
+      <p:ext uri="{BB962C8B-B14F-4D97-AF65-F5344CB8AC3E}">
+        <p14:creationId xmlns:p14="http://schemas.microsoft.com/office/powerpoint/2010/main" val="1677285030"/>
+      </p:ext>
+    </p:extLst>
+  </p:cSld>
+  <p:clrMapOvr>
+    <a:masterClrMapping/>
+  </p:clrMapOvr>
+</p:sld>
+</file>
+
+<file path=ppt/slides/slide16.xml><?xml version="1.0" encoding="utf-8"?>
+<p:sld xmlns:a="http://schemas.openxmlformats.org/drawingml/2006/main" xmlns:r="http://schemas.openxmlformats.org/officeDocument/2006/relationships" xmlns:p="http://schemas.openxmlformats.org/presentationml/2006/main">
+  <p:cSld>
+    <p:spTree>
+      <p:nvGrpSpPr>
+        <p:cNvPr id="1" name=""/>
+        <p:cNvGrpSpPr/>
+        <p:nvPr/>
+      </p:nvGrpSpPr>
+      <p:grpSpPr>
+        <a:xfrm>
+          <a:off x="0" y="0"/>
+          <a:ext cx="0" cy="0"/>
+          <a:chOff x="0" y="0"/>
+          <a:chExt cx="0" cy="0"/>
+        </a:xfrm>
+      </p:grpSpPr>
+      <p:sp>
+        <p:nvSpPr>
+          <p:cNvPr id="2" name="标题 1"/>
+          <p:cNvSpPr>
+            <a:spLocks noGrp="1"/>
+          </p:cNvSpPr>
+          <p:nvPr>
+            <p:ph type="title"/>
+          </p:nvPr>
+        </p:nvSpPr>
+        <p:spPr/>
+        <p:txBody>
+          <a:bodyPr/>
+          <a:lstStyle/>
+          <a:p>
+            <a:r>
+              <a:rPr kumimoji="1" lang="zh-CN" altLang="en-US" dirty="0" smtClean="0"/>
+              <a:t>认证</a:t>
+            </a:r>
+            <a:r>
+              <a:rPr kumimoji="1" lang="en-US" altLang="zh-CN" dirty="0" smtClean="0"/>
+              <a:t>-</a:t>
+            </a:r>
+            <a:r>
+              <a:rPr kumimoji="1" lang="zh-CN" altLang="en-US" dirty="0" smtClean="0"/>
+              <a:t>终端用户</a:t>
+            </a:r>
+            <a:r>
+              <a:rPr kumimoji="1" lang="en-US" altLang="zh-CN" dirty="0" smtClean="0"/>
+              <a:t>JWT</a:t>
+            </a:r>
+            <a:endParaRPr kumimoji="1" lang="zh-CN" altLang="en-US" dirty="0"/>
+          </a:p>
+        </p:txBody>
+      </p:sp>
+      <p:sp>
+        <p:nvSpPr>
+          <p:cNvPr id="3" name="内容占位符 2"/>
+          <p:cNvSpPr>
+            <a:spLocks noGrp="1"/>
+          </p:cNvSpPr>
+          <p:nvPr>
+            <p:ph idx="1"/>
+          </p:nvPr>
+        </p:nvSpPr>
+        <p:spPr/>
+        <p:txBody>
+          <a:bodyPr>
+            <a:normAutofit fontScale="77500" lnSpcReduction="20000"/>
+          </a:bodyPr>
+          <a:lstStyle/>
+          <a:p>
+            <a:r>
+              <a:rPr lang="en-US" altLang="zh-CN" dirty="0" err="1"/>
+              <a:t>kubectl</a:t>
+            </a:r>
+            <a:r>
+              <a:rPr lang="en-US" altLang="zh-CN" dirty="0"/>
+              <a:t> apply -n foo </a:t>
+            </a:r>
+            <a:r>
+              <a:rPr lang="en-US" altLang="zh-CN" dirty="0"/>
+              <a:t>-</a:t>
+            </a:r>
+            <a:r>
+              <a:rPr lang="en-US" altLang="zh-CN" dirty="0" smtClean="0"/>
+              <a:t>f</a:t>
+            </a:r>
+            <a:r>
+              <a:rPr lang="zh-CN" altLang="en-US" dirty="0" smtClean="0"/>
+              <a:t> </a:t>
+            </a:r>
+            <a:r>
+              <a:rPr lang="en-US" altLang="zh-CN" dirty="0" smtClean="0"/>
+              <a:t>p-</a:t>
+            </a:r>
+            <a:r>
+              <a:rPr lang="en-US" altLang="zh-CN" dirty="0" err="1" smtClean="0"/>
+              <a:t>jwt</a:t>
+            </a:r>
+            <a:r>
+              <a:rPr lang="en-US" altLang="zh-CN" dirty="0" smtClean="0"/>
+              <a:t>-example-</a:t>
+            </a:r>
+            <a:r>
+              <a:rPr lang="en-US" altLang="zh-CN" dirty="0" err="1" smtClean="0"/>
+              <a:t>path.yaml</a:t>
+            </a:r>
+            <a:endParaRPr lang="en-US" altLang="zh-CN" dirty="0" smtClean="0"/>
+          </a:p>
+          <a:p>
+            <a:r>
+              <a:rPr lang="en-US" altLang="zh-CN" dirty="0"/>
+              <a:t>//401</a:t>
+            </a:r>
+            <a:endParaRPr lang="en-US" altLang="zh-CN" dirty="0"/>
+          </a:p>
+          <a:p>
+            <a:r>
+              <a:rPr lang="en-US" altLang="zh-CN" dirty="0"/>
+              <a:t>curl $INGRESS_HOST:$INGRESS_PORT/headers -s -o /dev/null -w "%{</a:t>
+            </a:r>
+            <a:r>
+              <a:rPr lang="en-US" altLang="zh-CN" dirty="0" err="1"/>
+              <a:t>http_code</a:t>
+            </a:r>
+            <a:r>
+              <a:rPr lang="en-US" altLang="zh-CN" dirty="0"/>
+              <a:t>}\n"</a:t>
+            </a:r>
+          </a:p>
+          <a:p>
+            <a:r>
+              <a:rPr lang="en-US" altLang="zh-CN" dirty="0"/>
+              <a:t>//200</a:t>
+            </a:r>
+          </a:p>
+          <a:p>
+            <a:r>
+              <a:rPr lang="en-US" altLang="zh-CN" dirty="0"/>
+              <a:t>curl $INGRESS_HOST:$INGRESS_PORT/user-agent -s -o /dev/null -w "%{</a:t>
+            </a:r>
+            <a:r>
+              <a:rPr lang="en-US" altLang="zh-CN" dirty="0" err="1"/>
+              <a:t>http_code</a:t>
+            </a:r>
+            <a:r>
+              <a:rPr lang="en-US" altLang="zh-CN" dirty="0"/>
+              <a:t>}\n"</a:t>
+            </a:r>
+          </a:p>
+          <a:p>
+            <a:r>
+              <a:rPr lang="en-US" altLang="zh-CN" dirty="0" err="1"/>
+              <a:t>kubectl</a:t>
+            </a:r>
+            <a:r>
+              <a:rPr lang="en-US" altLang="zh-CN" dirty="0"/>
+              <a:t> apply -n foo -f</a:t>
+            </a:r>
+            <a:r>
+              <a:rPr lang="zh-CN" altLang="en-US" dirty="0"/>
+              <a:t> </a:t>
+            </a:r>
+            <a:r>
+              <a:rPr lang="en-US" altLang="zh-CN" dirty="0" smtClean="0"/>
+              <a:t>p-jwt-example-path-2.yaml</a:t>
+            </a:r>
+          </a:p>
+          <a:p>
+            <a:r>
+              <a:rPr lang="en-US" altLang="zh-CN" dirty="0"/>
+              <a:t>//200</a:t>
+            </a:r>
+            <a:endParaRPr lang="en-US" altLang="zh-CN" dirty="0"/>
+          </a:p>
+          <a:p>
+            <a:r>
+              <a:rPr lang="en-US" altLang="zh-CN" dirty="0"/>
+              <a:t>curl $INGRESS_HOST:$INGRESS_PORT/headers -s -o /dev/null -w "%{</a:t>
+            </a:r>
+            <a:r>
+              <a:rPr lang="en-US" altLang="zh-CN" dirty="0" err="1"/>
+              <a:t>http_code</a:t>
+            </a:r>
+            <a:r>
+              <a:rPr lang="en-US" altLang="zh-CN" dirty="0"/>
+              <a:t>}\n"</a:t>
+            </a:r>
+          </a:p>
+          <a:p>
+            <a:r>
+              <a:rPr lang="en-US" altLang="zh-CN" dirty="0"/>
+              <a:t>//401</a:t>
+            </a:r>
+          </a:p>
+          <a:p>
+            <a:r>
+              <a:rPr lang="en-US" altLang="zh-CN" dirty="0"/>
+              <a:t>curl $INGRESS_HOST:$INGRESS_PORT/</a:t>
+            </a:r>
+            <a:r>
+              <a:rPr lang="en-US" altLang="zh-CN" dirty="0" err="1"/>
+              <a:t>ip</a:t>
+            </a:r>
+            <a:r>
+              <a:rPr lang="en-US" altLang="zh-CN" dirty="0"/>
+              <a:t> -s -o /dev/null -w "%{</a:t>
+            </a:r>
+            <a:r>
+              <a:rPr lang="en-US" altLang="zh-CN" dirty="0" err="1"/>
+              <a:t>http_code</a:t>
+            </a:r>
+            <a:r>
+              <a:rPr lang="en-US" altLang="zh-CN" dirty="0"/>
+              <a:t>}\n"</a:t>
+            </a:r>
+          </a:p>
+          <a:p>
+            <a:r>
+              <a:rPr lang="en-US" altLang="zh-CN" dirty="0"/>
+              <a:t>//200</a:t>
+            </a:r>
+          </a:p>
+          <a:p>
+            <a:r>
+              <a:rPr lang="en-US" altLang="zh-CN" dirty="0"/>
+              <a:t>curl --header "Authorization: Bearer $TOKEN" $INGRESS_HOST:$INGRESS_PORT/</a:t>
+            </a:r>
+            <a:r>
+              <a:rPr lang="en-US" altLang="zh-CN" dirty="0" err="1"/>
+              <a:t>ip</a:t>
+            </a:r>
+            <a:r>
+              <a:rPr lang="en-US" altLang="zh-CN" dirty="0"/>
+              <a:t> -s -o /dev/null -w "%{</a:t>
+            </a:r>
+            <a:r>
+              <a:rPr lang="en-US" altLang="zh-CN" dirty="0" err="1"/>
+              <a:t>http_code</a:t>
+            </a:r>
+            <a:r>
+              <a:rPr lang="en-US" altLang="zh-CN" dirty="0"/>
+              <a:t>}\n</a:t>
+            </a:r>
+            <a:r>
+              <a:rPr lang="en-US" altLang="zh-CN" dirty="0" smtClean="0"/>
+              <a:t>"</a:t>
+            </a:r>
+            <a:endParaRPr lang="en-US" altLang="zh-CN" dirty="0"/>
+          </a:p>
+          <a:p>
+            <a:endParaRPr lang="en-US" altLang="zh-CN" dirty="0"/>
+          </a:p>
+        </p:txBody>
+      </p:sp>
+    </p:spTree>
+    <p:extLst>
+      <p:ext uri="{BB962C8B-B14F-4D97-AF65-F5344CB8AC3E}">
+        <p14:creationId xmlns:p14="http://schemas.microsoft.com/office/powerpoint/2010/main" val="637809898"/>
+      </p:ext>
+    </p:extLst>
+  </p:cSld>
+  <p:clrMapOvr>
+    <a:masterClrMapping/>
+  </p:clrMapOvr>
+</p:sld>
+</file>
+
+<file path=ppt/slides/slide17.xml><?xml version="1.0" encoding="utf-8"?>
+<p:sld xmlns:a="http://schemas.openxmlformats.org/drawingml/2006/main" xmlns:r="http://schemas.openxmlformats.org/officeDocument/2006/relationships" xmlns:p="http://schemas.openxmlformats.org/presentationml/2006/main">
+  <p:cSld>
+    <p:spTree>
+      <p:nvGrpSpPr>
+        <p:cNvPr id="1" name=""/>
+        <p:cNvGrpSpPr/>
+        <p:nvPr/>
+      </p:nvGrpSpPr>
+      <p:grpSpPr>
+        <a:xfrm>
+          <a:off x="0" y="0"/>
+          <a:ext cx="0" cy="0"/>
+          <a:chOff x="0" y="0"/>
+          <a:chExt cx="0" cy="0"/>
+        </a:xfrm>
+      </p:grpSpPr>
+      <p:sp>
+        <p:nvSpPr>
+          <p:cNvPr id="2" name="标题 1"/>
+          <p:cNvSpPr>
+            <a:spLocks noGrp="1"/>
+          </p:cNvSpPr>
+          <p:nvPr>
+            <p:ph type="title"/>
+          </p:nvPr>
+        </p:nvSpPr>
+        <p:spPr/>
+        <p:txBody>
+          <a:bodyPr/>
+          <a:lstStyle/>
+          <a:p>
+            <a:r>
+              <a:rPr kumimoji="1" lang="zh-CN" altLang="en-US" dirty="0" smtClean="0"/>
+              <a:t>认证</a:t>
+            </a:r>
+            <a:r>
+              <a:rPr kumimoji="1" lang="en-US" altLang="zh-CN" dirty="0" smtClean="0"/>
+              <a:t>-</a:t>
+            </a:r>
+            <a:r>
+              <a:rPr kumimoji="1" lang="zh-CN" altLang="en-US" dirty="0" smtClean="0"/>
+              <a:t>终端用户</a:t>
+            </a:r>
+            <a:r>
+              <a:rPr kumimoji="1" lang="en-US" altLang="zh-CN" dirty="0" smtClean="0"/>
+              <a:t>JWT</a:t>
+            </a:r>
+            <a:endParaRPr kumimoji="1" lang="zh-CN" altLang="en-US" dirty="0"/>
+          </a:p>
+        </p:txBody>
+      </p:sp>
+      <p:sp>
+        <p:nvSpPr>
+          <p:cNvPr id="3" name="内容占位符 2"/>
+          <p:cNvSpPr>
+            <a:spLocks noGrp="1"/>
+          </p:cNvSpPr>
+          <p:nvPr>
+            <p:ph idx="1"/>
+          </p:nvPr>
+        </p:nvSpPr>
+        <p:spPr/>
+        <p:txBody>
+          <a:bodyPr>
+            <a:normAutofit fontScale="85000" lnSpcReduction="10000"/>
+          </a:bodyPr>
+          <a:lstStyle/>
+          <a:p>
+            <a:r>
+              <a:rPr lang="en-US" altLang="zh-CN" dirty="0" err="1"/>
+              <a:t>kubectl</a:t>
+            </a:r>
+            <a:r>
+              <a:rPr lang="en-US" altLang="zh-CN" dirty="0"/>
+              <a:t> apply -n foo </a:t>
+            </a:r>
+            <a:r>
+              <a:rPr lang="en-US" altLang="zh-CN" dirty="0"/>
+              <a:t>-</a:t>
+            </a:r>
+            <a:r>
+              <a:rPr lang="en-US" altLang="zh-CN" dirty="0" smtClean="0"/>
+              <a:t>f</a:t>
+            </a:r>
+            <a:r>
+              <a:rPr lang="zh-CN" altLang="en-US" dirty="0" smtClean="0"/>
+              <a:t> </a:t>
+            </a:r>
+            <a:r>
+              <a:rPr lang="en-US" altLang="zh-CN" dirty="0" smtClean="0"/>
+              <a:t>p-</a:t>
+            </a:r>
+            <a:r>
+              <a:rPr lang="en-US" altLang="zh-CN" dirty="0" err="1" smtClean="0"/>
+              <a:t>jwt</a:t>
+            </a:r>
+            <a:r>
+              <a:rPr lang="en-US" altLang="zh-CN" dirty="0" smtClean="0"/>
+              <a:t>-example-</a:t>
+            </a:r>
+            <a:r>
+              <a:rPr lang="en-US" altLang="zh-CN" dirty="0" err="1" smtClean="0"/>
+              <a:t>tls</a:t>
+            </a:r>
+            <a:r>
+              <a:rPr lang="en-US" altLang="zh-CN" dirty="0" err="1"/>
+              <a:t>.yaml</a:t>
+            </a:r>
+            <a:endParaRPr lang="en-US" altLang="zh-CN" dirty="0" smtClean="0"/>
+          </a:p>
+          <a:p>
+            <a:r>
+              <a:rPr lang="en-US" altLang="zh-CN" dirty="0" err="1"/>
+              <a:t>kubectl</a:t>
+            </a:r>
+            <a:r>
+              <a:rPr lang="en-US" altLang="zh-CN" dirty="0"/>
+              <a:t> </a:t>
+            </a:r>
+            <a:r>
+              <a:rPr lang="en-US" altLang="zh-CN" dirty="0" smtClean="0"/>
+              <a:t>apply </a:t>
+            </a:r>
+            <a:r>
+              <a:rPr lang="en-US" altLang="zh-CN" dirty="0"/>
+              <a:t>-f</a:t>
+            </a:r>
+            <a:r>
+              <a:rPr lang="zh-CN" altLang="en-US" dirty="0"/>
+              <a:t> </a:t>
+            </a:r>
+            <a:r>
+              <a:rPr lang="en-US" altLang="zh-CN" dirty="0" err="1" smtClean="0"/>
+              <a:t>dr-httpbin-tls.yaml</a:t>
+            </a:r>
+            <a:endParaRPr lang="en-US" altLang="zh-CN" dirty="0" smtClean="0"/>
+          </a:p>
+          <a:p>
+            <a:r>
+              <a:rPr lang="en-US" altLang="zh-CN" dirty="0"/>
+              <a:t>//200 ingress-gateway-&gt;</a:t>
+            </a:r>
+            <a:r>
+              <a:rPr lang="en-US" altLang="zh-CN" dirty="0" err="1"/>
+              <a:t>httpbin.</a:t>
+            </a:r>
+            <a:r>
+              <a:rPr lang="en-US" altLang="zh-CN" dirty="0" err="1"/>
+              <a:t>foo</a:t>
+            </a:r>
+            <a:endParaRPr lang="en-US" altLang="zh-CN" dirty="0"/>
+          </a:p>
+          <a:p>
+            <a:r>
+              <a:rPr lang="en-US" altLang="zh-CN" dirty="0"/>
+              <a:t>curl --header "Authorization: Bearer $TOKEN" $INGRESS_HOST:$INGRESS_PORT/headers -s -o /dev/null -w "%{</a:t>
+            </a:r>
+            <a:r>
+              <a:rPr lang="en-US" altLang="zh-CN" dirty="0" err="1"/>
+              <a:t>http_code</a:t>
+            </a:r>
+            <a:r>
+              <a:rPr lang="en-US" altLang="zh-CN" dirty="0"/>
+              <a:t>}\n"</a:t>
+            </a:r>
+          </a:p>
+          <a:p>
+            <a:r>
+              <a:rPr lang="en-US" altLang="zh-CN" dirty="0"/>
+              <a:t>//200 </a:t>
+            </a:r>
+            <a:r>
+              <a:rPr lang="en-US" altLang="zh-CN" dirty="0" err="1"/>
+              <a:t>slepp.foo</a:t>
+            </a:r>
+            <a:r>
+              <a:rPr lang="en-US" altLang="zh-CN" dirty="0"/>
+              <a:t>-&gt;</a:t>
+            </a:r>
+            <a:r>
+              <a:rPr lang="en-US" altLang="zh-CN" dirty="0" err="1"/>
+              <a:t>httpbin.foo</a:t>
+            </a:r>
+            <a:endParaRPr lang="en-US" altLang="zh-CN" dirty="0"/>
+          </a:p>
+          <a:p>
+            <a:r>
+              <a:rPr lang="en-US" altLang="zh-CN" dirty="0" err="1"/>
+              <a:t>kubectl</a:t>
+            </a:r>
+            <a:r>
+              <a:rPr lang="en-US" altLang="zh-CN" dirty="0"/>
+              <a:t> exec $(</a:t>
+            </a:r>
+            <a:r>
+              <a:rPr lang="en-US" altLang="zh-CN" dirty="0" err="1"/>
+              <a:t>kubectl</a:t>
+            </a:r>
+            <a:r>
+              <a:rPr lang="en-US" altLang="zh-CN" dirty="0"/>
+              <a:t> get pod -l app=sleep -n foo -o </a:t>
+            </a:r>
+            <a:r>
+              <a:rPr lang="en-US" altLang="zh-CN" dirty="0" err="1"/>
+              <a:t>jsonpath</a:t>
+            </a:r>
+            <a:r>
+              <a:rPr lang="en-US" altLang="zh-CN" dirty="0"/>
+              <a:t>={.items..</a:t>
+            </a:r>
+            <a:r>
+              <a:rPr lang="en-US" altLang="zh-CN" dirty="0" err="1"/>
+              <a:t>metadata.name</a:t>
+            </a:r>
+            <a:r>
+              <a:rPr lang="en-US" altLang="zh-CN" dirty="0"/>
+              <a:t>}) -c sleep -n foo -- curl http://httpbin.foo:8000/</a:t>
+            </a:r>
+            <a:r>
+              <a:rPr lang="en-US" altLang="zh-CN" dirty="0" err="1"/>
+              <a:t>ip</a:t>
+            </a:r>
+            <a:r>
+              <a:rPr lang="en-US" altLang="zh-CN" dirty="0"/>
+              <a:t> -s -o /dev/null -w "%{</a:t>
+            </a:r>
+            <a:r>
+              <a:rPr lang="en-US" altLang="zh-CN" dirty="0" err="1"/>
+              <a:t>http_code</a:t>
+            </a:r>
+            <a:r>
+              <a:rPr lang="en-US" altLang="zh-CN" dirty="0"/>
+              <a:t>}\n" --header "Authorization: Bearer $TOKEN"</a:t>
+            </a:r>
+            <a:endParaRPr lang="en-US" altLang="zh-CN" dirty="0"/>
+          </a:p>
+          <a:p>
+            <a:r>
+              <a:rPr lang="en-US" altLang="zh-CN" dirty="0"/>
+              <a:t>//fail </a:t>
+            </a:r>
+            <a:r>
+              <a:rPr lang="en-US" altLang="zh-CN" dirty="0" err="1"/>
+              <a:t>sleep.legacy</a:t>
+            </a:r>
+            <a:r>
+              <a:rPr lang="en-US" altLang="zh-CN" dirty="0"/>
+              <a:t>-&gt;</a:t>
+            </a:r>
+            <a:r>
+              <a:rPr lang="en-US" altLang="zh-CN" dirty="0" err="1"/>
+              <a:t>httpbin.foo</a:t>
+            </a:r>
+            <a:endParaRPr lang="en-US" altLang="zh-CN" dirty="0"/>
+          </a:p>
+          <a:p>
+            <a:r>
+              <a:rPr lang="en-US" altLang="zh-CN" dirty="0" err="1"/>
+              <a:t>kubectl</a:t>
+            </a:r>
+            <a:r>
+              <a:rPr lang="en-US" altLang="zh-CN" dirty="0"/>
+              <a:t> exec $(</a:t>
+            </a:r>
+            <a:r>
+              <a:rPr lang="en-US" altLang="zh-CN" dirty="0" err="1"/>
+              <a:t>kubectl</a:t>
+            </a:r>
+            <a:r>
+              <a:rPr lang="en-US" altLang="zh-CN" dirty="0"/>
+              <a:t> get pod -l app=sleep -n legacy -o </a:t>
+            </a:r>
+            <a:r>
+              <a:rPr lang="en-US" altLang="zh-CN" dirty="0" err="1"/>
+              <a:t>jsonpath</a:t>
+            </a:r>
+            <a:r>
+              <a:rPr lang="en-US" altLang="zh-CN" dirty="0"/>
+              <a:t>={.items..</a:t>
+            </a:r>
+            <a:r>
+              <a:rPr lang="en-US" altLang="zh-CN" dirty="0" err="1"/>
+              <a:t>metadata.name</a:t>
+            </a:r>
+            <a:r>
+              <a:rPr lang="en-US" altLang="zh-CN" dirty="0"/>
+              <a:t>}) -c sleep -n legacy -- curl http://httpbin.foo:8000/</a:t>
+            </a:r>
+            <a:r>
+              <a:rPr lang="en-US" altLang="zh-CN" dirty="0" err="1"/>
+              <a:t>ip</a:t>
+            </a:r>
+            <a:r>
+              <a:rPr lang="en-US" altLang="zh-CN" dirty="0"/>
+              <a:t> -s -o /dev/null -w "%{</a:t>
+            </a:r>
+            <a:r>
+              <a:rPr lang="en-US" altLang="zh-CN" dirty="0" err="1"/>
+              <a:t>http_code</a:t>
+            </a:r>
+            <a:r>
+              <a:rPr lang="en-US" altLang="zh-CN" dirty="0"/>
+              <a:t>}\n" --header "Authorization: Bearer $TOKEN</a:t>
+            </a:r>
+            <a:r>
+              <a:rPr lang="en-US" altLang="zh-CN" dirty="0" smtClean="0"/>
+              <a:t>"</a:t>
+            </a:r>
+            <a:endParaRPr lang="en-US" altLang="zh-CN" dirty="0"/>
+          </a:p>
+        </p:txBody>
+      </p:sp>
+    </p:spTree>
+    <p:extLst>
+      <p:ext uri="{BB962C8B-B14F-4D97-AF65-F5344CB8AC3E}">
+        <p14:creationId xmlns:p14="http://schemas.microsoft.com/office/powerpoint/2010/main" val="271120034"/>
+      </p:ext>
+    </p:extLst>
+  </p:cSld>
+  <p:clrMapOvr>
+    <a:masterClrMapping/>
+  </p:clrMapOvr>
+</p:sld>
+</file>
+
+<file path=ppt/slides/slide18.xml><?xml version="1.0" encoding="utf-8"?>
+<p:sld xmlns:a="http://schemas.openxmlformats.org/drawingml/2006/main" xmlns:r="http://schemas.openxmlformats.org/officeDocument/2006/relationships" xmlns:p="http://schemas.openxmlformats.org/presentationml/2006/main">
+  <p:cSld>
+    <p:spTree>
+      <p:nvGrpSpPr>
+        <p:cNvPr id="1" name=""/>
+        <p:cNvGrpSpPr/>
+        <p:nvPr/>
+      </p:nvGrpSpPr>
+      <p:grpSpPr>
+        <a:xfrm>
+          <a:off x="0" y="0"/>
+          <a:ext cx="0" cy="0"/>
+          <a:chOff x="0" y="0"/>
+          <a:chExt cx="0" cy="0"/>
+        </a:xfrm>
+      </p:grpSpPr>
+      <p:sp>
+        <p:nvSpPr>
+          <p:cNvPr id="2" name="标题 1"/>
+          <p:cNvSpPr>
+            <a:spLocks noGrp="1"/>
+          </p:cNvSpPr>
+          <p:nvPr>
+            <p:ph type="title"/>
+          </p:nvPr>
+        </p:nvSpPr>
+        <p:spPr/>
+        <p:txBody>
+          <a:bodyPr/>
+          <a:lstStyle/>
+          <a:p>
+            <a:r>
+              <a:rPr kumimoji="1" lang="zh-CN" altLang="en-US" dirty="0"/>
+              <a:t>认证</a:t>
+            </a:r>
+            <a:r>
+              <a:rPr kumimoji="1" lang="en-US" altLang="zh-CN" dirty="0"/>
+              <a:t>-</a:t>
+            </a:r>
+            <a:r>
+              <a:rPr kumimoji="1" lang="zh-CN" altLang="en-US" dirty="0"/>
+              <a:t>终端用户</a:t>
+            </a:r>
+            <a:r>
+              <a:rPr kumimoji="1" lang="en-US" altLang="zh-CN" dirty="0"/>
+              <a:t>JWT</a:t>
+            </a:r>
+            <a:endParaRPr kumimoji="1" lang="zh-CN" altLang="en-US" dirty="0"/>
+          </a:p>
+        </p:txBody>
+      </p:sp>
+      <p:sp>
+        <p:nvSpPr>
+          <p:cNvPr id="3" name="内容占位符 2"/>
+          <p:cNvSpPr>
+            <a:spLocks noGrp="1"/>
+          </p:cNvSpPr>
+          <p:nvPr>
+            <p:ph idx="1"/>
+          </p:nvPr>
+        </p:nvSpPr>
+        <p:spPr/>
+        <p:txBody>
+          <a:bodyPr/>
+          <a:lstStyle/>
+          <a:p>
+            <a:r>
+              <a:rPr lang="en-US" altLang="zh-CN" dirty="0" err="1"/>
+              <a:t>kubectl</a:t>
+            </a:r>
+            <a:r>
+              <a:rPr lang="en-US" altLang="zh-CN" dirty="0"/>
+              <a:t> -n foo delete policy </a:t>
+            </a:r>
+            <a:r>
+              <a:rPr lang="en-US" altLang="zh-CN" dirty="0" err="1"/>
+              <a:t>jwt</a:t>
+            </a:r>
+            <a:r>
+              <a:rPr lang="en-US" altLang="zh-CN" dirty="0"/>
+              <a:t>-example</a:t>
+            </a:r>
+          </a:p>
+          <a:p>
+            <a:r>
+              <a:rPr lang="en-US" altLang="zh-CN" dirty="0" err="1"/>
+              <a:t>kubectl</a:t>
+            </a:r>
+            <a:r>
+              <a:rPr lang="en-US" altLang="zh-CN" dirty="0"/>
+              <a:t> -n foo delete </a:t>
+            </a:r>
+            <a:r>
+              <a:rPr lang="en-US" altLang="zh-CN" dirty="0" err="1"/>
+              <a:t>destinationrule</a:t>
+            </a:r>
+            <a:r>
+              <a:rPr lang="en-US" altLang="zh-CN" dirty="0"/>
+              <a:t> </a:t>
+            </a:r>
+            <a:r>
+              <a:rPr lang="en-US" altLang="zh-CN" dirty="0" err="1"/>
+              <a:t>httpbin</a:t>
+            </a:r>
+            <a:endParaRPr lang="en-US" altLang="zh-CN" dirty="0"/>
+          </a:p>
+          <a:p>
+            <a:r>
+              <a:rPr lang="en-US" altLang="zh-CN" dirty="0" err="1"/>
+              <a:t>kubectl</a:t>
+            </a:r>
+            <a:r>
+              <a:rPr lang="en-US" altLang="zh-CN" dirty="0"/>
+              <a:t> delete ns foo bar legacy</a:t>
+            </a:r>
+          </a:p>
+          <a:p>
+            <a:endParaRPr kumimoji="1" lang="zh-CN" altLang="en-US" dirty="0"/>
+          </a:p>
+        </p:txBody>
+      </p:sp>
+    </p:spTree>
+    <p:extLst>
+      <p:ext uri="{BB962C8B-B14F-4D97-AF65-F5344CB8AC3E}">
+        <p14:creationId xmlns:p14="http://schemas.microsoft.com/office/powerpoint/2010/main" val="530869330"/>
+      </p:ext>
+    </p:extLst>
+  </p:cSld>
+  <p:clrMapOvr>
+    <a:masterClrMapping/>
+  </p:clrMapOvr>
+</p:sld>
+</file>
+
+<file path=ppt/slides/slide19.xml><?xml version="1.0" encoding="utf-8"?>
+<p:sld xmlns:a="http://schemas.openxmlformats.org/drawingml/2006/main" xmlns:r="http://schemas.openxmlformats.org/officeDocument/2006/relationships" xmlns:p="http://schemas.openxmlformats.org/presentationml/2006/main">
+  <p:cSld>
+    <p:spTree>
+      <p:nvGrpSpPr>
+        <p:cNvPr id="1" name=""/>
+        <p:cNvGrpSpPr/>
+        <p:nvPr/>
+      </p:nvGrpSpPr>
+      <p:grpSpPr>
+        <a:xfrm>
+          <a:off x="0" y="0"/>
+          <a:ext cx="0" cy="0"/>
+          <a:chOff x="0" y="0"/>
+          <a:chExt cx="0" cy="0"/>
+        </a:xfrm>
+      </p:grpSpPr>
+      <p:sp>
+        <p:nvSpPr>
+          <p:cNvPr id="2" name="标题 1"/>
+          <p:cNvSpPr>
+            <a:spLocks noGrp="1"/>
+          </p:cNvSpPr>
+          <p:nvPr>
+            <p:ph type="title"/>
+          </p:nvPr>
+        </p:nvSpPr>
+        <p:spPr/>
+        <p:txBody>
+          <a:bodyPr/>
+          <a:lstStyle/>
+          <a:p>
+            <a:r>
+              <a:rPr kumimoji="1" lang="zh-CN" altLang="en-US" dirty="0" smtClean="0"/>
+              <a:t>授权</a:t>
+            </a:r>
+            <a:r>
+              <a:rPr kumimoji="1" lang="en-US" altLang="zh-CN" dirty="0" smtClean="0"/>
+              <a:t>-http</a:t>
+            </a:r>
+            <a:endParaRPr kumimoji="1" lang="zh-CN" altLang="en-US" dirty="0"/>
+          </a:p>
+        </p:txBody>
+      </p:sp>
+      <p:sp>
+        <p:nvSpPr>
+          <p:cNvPr id="3" name="内容占位符 2"/>
+          <p:cNvSpPr>
+            <a:spLocks noGrp="1"/>
+          </p:cNvSpPr>
+          <p:nvPr>
+            <p:ph idx="1"/>
+          </p:nvPr>
+        </p:nvSpPr>
+        <p:spPr/>
+        <p:txBody>
+          <a:bodyPr/>
+          <a:lstStyle/>
+          <a:p>
+            <a:r>
+              <a:rPr lang="en-US" altLang="zh-CN" u="sng" dirty="0">
+                <a:hlinkClick r:id="rId2"/>
+              </a:rPr>
+              <a:t>http://52.82.45.173:31380/productpage</a:t>
+            </a:r>
+            <a:endParaRPr lang="en-US" altLang="zh-CN" dirty="0"/>
+          </a:p>
+          <a:p>
+            <a:r>
+              <a:rPr lang="en-US" altLang="zh-CN" dirty="0" err="1"/>
+              <a:t>kubectl</a:t>
+            </a:r>
+            <a:r>
+              <a:rPr lang="en-US" altLang="zh-CN" dirty="0"/>
+              <a:t> apply -f </a:t>
+            </a:r>
+            <a:r>
+              <a:rPr lang="en-US" altLang="zh-CN" dirty="0">
+                <a:hlinkClick r:id="rId3"/>
+              </a:rPr>
+              <a:t>samples/bookinfo/platform/kube/rbac/rbac-config-ON.yaml</a:t>
+            </a:r>
+            <a:endParaRPr lang="en-US" altLang="zh-CN" dirty="0"/>
+          </a:p>
+          <a:p>
+            <a:r>
+              <a:rPr lang="en-US" altLang="zh-CN" dirty="0"/>
+              <a:t>//RBAC: access denied</a:t>
+            </a:r>
+          </a:p>
+          <a:p>
+            <a:r>
+              <a:rPr lang="en-US" altLang="zh-CN" u="sng" dirty="0">
+                <a:hlinkClick r:id="rId2"/>
+              </a:rPr>
+              <a:t>http://52.82.45.173:31380/productpage</a:t>
+            </a:r>
+            <a:endParaRPr lang="en-US" altLang="zh-CN" dirty="0"/>
+          </a:p>
+          <a:p>
+            <a:r>
+              <a:rPr lang="en-US" altLang="zh-CN" dirty="0"/>
+              <a:t>//all work?</a:t>
+            </a:r>
+          </a:p>
+          <a:p>
+            <a:r>
+              <a:rPr lang="en-US" altLang="zh-CN" dirty="0" err="1"/>
+              <a:t>kubectl</a:t>
+            </a:r>
+            <a:r>
+              <a:rPr lang="en-US" altLang="zh-CN" dirty="0"/>
+              <a:t> apply -f samples/</a:t>
+            </a:r>
+            <a:r>
+              <a:rPr lang="en-US" altLang="zh-CN" dirty="0" err="1"/>
+              <a:t>bookinfo</a:t>
+            </a:r>
+            <a:r>
+              <a:rPr lang="en-US" altLang="zh-CN" dirty="0"/>
+              <a:t>/platform/</a:t>
+            </a:r>
+            <a:r>
+              <a:rPr lang="en-US" altLang="zh-CN" dirty="0" err="1"/>
+              <a:t>kube</a:t>
+            </a:r>
+            <a:r>
+              <a:rPr lang="en-US" altLang="zh-CN" dirty="0"/>
+              <a:t>/</a:t>
+            </a:r>
+            <a:r>
+              <a:rPr lang="en-US" altLang="zh-CN" dirty="0" err="1"/>
+              <a:t>rbac</a:t>
+            </a:r>
+            <a:r>
+              <a:rPr lang="en-US" altLang="zh-CN" dirty="0"/>
+              <a:t>/namespace-</a:t>
+            </a:r>
+            <a:r>
+              <a:rPr lang="en-US" altLang="zh-CN" dirty="0" err="1"/>
+              <a:t>policy.yaml</a:t>
+            </a:r>
+            <a:endParaRPr lang="en-US" altLang="zh-CN" dirty="0"/>
+          </a:p>
+          <a:p>
+            <a:r>
+              <a:rPr lang="en-US" altLang="zh-CN" u="sng" dirty="0">
+                <a:hlinkClick r:id="rId2"/>
+              </a:rPr>
+              <a:t>http://52.82.45.173:31380/productpage</a:t>
+            </a:r>
+            <a:endParaRPr lang="en-US" altLang="zh-CN" dirty="0"/>
+          </a:p>
+          <a:p>
+            <a:r>
+              <a:rPr lang="en-US" altLang="zh-CN" dirty="0" err="1"/>
+              <a:t>kubectl</a:t>
+            </a:r>
+            <a:r>
+              <a:rPr lang="en-US" altLang="zh-CN" dirty="0"/>
+              <a:t> delete -f </a:t>
+            </a:r>
+            <a:r>
+              <a:rPr lang="en-US" altLang="zh-CN" dirty="0" smtClean="0">
+                <a:hlinkClick r:id="rId4"/>
+              </a:rPr>
+              <a:t>samples/bookinfo/platform/kube/rbac/namespace-policy.yaml</a:t>
+            </a:r>
+            <a:endParaRPr lang="en-US" altLang="zh-CN" dirty="0"/>
+          </a:p>
+        </p:txBody>
+      </p:sp>
+    </p:spTree>
+    <p:extLst>
+      <p:ext uri="{BB962C8B-B14F-4D97-AF65-F5344CB8AC3E}">
+        <p14:creationId xmlns:p14="http://schemas.microsoft.com/office/powerpoint/2010/main" val="1599933982"/>
+      </p:ext>
+    </p:extLst>
+  </p:cSld>
+  <p:clrMapOvr>
+    <a:masterClrMapping/>
+  </p:clrMapOvr>
+</p:sld>
+</file>
+
+<file path=ppt/slides/slide2.xml><?xml version="1.0" encoding="utf-8"?>
+<p:sld xmlns:a="http://schemas.openxmlformats.org/drawingml/2006/main" xmlns:r="http://schemas.openxmlformats.org/officeDocument/2006/relationships" xmlns:p="http://schemas.openxmlformats.org/presentationml/2006/main">
+  <p:cSld>
+    <p:spTree>
+      <p:nvGrpSpPr>
+        <p:cNvPr id="1" name=""/>
+        <p:cNvGrpSpPr/>
+        <p:nvPr/>
+      </p:nvGrpSpPr>
+      <p:grpSpPr>
+        <a:xfrm>
+          <a:off x="0" y="0"/>
+          <a:ext cx="0" cy="0"/>
+          <a:chOff x="0" y="0"/>
+          <a:chExt cx="0" cy="0"/>
+        </a:xfrm>
+      </p:grpSpPr>
+      <p:sp>
+        <p:nvSpPr>
+          <p:cNvPr id="2" name="标题 1"/>
+          <p:cNvSpPr>
+            <a:spLocks noGrp="1"/>
+          </p:cNvSpPr>
+          <p:nvPr>
+            <p:ph type="title"/>
+          </p:nvPr>
+        </p:nvSpPr>
+        <p:spPr/>
+        <p:txBody>
+          <a:bodyPr/>
+          <a:lstStyle/>
+          <a:p>
+            <a:endParaRPr kumimoji="1" lang="zh-CN" altLang="en-US"/>
+          </a:p>
+        </p:txBody>
+      </p:sp>
+      <p:sp>
+        <p:nvSpPr>
+          <p:cNvPr id="3" name="内容占位符 2"/>
+          <p:cNvSpPr>
+            <a:spLocks noGrp="1"/>
+          </p:cNvSpPr>
+          <p:nvPr>
+            <p:ph idx="1"/>
+          </p:nvPr>
+        </p:nvSpPr>
+        <p:spPr/>
+        <p:txBody>
+          <a:bodyPr/>
+          <a:lstStyle/>
+          <a:p>
+            <a:endParaRPr kumimoji="1" lang="zh-CN" altLang="en-US"/>
+          </a:p>
+        </p:txBody>
+      </p:sp>
+      <p:pic>
+        <p:nvPicPr>
+          <p:cNvPr id="4" name="图片 3"/>
+          <p:cNvPicPr>
+            <a:picLocks noChangeAspect="1"/>
+          </p:cNvPicPr>
+          <p:nvPr/>
+        </p:nvPicPr>
+        <p:blipFill>
+          <a:blip r:embed="rId3"/>
+          <a:stretch>
+            <a:fillRect/>
+          </a:stretch>
+        </p:blipFill>
+        <p:spPr>
+          <a:xfrm>
+            <a:off x="818711" y="447188"/>
+            <a:ext cx="10519949" cy="5785972"/>
+          </a:xfrm>
+          <a:prstGeom prst="rect">
+            <a:avLst/>
+          </a:prstGeom>
+        </p:spPr>
+      </p:pic>
+    </p:spTree>
+    <p:extLst>
+      <p:ext uri="{BB962C8B-B14F-4D97-AF65-F5344CB8AC3E}">
+        <p14:creationId xmlns:p14="http://schemas.microsoft.com/office/powerpoint/2010/main" val="1446536266"/>
+      </p:ext>
+    </p:extLst>
+  </p:cSld>
+  <p:clrMapOvr>
+    <a:masterClrMapping/>
+  </p:clrMapOvr>
+</p:sld>
+</file>
+
+<file path=ppt/slides/slide20.xml><?xml version="1.0" encoding="utf-8"?>
+<p:sld xmlns:a="http://schemas.openxmlformats.org/drawingml/2006/main" xmlns:r="http://schemas.openxmlformats.org/officeDocument/2006/relationships" xmlns:p="http://schemas.openxmlformats.org/presentationml/2006/main">
+  <p:cSld>
+    <p:spTree>
+      <p:nvGrpSpPr>
+        <p:cNvPr id="1" name=""/>
+        <p:cNvGrpSpPr/>
+        <p:nvPr/>
+      </p:nvGrpSpPr>
+      <p:grpSpPr>
+        <a:xfrm>
+          <a:off x="0" y="0"/>
+          <a:ext cx="0" cy="0"/>
+          <a:chOff x="0" y="0"/>
+          <a:chExt cx="0" cy="0"/>
+        </a:xfrm>
+      </p:grpSpPr>
+      <p:sp>
+        <p:nvSpPr>
+          <p:cNvPr id="2" name="标题 1"/>
+          <p:cNvSpPr>
+            <a:spLocks noGrp="1"/>
+          </p:cNvSpPr>
+          <p:nvPr>
+            <p:ph type="title"/>
+          </p:nvPr>
+        </p:nvSpPr>
+        <p:spPr/>
+        <p:txBody>
+          <a:bodyPr/>
+          <a:lstStyle/>
+          <a:p>
+            <a:r>
+              <a:rPr kumimoji="1" lang="zh-CN" altLang="en-US" dirty="0" smtClean="0"/>
+              <a:t>授权</a:t>
+            </a:r>
+            <a:r>
+              <a:rPr kumimoji="1" lang="en-US" altLang="zh-CN" dirty="0" smtClean="0"/>
+              <a:t>-http</a:t>
+            </a:r>
+            <a:endParaRPr kumimoji="1" lang="zh-CN" altLang="en-US" dirty="0"/>
+          </a:p>
+        </p:txBody>
+      </p:sp>
+      <p:sp>
+        <p:nvSpPr>
+          <p:cNvPr id="3" name="内容占位符 2"/>
+          <p:cNvSpPr>
+            <a:spLocks noGrp="1"/>
+          </p:cNvSpPr>
+          <p:nvPr>
+            <p:ph idx="1"/>
+          </p:nvPr>
+        </p:nvSpPr>
+        <p:spPr/>
+        <p:txBody>
+          <a:bodyPr/>
+          <a:lstStyle/>
+          <a:p>
+            <a:r>
+              <a:rPr lang="en-US" altLang="zh-CN" dirty="0" err="1"/>
+              <a:t>kubectl</a:t>
+            </a:r>
+            <a:r>
+              <a:rPr lang="en-US" altLang="zh-CN" dirty="0"/>
+              <a:t> apply -f </a:t>
+            </a:r>
+            <a:r>
+              <a:rPr lang="en-US" altLang="zh-CN" dirty="0">
+                <a:hlinkClick r:id="rId2"/>
+              </a:rPr>
+              <a:t>samples/bookinfo/platform/kube/rbac/productpage-policy.yaml</a:t>
+            </a:r>
+            <a:endParaRPr lang="en-US" altLang="zh-CN" dirty="0"/>
+          </a:p>
+          <a:p>
+            <a:r>
+              <a:rPr lang="en-US" altLang="zh-CN" dirty="0"/>
+              <a:t>//product work</a:t>
+            </a:r>
+          </a:p>
+          <a:p>
+            <a:r>
+              <a:rPr lang="en-US" altLang="zh-CN" u="sng" dirty="0">
+                <a:hlinkClick r:id="rId3"/>
+              </a:rPr>
+              <a:t>http://52.82.45.173:31380/productpage</a:t>
+            </a:r>
+            <a:endParaRPr lang="en-US" altLang="zh-CN" dirty="0"/>
+          </a:p>
+          <a:p>
+            <a:pPr lvl="2"/>
+            <a:r>
+              <a:rPr lang="en-US" altLang="zh-CN" dirty="0" err="1"/>
+              <a:t>kubectl</a:t>
+            </a:r>
+            <a:r>
+              <a:rPr lang="en-US" altLang="zh-CN" dirty="0"/>
+              <a:t> apply -f </a:t>
+            </a:r>
+            <a:r>
+              <a:rPr lang="en-US" altLang="zh-CN" dirty="0">
+                <a:hlinkClick r:id="rId4"/>
+              </a:rPr>
+              <a:t>samples/bookinfo/platform/kube/rbac/details-reviews-policy.yaml</a:t>
+            </a:r>
+            <a:endParaRPr lang="en-US" altLang="zh-CN" dirty="0"/>
+          </a:p>
+          <a:p>
+            <a:pPr lvl="2"/>
+            <a:r>
+              <a:rPr lang="en-US" altLang="zh-CN" dirty="0"/>
+              <a:t>//review &amp; detail work?</a:t>
+            </a:r>
+          </a:p>
+          <a:p>
+            <a:r>
+              <a:rPr lang="en-US" altLang="zh-CN" u="sng" dirty="0">
+                <a:hlinkClick r:id="rId3"/>
+              </a:rPr>
+              <a:t>http://52.82.45.173:31380/productpage</a:t>
+            </a:r>
+            <a:endParaRPr lang="en-US" altLang="zh-CN" dirty="0"/>
+          </a:p>
+          <a:p>
+            <a:pPr lvl="2"/>
+            <a:r>
+              <a:rPr lang="en-US" altLang="zh-CN" dirty="0" err="1"/>
+              <a:t>kubectl</a:t>
+            </a:r>
+            <a:r>
+              <a:rPr lang="en-US" altLang="zh-CN" dirty="0"/>
+              <a:t> apply -f </a:t>
+            </a:r>
+            <a:r>
+              <a:rPr lang="en-US" altLang="zh-CN" dirty="0">
+                <a:hlinkClick r:id="rId5"/>
+              </a:rPr>
+              <a:t>samples/bookinfo/platform/kube/rbac/ratings-policy.yaml</a:t>
+            </a:r>
+            <a:endParaRPr lang="en-US" altLang="zh-CN" dirty="0"/>
+          </a:p>
+          <a:p>
+            <a:r>
+              <a:rPr lang="en-US" altLang="zh-CN" dirty="0"/>
+              <a:t>//rating work?</a:t>
+            </a:r>
+          </a:p>
+          <a:p>
+            <a:r>
+              <a:rPr lang="en-US" altLang="zh-CN" u="sng" dirty="0">
+                <a:hlinkClick r:id="rId3"/>
+              </a:rPr>
+              <a:t>http://52.82.45.173:31380/productpage</a:t>
+            </a:r>
+            <a:endParaRPr lang="en-US" altLang="zh-CN" dirty="0"/>
+          </a:p>
+        </p:txBody>
+      </p:sp>
+    </p:spTree>
+    <p:extLst>
+      <p:ext uri="{BB962C8B-B14F-4D97-AF65-F5344CB8AC3E}">
+        <p14:creationId xmlns:p14="http://schemas.microsoft.com/office/powerpoint/2010/main" val="1726010931"/>
+      </p:ext>
+    </p:extLst>
+  </p:cSld>
+  <p:clrMapOvr>
+    <a:masterClrMapping/>
+  </p:clrMapOvr>
+</p:sld>
+</file>
+
+<file path=ppt/slides/slide21.xml><?xml version="1.0" encoding="utf-8"?>
+<p:sld xmlns:a="http://schemas.openxmlformats.org/drawingml/2006/main" xmlns:r="http://schemas.openxmlformats.org/officeDocument/2006/relationships" xmlns:p="http://schemas.openxmlformats.org/presentationml/2006/main">
+  <p:cSld>
+    <p:spTree>
+      <p:nvGrpSpPr>
+        <p:cNvPr id="1" name=""/>
+        <p:cNvGrpSpPr/>
+        <p:nvPr/>
+      </p:nvGrpSpPr>
+      <p:grpSpPr>
+        <a:xfrm>
+          <a:off x="0" y="0"/>
+          <a:ext cx="0" cy="0"/>
+          <a:chOff x="0" y="0"/>
+          <a:chExt cx="0" cy="0"/>
+        </a:xfrm>
+      </p:grpSpPr>
+      <p:sp>
+        <p:nvSpPr>
+          <p:cNvPr id="2" name="标题 1"/>
+          <p:cNvSpPr>
+            <a:spLocks noGrp="1"/>
+          </p:cNvSpPr>
+          <p:nvPr>
+            <p:ph type="title"/>
+          </p:nvPr>
+        </p:nvSpPr>
+        <p:spPr/>
+        <p:txBody>
+          <a:bodyPr/>
+          <a:lstStyle/>
+          <a:p>
+            <a:r>
+              <a:rPr kumimoji="1" lang="zh-CN" altLang="en-US" dirty="0"/>
+              <a:t>授权</a:t>
+            </a:r>
+            <a:r>
+              <a:rPr kumimoji="1" lang="en-US" altLang="zh-CN" dirty="0"/>
+              <a:t>-http</a:t>
+            </a:r>
+            <a:endParaRPr kumimoji="1" lang="zh-CN" altLang="en-US" dirty="0"/>
+          </a:p>
+        </p:txBody>
+      </p:sp>
+      <p:sp>
+        <p:nvSpPr>
+          <p:cNvPr id="3" name="内容占位符 2"/>
+          <p:cNvSpPr>
+            <a:spLocks noGrp="1"/>
+          </p:cNvSpPr>
+          <p:nvPr>
+            <p:ph idx="1"/>
+          </p:nvPr>
+        </p:nvSpPr>
+        <p:spPr/>
+        <p:txBody>
+          <a:bodyPr/>
+          <a:lstStyle/>
+          <a:p>
+            <a:endParaRPr lang="en-US" altLang="zh-CN" dirty="0"/>
+          </a:p>
+          <a:p>
+            <a:r>
+              <a:rPr lang="en-US" altLang="zh-CN" dirty="0" err="1"/>
+              <a:t>kubectl</a:t>
+            </a:r>
+            <a:r>
+              <a:rPr lang="en-US" altLang="zh-CN" dirty="0"/>
+              <a:t> delete -f samples/</a:t>
+            </a:r>
+            <a:r>
+              <a:rPr lang="en-US" altLang="zh-CN" dirty="0" err="1"/>
+              <a:t>bookinfo</a:t>
+            </a:r>
+            <a:r>
+              <a:rPr lang="en-US" altLang="zh-CN" dirty="0"/>
+              <a:t>/platform/</a:t>
+            </a:r>
+            <a:r>
+              <a:rPr lang="en-US" altLang="zh-CN" dirty="0" err="1"/>
+              <a:t>kube</a:t>
+            </a:r>
+            <a:r>
+              <a:rPr lang="en-US" altLang="zh-CN" dirty="0"/>
+              <a:t>/</a:t>
+            </a:r>
+            <a:r>
+              <a:rPr lang="en-US" altLang="zh-CN" dirty="0" err="1"/>
+              <a:t>rbac</a:t>
+            </a:r>
+            <a:r>
+              <a:rPr lang="en-US" altLang="zh-CN" dirty="0"/>
+              <a:t>/ratings-</a:t>
+            </a:r>
+            <a:r>
+              <a:rPr lang="en-US" altLang="zh-CN" dirty="0" err="1"/>
+              <a:t>policy.yaml</a:t>
+            </a:r>
+            <a:endParaRPr lang="en-US" altLang="zh-CN" dirty="0"/>
+          </a:p>
+          <a:p>
+            <a:r>
+              <a:rPr lang="en-US" altLang="zh-CN" dirty="0" err="1"/>
+              <a:t>kubectl</a:t>
+            </a:r>
+            <a:r>
+              <a:rPr lang="en-US" altLang="zh-CN" dirty="0"/>
+              <a:t> delete -f samples/</a:t>
+            </a:r>
+            <a:r>
+              <a:rPr lang="en-US" altLang="zh-CN" dirty="0" err="1"/>
+              <a:t>bookinfo</a:t>
+            </a:r>
+            <a:r>
+              <a:rPr lang="en-US" altLang="zh-CN" dirty="0"/>
+              <a:t>/platform/</a:t>
+            </a:r>
+            <a:r>
+              <a:rPr lang="en-US" altLang="zh-CN" dirty="0" err="1"/>
+              <a:t>kube</a:t>
+            </a:r>
+            <a:r>
+              <a:rPr lang="en-US" altLang="zh-CN" dirty="0"/>
+              <a:t>/</a:t>
+            </a:r>
+            <a:r>
+              <a:rPr lang="en-US" altLang="zh-CN" dirty="0" err="1"/>
+              <a:t>rbac</a:t>
+            </a:r>
+            <a:r>
+              <a:rPr lang="en-US" altLang="zh-CN" dirty="0"/>
+              <a:t>/details-reviews-</a:t>
+            </a:r>
+            <a:r>
+              <a:rPr lang="en-US" altLang="zh-CN" dirty="0" err="1"/>
+              <a:t>policy.yaml</a:t>
+            </a:r>
+            <a:endParaRPr lang="en-US" altLang="zh-CN" dirty="0"/>
+          </a:p>
+          <a:p>
+            <a:r>
+              <a:rPr lang="en-US" altLang="zh-CN" dirty="0" err="1"/>
+              <a:t>kubectl</a:t>
+            </a:r>
+            <a:r>
+              <a:rPr lang="en-US" altLang="zh-CN" dirty="0"/>
+              <a:t> delete -f samples/</a:t>
+            </a:r>
+            <a:r>
+              <a:rPr lang="en-US" altLang="zh-CN" dirty="0" err="1"/>
+              <a:t>bookinfo</a:t>
+            </a:r>
+            <a:r>
+              <a:rPr lang="en-US" altLang="zh-CN" dirty="0"/>
+              <a:t>/platform/</a:t>
+            </a:r>
+            <a:r>
+              <a:rPr lang="en-US" altLang="zh-CN" dirty="0" err="1"/>
+              <a:t>kube</a:t>
+            </a:r>
+            <a:r>
+              <a:rPr lang="en-US" altLang="zh-CN" dirty="0"/>
+              <a:t>/</a:t>
+            </a:r>
+            <a:r>
+              <a:rPr lang="en-US" altLang="zh-CN" dirty="0" err="1"/>
+              <a:t>rbac</a:t>
+            </a:r>
+            <a:r>
+              <a:rPr lang="en-US" altLang="zh-CN" dirty="0"/>
+              <a:t>/</a:t>
+            </a:r>
+            <a:r>
+              <a:rPr lang="en-US" altLang="zh-CN" dirty="0" err="1"/>
+              <a:t>productpage-policy.yaml</a:t>
+            </a:r>
+            <a:endParaRPr lang="en-US" altLang="zh-CN" dirty="0"/>
+          </a:p>
+          <a:p>
+            <a:r>
+              <a:rPr lang="en-US" altLang="zh-CN" dirty="0" err="1"/>
+              <a:t>kubectl</a:t>
+            </a:r>
+            <a:r>
+              <a:rPr lang="en-US" altLang="zh-CN" dirty="0"/>
+              <a:t> delete -f </a:t>
+            </a:r>
+            <a:r>
+              <a:rPr lang="en-US" altLang="zh-CN" dirty="0">
+                <a:hlinkClick r:id="rId2"/>
+              </a:rPr>
+              <a:t>samples/bookinfo/platform/kube/rbac/rbac-config-ON.yaml</a:t>
+            </a:r>
+            <a:endParaRPr lang="en-US" altLang="zh-CN" dirty="0"/>
+          </a:p>
+          <a:p>
+            <a:endParaRPr kumimoji="1" lang="zh-CN" altLang="en-US" dirty="0"/>
+          </a:p>
+        </p:txBody>
+      </p:sp>
+    </p:spTree>
+    <p:extLst>
+      <p:ext uri="{BB962C8B-B14F-4D97-AF65-F5344CB8AC3E}">
+        <p14:creationId xmlns:p14="http://schemas.microsoft.com/office/powerpoint/2010/main" val="1353782848"/>
+      </p:ext>
+    </p:extLst>
+  </p:cSld>
+  <p:clrMapOvr>
+    <a:masterClrMapping/>
+  </p:clrMapOvr>
+</p:sld>
+</file>
+
+<file path=ppt/slides/slide22.xml><?xml version="1.0" encoding="utf-8"?>
+<p:sld xmlns:a="http://schemas.openxmlformats.org/drawingml/2006/main" xmlns:r="http://schemas.openxmlformats.org/officeDocument/2006/relationships" xmlns:p="http://schemas.openxmlformats.org/presentationml/2006/main">
+  <p:cSld>
+    <p:spTree>
+      <p:nvGrpSpPr>
+        <p:cNvPr id="1" name=""/>
+        <p:cNvGrpSpPr/>
+        <p:nvPr/>
+      </p:nvGrpSpPr>
+      <p:grpSpPr>
+        <a:xfrm>
+          <a:off x="0" y="0"/>
+          <a:ext cx="0" cy="0"/>
+          <a:chOff x="0" y="0"/>
+          <a:chExt cx="0" cy="0"/>
+        </a:xfrm>
+      </p:grpSpPr>
+      <p:sp>
+        <p:nvSpPr>
+          <p:cNvPr id="2" name="标题 1"/>
+          <p:cNvSpPr>
+            <a:spLocks noGrp="1"/>
+          </p:cNvSpPr>
+          <p:nvPr>
+            <p:ph type="title"/>
+          </p:nvPr>
+        </p:nvSpPr>
+        <p:spPr/>
+        <p:txBody>
+          <a:bodyPr/>
+          <a:lstStyle/>
+          <a:p>
+            <a:r>
+              <a:rPr kumimoji="1" lang="zh-CN" altLang="en-US" dirty="0"/>
+              <a:t>授权</a:t>
+            </a:r>
+            <a:r>
+              <a:rPr kumimoji="1" lang="en-US" altLang="zh-CN" dirty="0" smtClean="0"/>
+              <a:t>-</a:t>
+            </a:r>
+            <a:r>
+              <a:rPr kumimoji="1" lang="en-US" altLang="zh-CN" dirty="0" err="1" smtClean="0"/>
+              <a:t>tcp</a:t>
+            </a:r>
+            <a:endParaRPr kumimoji="1" lang="zh-CN" altLang="en-US" dirty="0"/>
+          </a:p>
+        </p:txBody>
+      </p:sp>
+      <p:sp>
+        <p:nvSpPr>
+          <p:cNvPr id="3" name="内容占位符 2"/>
+          <p:cNvSpPr>
+            <a:spLocks noGrp="1"/>
+          </p:cNvSpPr>
+          <p:nvPr>
+            <p:ph idx="1"/>
+          </p:nvPr>
+        </p:nvSpPr>
+        <p:spPr>
+          <a:xfrm>
+            <a:off x="818712" y="2222287"/>
+            <a:ext cx="10554574" cy="4498553"/>
+          </a:xfrm>
+        </p:spPr>
+        <p:txBody>
+          <a:bodyPr>
+            <a:normAutofit fontScale="85000" lnSpcReduction="20000"/>
+          </a:bodyPr>
+          <a:lstStyle/>
+          <a:p>
+            <a:endParaRPr lang="en-US" altLang="zh-CN" dirty="0"/>
+          </a:p>
+          <a:p>
+            <a:r>
+              <a:rPr lang="en-US" altLang="zh-CN" dirty="0" err="1"/>
+              <a:t>kubectl</a:t>
+            </a:r>
+            <a:r>
+              <a:rPr lang="en-US" altLang="zh-CN" dirty="0"/>
+              <a:t> apply -f samples/</a:t>
+            </a:r>
+            <a:r>
+              <a:rPr lang="en-US" altLang="zh-CN" dirty="0" err="1"/>
+              <a:t>bookinfo</a:t>
+            </a:r>
+            <a:r>
+              <a:rPr lang="en-US" altLang="zh-CN" dirty="0"/>
+              <a:t>/platform/</a:t>
+            </a:r>
+            <a:r>
+              <a:rPr lang="en-US" altLang="zh-CN" dirty="0" err="1"/>
+              <a:t>kube</a:t>
+            </a:r>
+            <a:r>
+              <a:rPr lang="en-US" altLang="zh-CN" dirty="0"/>
+              <a:t>/bookinfo-ratings-v2.yaml</a:t>
+            </a:r>
+          </a:p>
+          <a:p>
+            <a:r>
+              <a:rPr lang="en-US" altLang="zh-CN" dirty="0" err="1"/>
+              <a:t>kubectl</a:t>
+            </a:r>
+            <a:r>
+              <a:rPr lang="en-US" altLang="zh-CN" dirty="0"/>
+              <a:t> apply -f samples/</a:t>
+            </a:r>
+            <a:r>
+              <a:rPr lang="en-US" altLang="zh-CN" dirty="0" err="1"/>
+              <a:t>bookinfo</a:t>
+            </a:r>
+            <a:r>
+              <a:rPr lang="en-US" altLang="zh-CN" dirty="0"/>
+              <a:t>/networking/virtual-service-ratings-</a:t>
+            </a:r>
+            <a:r>
+              <a:rPr lang="en-US" altLang="zh-CN" dirty="0" err="1"/>
+              <a:t>db.yaml</a:t>
+            </a:r>
+            <a:endParaRPr lang="en-US" altLang="zh-CN" dirty="0"/>
+          </a:p>
+          <a:p>
+            <a:r>
+              <a:rPr lang="en-US" altLang="zh-CN" dirty="0" err="1"/>
+              <a:t>kubectl</a:t>
+            </a:r>
+            <a:r>
+              <a:rPr lang="en-US" altLang="zh-CN" dirty="0"/>
+              <a:t> apply -f samples/</a:t>
+            </a:r>
+            <a:r>
+              <a:rPr lang="en-US" altLang="zh-CN" dirty="0" err="1"/>
+              <a:t>bookinfo</a:t>
+            </a:r>
+            <a:r>
+              <a:rPr lang="en-US" altLang="zh-CN" dirty="0"/>
+              <a:t>/platform/</a:t>
+            </a:r>
+            <a:r>
+              <a:rPr lang="en-US" altLang="zh-CN" dirty="0" err="1"/>
+              <a:t>kube</a:t>
+            </a:r>
+            <a:r>
+              <a:rPr lang="en-US" altLang="zh-CN" dirty="0"/>
+              <a:t>/</a:t>
+            </a:r>
+            <a:r>
+              <a:rPr lang="en-US" altLang="zh-CN" dirty="0" err="1"/>
+              <a:t>bookinfo-db.yaml</a:t>
+            </a:r>
+            <a:endParaRPr lang="en-US" altLang="zh-CN" dirty="0"/>
+          </a:p>
+          <a:p>
+            <a:endParaRPr lang="en-US" altLang="zh-CN" dirty="0"/>
+          </a:p>
+          <a:p>
+            <a:r>
+              <a:rPr lang="en-US" altLang="zh-CN" dirty="0" err="1"/>
+              <a:t>kubectl</a:t>
+            </a:r>
+            <a:r>
+              <a:rPr lang="en-US" altLang="zh-CN" dirty="0"/>
+              <a:t> apply -f samples/</a:t>
+            </a:r>
+            <a:r>
+              <a:rPr lang="en-US" altLang="zh-CN" dirty="0" err="1"/>
+              <a:t>bookinfo</a:t>
+            </a:r>
+            <a:r>
+              <a:rPr lang="en-US" altLang="zh-CN" dirty="0"/>
+              <a:t>/platform/</a:t>
+            </a:r>
+            <a:r>
+              <a:rPr lang="en-US" altLang="zh-CN" dirty="0" err="1"/>
+              <a:t>kube</a:t>
+            </a:r>
+            <a:r>
+              <a:rPr lang="en-US" altLang="zh-CN" dirty="0"/>
+              <a:t>/</a:t>
+            </a:r>
+            <a:r>
+              <a:rPr lang="en-US" altLang="zh-CN" dirty="0" err="1"/>
+              <a:t>rbac</a:t>
+            </a:r>
+            <a:r>
+              <a:rPr lang="en-US" altLang="zh-CN" dirty="0"/>
+              <a:t>/</a:t>
+            </a:r>
+            <a:r>
+              <a:rPr lang="en-US" altLang="zh-CN" dirty="0" err="1"/>
+              <a:t>rbac</a:t>
+            </a:r>
+            <a:r>
+              <a:rPr lang="en-US" altLang="zh-CN" dirty="0"/>
+              <a:t>-</a:t>
+            </a:r>
+            <a:r>
+              <a:rPr lang="en-US" altLang="zh-CN" dirty="0" err="1"/>
+              <a:t>config</a:t>
+            </a:r>
+            <a:r>
+              <a:rPr lang="en-US" altLang="zh-CN" dirty="0"/>
+              <a:t>-on-</a:t>
+            </a:r>
+            <a:r>
+              <a:rPr lang="en-US" altLang="zh-CN" dirty="0" err="1"/>
+              <a:t>mongodb.yaml</a:t>
+            </a:r>
+            <a:endParaRPr lang="en-US" altLang="zh-CN" dirty="0"/>
+          </a:p>
+          <a:p>
+            <a:r>
+              <a:rPr lang="en-US" altLang="zh-CN" dirty="0"/>
+              <a:t>//rating service unavailable</a:t>
+            </a:r>
+          </a:p>
+          <a:p>
+            <a:r>
+              <a:rPr lang="en-US" altLang="zh-CN" u="sng" dirty="0">
+                <a:hlinkClick r:id="rId3"/>
+              </a:rPr>
+              <a:t>http://52.82.45.173:31380/productpage</a:t>
+            </a:r>
+            <a:endParaRPr lang="en-US" altLang="zh-CN" dirty="0"/>
+          </a:p>
+          <a:p>
+            <a:r>
+              <a:rPr lang="en-US" altLang="zh-CN" dirty="0" err="1"/>
+              <a:t>kubectl</a:t>
+            </a:r>
+            <a:r>
+              <a:rPr lang="en-US" altLang="zh-CN" dirty="0"/>
+              <a:t> apply -f samples/</a:t>
+            </a:r>
+            <a:r>
+              <a:rPr lang="en-US" altLang="zh-CN" dirty="0" err="1"/>
+              <a:t>bookinfo</a:t>
+            </a:r>
+            <a:r>
+              <a:rPr lang="en-US" altLang="zh-CN" dirty="0"/>
+              <a:t>/platform/</a:t>
+            </a:r>
+            <a:r>
+              <a:rPr lang="en-US" altLang="zh-CN" dirty="0" err="1"/>
+              <a:t>kube</a:t>
+            </a:r>
+            <a:r>
+              <a:rPr lang="en-US" altLang="zh-CN" dirty="0"/>
+              <a:t>/</a:t>
+            </a:r>
+            <a:r>
+              <a:rPr lang="en-US" altLang="zh-CN" dirty="0" err="1"/>
+              <a:t>rbac</a:t>
+            </a:r>
+            <a:r>
+              <a:rPr lang="en-US" altLang="zh-CN" dirty="0"/>
+              <a:t>/</a:t>
+            </a:r>
+            <a:r>
+              <a:rPr lang="en-US" altLang="zh-CN" dirty="0" err="1"/>
+              <a:t>mongodb-policy.yaml</a:t>
+            </a:r>
+            <a:endParaRPr lang="en-US" altLang="zh-CN" dirty="0"/>
+          </a:p>
+          <a:p>
+            <a:r>
+              <a:rPr lang="en-US" altLang="zh-CN" dirty="0"/>
+              <a:t>//rating work?</a:t>
+            </a:r>
+          </a:p>
+          <a:p>
+            <a:r>
+              <a:rPr lang="en-US" altLang="zh-CN" u="sng" dirty="0">
+                <a:hlinkClick r:id="rId3"/>
+              </a:rPr>
+              <a:t>http://</a:t>
+            </a:r>
+            <a:r>
+              <a:rPr lang="en-US" altLang="zh-CN" u="sng" dirty="0" smtClean="0">
+                <a:hlinkClick r:id="rId3"/>
+              </a:rPr>
+              <a:t>52.82.45.173:31380/productpage</a:t>
+            </a:r>
+            <a:endParaRPr lang="en-US" altLang="zh-CN" u="sng" dirty="0" smtClean="0"/>
+          </a:p>
+          <a:p>
+            <a:endParaRPr lang="en-US" altLang="zh-CN" dirty="0"/>
+          </a:p>
+          <a:p>
+            <a:r>
+              <a:rPr lang="en-US" altLang="zh-CN" dirty="0" err="1"/>
+              <a:t>kubectl</a:t>
+            </a:r>
+            <a:r>
+              <a:rPr lang="en-US" altLang="zh-CN" dirty="0"/>
+              <a:t> delete -f </a:t>
+            </a:r>
+            <a:r>
+              <a:rPr lang="en-US" altLang="zh-CN" dirty="0">
+                <a:hlinkClick r:id="rId4"/>
+              </a:rPr>
+              <a:t>samples/bookinfo/platform/kube/rbac/mongodb-policy.yaml</a:t>
+            </a:r>
+            <a:endParaRPr lang="en-US" altLang="zh-CN" dirty="0"/>
+          </a:p>
+          <a:p>
+            <a:r>
+              <a:rPr lang="en-US" altLang="zh-CN" dirty="0" err="1"/>
+              <a:t>kubectl</a:t>
+            </a:r>
+            <a:r>
+              <a:rPr lang="en-US" altLang="zh-CN" dirty="0"/>
+              <a:t> </a:t>
+            </a:r>
+            <a:r>
+              <a:rPr lang="en-US" altLang="zh-CN" dirty="0" smtClean="0"/>
+              <a:t>delete </a:t>
+            </a:r>
+            <a:r>
+              <a:rPr lang="en-US" altLang="zh-CN" dirty="0"/>
+              <a:t>-f </a:t>
+            </a:r>
+            <a:r>
+              <a:rPr lang="en-US" altLang="zh-CN" dirty="0" smtClean="0">
+                <a:hlinkClick r:id="rId5"/>
+              </a:rPr>
+              <a:t>samples/bookinfo/platform/kube/rbac/rbac-config-on-mongodb.yaml</a:t>
+            </a:r>
+            <a:endParaRPr lang="en-US" altLang="zh-CN" dirty="0"/>
+          </a:p>
+          <a:p>
+            <a:endParaRPr kumimoji="1" lang="zh-CN" altLang="en-US" dirty="0"/>
+          </a:p>
+        </p:txBody>
+      </p:sp>
+    </p:spTree>
+    <p:extLst>
+      <p:ext uri="{BB962C8B-B14F-4D97-AF65-F5344CB8AC3E}">
+        <p14:creationId xmlns:p14="http://schemas.microsoft.com/office/powerpoint/2010/main" val="1443412362"/>
+      </p:ext>
+    </p:extLst>
+  </p:cSld>
+  <p:clrMapOvr>
+    <a:masterClrMapping/>
+  </p:clrMapOvr>
+</p:sld>
+</file>
+
+<file path=ppt/slides/slide23.xml><?xml version="1.0" encoding="utf-8"?>
+<p:sld xmlns:a="http://schemas.openxmlformats.org/drawingml/2006/main" xmlns:r="http://schemas.openxmlformats.org/officeDocument/2006/relationships" xmlns:p="http://schemas.openxmlformats.org/presentationml/2006/main">
+  <p:cSld>
+    <p:spTree>
+      <p:nvGrpSpPr>
+        <p:cNvPr id="1" name=""/>
+        <p:cNvGrpSpPr/>
+        <p:nvPr/>
+      </p:nvGrpSpPr>
+      <p:grpSpPr>
+        <a:xfrm>
+          <a:off x="0" y="0"/>
+          <a:ext cx="0" cy="0"/>
+          <a:chOff x="0" y="0"/>
+          <a:chExt cx="0" cy="0"/>
+        </a:xfrm>
+      </p:grpSpPr>
+      <p:sp>
+        <p:nvSpPr>
+          <p:cNvPr id="2" name="标题 1"/>
+          <p:cNvSpPr>
+            <a:spLocks noGrp="1"/>
+          </p:cNvSpPr>
+          <p:nvPr>
+            <p:ph type="title"/>
+          </p:nvPr>
+        </p:nvSpPr>
+        <p:spPr/>
+        <p:txBody>
+          <a:bodyPr/>
+          <a:lstStyle/>
+          <a:p>
+            <a:r>
+              <a:rPr kumimoji="1" lang="zh-CN" altLang="en-US" dirty="0" smtClean="0"/>
+              <a:t>授权</a:t>
+            </a:r>
+            <a:r>
+              <a:rPr kumimoji="1" lang="en-US" altLang="zh-CN" dirty="0" smtClean="0"/>
+              <a:t>-</a:t>
+            </a:r>
+            <a:r>
+              <a:rPr kumimoji="1" lang="zh-CN" altLang="en-US" dirty="0" smtClean="0"/>
+              <a:t>终端用户</a:t>
+            </a:r>
+            <a:r>
+              <a:rPr kumimoji="1" lang="en-US" altLang="zh-CN" dirty="0" smtClean="0"/>
+              <a:t>JWT</a:t>
+            </a:r>
+            <a:endParaRPr kumimoji="1" lang="zh-CN" altLang="en-US" dirty="0"/>
+          </a:p>
+        </p:txBody>
+      </p:sp>
+      <p:sp>
+        <p:nvSpPr>
+          <p:cNvPr id="3" name="内容占位符 2"/>
+          <p:cNvSpPr>
+            <a:spLocks noGrp="1"/>
+          </p:cNvSpPr>
+          <p:nvPr>
+            <p:ph idx="1"/>
+          </p:nvPr>
+        </p:nvSpPr>
+        <p:spPr/>
+        <p:txBody>
+          <a:bodyPr/>
+          <a:lstStyle/>
+          <a:p>
+            <a:r>
+              <a:rPr lang="en-US" altLang="zh-CN" dirty="0"/>
+              <a:t>export NS=</a:t>
+            </a:r>
+            <a:r>
+              <a:rPr lang="en-US" altLang="zh-CN" dirty="0" err="1"/>
+              <a:t>rbac</a:t>
+            </a:r>
+            <a:r>
+              <a:rPr lang="en-US" altLang="zh-CN" dirty="0"/>
+              <a:t>-groups-test-ns</a:t>
+            </a:r>
+            <a:endParaRPr lang="en-US" altLang="zh-CN" dirty="0"/>
+          </a:p>
+          <a:p>
+            <a:r>
+              <a:rPr lang="en-US" altLang="zh-CN" dirty="0" err="1"/>
+              <a:t>kubectl</a:t>
+            </a:r>
+            <a:r>
+              <a:rPr lang="en-US" altLang="zh-CN" dirty="0"/>
+              <a:t> delete namespace $NS</a:t>
+            </a:r>
+            <a:endParaRPr lang="en-US" altLang="zh-CN" dirty="0"/>
+          </a:p>
+          <a:p>
+            <a:r>
+              <a:rPr lang="en-US" altLang="zh-CN" dirty="0" err="1"/>
+              <a:t>kubectl</a:t>
+            </a:r>
+            <a:r>
+              <a:rPr lang="en-US" altLang="zh-CN" dirty="0"/>
+              <a:t> create ns $NS</a:t>
+            </a:r>
+            <a:endParaRPr lang="en-US" altLang="zh-CN" dirty="0"/>
+          </a:p>
+          <a:p>
+            <a:r>
+              <a:rPr lang="en-US" altLang="zh-CN" dirty="0" err="1"/>
+              <a:t>kubectl</a:t>
+            </a:r>
+            <a:r>
+              <a:rPr lang="en-US" altLang="zh-CN" dirty="0"/>
+              <a:t> apply -f &lt;(</a:t>
+            </a:r>
+            <a:r>
+              <a:rPr lang="en-US" altLang="zh-CN" dirty="0" err="1"/>
+              <a:t>istioctl</a:t>
+            </a:r>
+            <a:r>
+              <a:rPr lang="en-US" altLang="zh-CN" dirty="0"/>
+              <a:t> </a:t>
+            </a:r>
+            <a:r>
+              <a:rPr lang="en-US" altLang="zh-CN" dirty="0" err="1"/>
+              <a:t>kube</a:t>
+            </a:r>
+            <a:r>
+              <a:rPr lang="en-US" altLang="zh-CN" dirty="0"/>
+              <a:t>-inject -f </a:t>
+            </a:r>
+            <a:r>
+              <a:rPr lang="en-US" altLang="zh-CN" dirty="0">
+                <a:hlinkClick r:id="rId3"/>
+              </a:rPr>
+              <a:t>samples/httpbin/httpbin.yaml</a:t>
+            </a:r>
+            <a:r>
+              <a:rPr lang="en-US" altLang="zh-CN" dirty="0"/>
+              <a:t>) -n $NS</a:t>
+            </a:r>
+            <a:endParaRPr lang="en-US" altLang="zh-CN" dirty="0"/>
+          </a:p>
+          <a:p>
+            <a:r>
+              <a:rPr lang="en-US" altLang="zh-CN" dirty="0" err="1"/>
+              <a:t>kubectl</a:t>
+            </a:r>
+            <a:r>
+              <a:rPr lang="en-US" altLang="zh-CN" dirty="0"/>
+              <a:t> apply -f &lt;(</a:t>
+            </a:r>
+            <a:r>
+              <a:rPr lang="en-US" altLang="zh-CN" dirty="0" err="1"/>
+              <a:t>istioctl</a:t>
+            </a:r>
+            <a:r>
+              <a:rPr lang="en-US" altLang="zh-CN" dirty="0"/>
+              <a:t> </a:t>
+            </a:r>
+            <a:r>
+              <a:rPr lang="en-US" altLang="zh-CN" dirty="0" err="1"/>
+              <a:t>kube</a:t>
+            </a:r>
+            <a:r>
+              <a:rPr lang="en-US" altLang="zh-CN" dirty="0"/>
+              <a:t>-inject -f </a:t>
+            </a:r>
+            <a:r>
+              <a:rPr lang="en-US" altLang="zh-CN" dirty="0">
+                <a:hlinkClick r:id="rId4"/>
+              </a:rPr>
+              <a:t>samples/sleep/sleep.yaml</a:t>
+            </a:r>
+            <a:r>
+              <a:rPr lang="en-US" altLang="zh-CN" dirty="0"/>
+              <a:t>) -n $NS</a:t>
+            </a:r>
+            <a:endParaRPr lang="en-US" altLang="zh-CN" dirty="0"/>
+          </a:p>
+          <a:p>
+            <a:r>
+              <a:rPr lang="en-US" altLang="zh-CN" dirty="0"/>
+              <a:t>//200</a:t>
+            </a:r>
+            <a:endParaRPr lang="en-US" altLang="zh-CN" dirty="0"/>
+          </a:p>
+          <a:p>
+            <a:r>
+              <a:rPr lang="en-US" altLang="zh-CN" dirty="0" err="1"/>
+              <a:t>kubectl</a:t>
+            </a:r>
+            <a:r>
+              <a:rPr lang="en-US" altLang="zh-CN" dirty="0"/>
+              <a:t> exec $(</a:t>
+            </a:r>
+            <a:r>
+              <a:rPr lang="en-US" altLang="zh-CN" dirty="0" err="1"/>
+              <a:t>kubectl</a:t>
+            </a:r>
+            <a:r>
+              <a:rPr lang="en-US" altLang="zh-CN" dirty="0"/>
+              <a:t> get pod -l app=sleep -n $NS -o </a:t>
+            </a:r>
+            <a:r>
+              <a:rPr lang="en-US" altLang="zh-CN" dirty="0" err="1"/>
+              <a:t>jsonpath</a:t>
+            </a:r>
+            <a:r>
+              <a:rPr lang="en-US" altLang="zh-CN" dirty="0"/>
+              <a:t>={.items..</a:t>
+            </a:r>
+            <a:r>
+              <a:rPr lang="en-US" altLang="zh-CN" dirty="0" err="1"/>
+              <a:t>metadata.name</a:t>
+            </a:r>
+            <a:r>
+              <a:rPr lang="en-US" altLang="zh-CN" dirty="0"/>
+              <a:t>}) -c sleep -n $NS -- curl http://httpbin.$NS:8000/</a:t>
+            </a:r>
+            <a:r>
+              <a:rPr lang="en-US" altLang="zh-CN" dirty="0" err="1"/>
+              <a:t>ip</a:t>
+            </a:r>
+            <a:r>
+              <a:rPr lang="en-US" altLang="zh-CN" dirty="0"/>
+              <a:t> -s -o /dev/null -w "%{</a:t>
+            </a:r>
+            <a:r>
+              <a:rPr lang="en-US" altLang="zh-CN" dirty="0" err="1"/>
+              <a:t>http_code</a:t>
+            </a:r>
+            <a:r>
+              <a:rPr lang="en-US" altLang="zh-CN" dirty="0"/>
+              <a:t>}\n</a:t>
+            </a:r>
+            <a:r>
+              <a:rPr lang="en-US" altLang="zh-CN" dirty="0" smtClean="0"/>
+              <a:t>"</a:t>
+            </a:r>
+            <a:endParaRPr lang="en-US" altLang="zh-CN" dirty="0"/>
+          </a:p>
+        </p:txBody>
+      </p:sp>
+    </p:spTree>
+    <p:extLst>
+      <p:ext uri="{BB962C8B-B14F-4D97-AF65-F5344CB8AC3E}">
+        <p14:creationId xmlns:p14="http://schemas.microsoft.com/office/powerpoint/2010/main" val="1623391627"/>
+      </p:ext>
+    </p:extLst>
+  </p:cSld>
+  <p:clrMapOvr>
+    <a:masterClrMapping/>
+  </p:clrMapOvr>
+</p:sld>
+</file>
+
+<file path=ppt/slides/slide24.xml><?xml version="1.0" encoding="utf-8"?>
+<p:sld xmlns:a="http://schemas.openxmlformats.org/drawingml/2006/main" xmlns:r="http://schemas.openxmlformats.org/officeDocument/2006/relationships" xmlns:p="http://schemas.openxmlformats.org/presentationml/2006/main">
+  <p:cSld>
+    <p:spTree>
+      <p:nvGrpSpPr>
+        <p:cNvPr id="1" name=""/>
+        <p:cNvGrpSpPr/>
+        <p:nvPr/>
+      </p:nvGrpSpPr>
+      <p:grpSpPr>
+        <a:xfrm>
+          <a:off x="0" y="0"/>
+          <a:ext cx="0" cy="0"/>
+          <a:chOff x="0" y="0"/>
+          <a:chExt cx="0" cy="0"/>
+        </a:xfrm>
+      </p:grpSpPr>
+      <p:sp>
+        <p:nvSpPr>
+          <p:cNvPr id="2" name="标题 1"/>
+          <p:cNvSpPr>
+            <a:spLocks noGrp="1"/>
+          </p:cNvSpPr>
+          <p:nvPr>
+            <p:ph type="title"/>
+          </p:nvPr>
+        </p:nvSpPr>
+        <p:spPr/>
+        <p:txBody>
+          <a:bodyPr/>
+          <a:lstStyle/>
+          <a:p>
+            <a:r>
+              <a:rPr kumimoji="1" lang="zh-CN" altLang="en-US" dirty="0" smtClean="0"/>
+              <a:t>授权</a:t>
+            </a:r>
+            <a:r>
+              <a:rPr kumimoji="1" lang="en-US" altLang="zh-CN" dirty="0" smtClean="0"/>
+              <a:t>-</a:t>
+            </a:r>
+            <a:r>
+              <a:rPr kumimoji="1" lang="zh-CN" altLang="en-US" dirty="0" smtClean="0"/>
+              <a:t>终端用户</a:t>
+            </a:r>
+            <a:r>
+              <a:rPr kumimoji="1" lang="en-US" altLang="zh-CN" dirty="0" smtClean="0"/>
+              <a:t>JWT</a:t>
+            </a:r>
+            <a:endParaRPr kumimoji="1" lang="zh-CN" altLang="en-US" dirty="0"/>
+          </a:p>
+        </p:txBody>
+      </p:sp>
+      <p:sp>
+        <p:nvSpPr>
+          <p:cNvPr id="3" name="内容占位符 2"/>
+          <p:cNvSpPr>
+            <a:spLocks noGrp="1"/>
+          </p:cNvSpPr>
+          <p:nvPr>
+            <p:ph idx="1"/>
+          </p:nvPr>
+        </p:nvSpPr>
+        <p:spPr/>
+        <p:txBody>
+          <a:bodyPr>
+            <a:normAutofit fontScale="92500" lnSpcReduction="10000"/>
+          </a:bodyPr>
+          <a:lstStyle/>
+          <a:p>
+            <a:r>
+              <a:rPr lang="en-US" altLang="zh-CN" dirty="0" err="1"/>
+              <a:t>kubectl</a:t>
+            </a:r>
+            <a:r>
+              <a:rPr lang="en-US" altLang="zh-CN" dirty="0"/>
+              <a:t> apply -n $NS </a:t>
+            </a:r>
+            <a:r>
+              <a:rPr lang="en-US" altLang="zh-CN" dirty="0"/>
+              <a:t>-</a:t>
+            </a:r>
+            <a:r>
+              <a:rPr lang="en-US" altLang="zh-CN" dirty="0" smtClean="0"/>
+              <a:t>f</a:t>
+            </a:r>
+            <a:r>
+              <a:rPr lang="zh-CN" altLang="en-US" dirty="0" smtClean="0"/>
+              <a:t> </a:t>
+            </a:r>
+            <a:r>
+              <a:rPr lang="en-US" altLang="zh-CN" dirty="0" smtClean="0"/>
+              <a:t>p-require-</a:t>
+            </a:r>
+            <a:r>
+              <a:rPr lang="en-US" altLang="zh-CN" dirty="0" err="1" smtClean="0"/>
+              <a:t>mtls</a:t>
+            </a:r>
+            <a:r>
+              <a:rPr lang="en-US" altLang="zh-CN" dirty="0" smtClean="0"/>
+              <a:t>-</a:t>
+            </a:r>
+            <a:r>
+              <a:rPr lang="en-US" altLang="zh-CN" dirty="0" err="1" smtClean="0"/>
+              <a:t>jwt.yaml</a:t>
+            </a:r>
+            <a:endParaRPr lang="en-US" altLang="zh-CN" dirty="0" smtClean="0"/>
+          </a:p>
+          <a:p>
+            <a:r>
+              <a:rPr lang="en-US" altLang="zh-CN" dirty="0" err="1"/>
+              <a:t>kubectl</a:t>
+            </a:r>
+            <a:r>
+              <a:rPr lang="en-US" altLang="zh-CN" dirty="0"/>
+              <a:t> apply -n $NS -f</a:t>
+            </a:r>
+            <a:r>
+              <a:rPr lang="zh-CN" altLang="en-US" dirty="0"/>
+              <a:t> </a:t>
+            </a:r>
+            <a:r>
+              <a:rPr lang="en-US" altLang="zh-CN" dirty="0" err="1" smtClean="0"/>
+              <a:t>dr</a:t>
+            </a:r>
+            <a:r>
+              <a:rPr lang="en-US" altLang="zh-CN" dirty="0" smtClean="0"/>
+              <a:t>-use-</a:t>
+            </a:r>
+            <a:r>
+              <a:rPr lang="en-US" altLang="zh-CN" dirty="0" err="1" smtClean="0"/>
+              <a:t>mtls</a:t>
+            </a:r>
+            <a:r>
+              <a:rPr lang="en-US" altLang="zh-CN" dirty="0" smtClean="0"/>
+              <a:t>-on-</a:t>
+            </a:r>
+            <a:r>
+              <a:rPr lang="en-US" altLang="zh-CN" dirty="0" err="1" smtClean="0"/>
+              <a:t>sleep.yaml</a:t>
+            </a:r>
+            <a:endParaRPr lang="en-US" altLang="zh-CN" dirty="0" smtClean="0"/>
+          </a:p>
+          <a:p>
+            <a:r>
+              <a:rPr lang="en-US" altLang="zh-CN" dirty="0"/>
+              <a:t>//200</a:t>
+            </a:r>
+            <a:endParaRPr lang="en-US" altLang="zh-CN" dirty="0"/>
+          </a:p>
+          <a:p>
+            <a:r>
+              <a:rPr lang="en-US" altLang="zh-CN" dirty="0"/>
+              <a:t>TOKEN=$(curl https://</a:t>
+            </a:r>
+            <a:r>
+              <a:rPr lang="en-US" altLang="zh-CN" dirty="0" err="1"/>
+              <a:t>raw.githubusercontent.com</a:t>
+            </a:r>
+            <a:r>
+              <a:rPr lang="en-US" altLang="zh-CN" dirty="0"/>
+              <a:t>/</a:t>
+            </a:r>
+            <a:r>
+              <a:rPr lang="en-US" altLang="zh-CN" dirty="0" err="1"/>
+              <a:t>istio</a:t>
+            </a:r>
+            <a:r>
+              <a:rPr lang="en-US" altLang="zh-CN" dirty="0"/>
+              <a:t>/</a:t>
+            </a:r>
+            <a:r>
+              <a:rPr lang="en-US" altLang="zh-CN" dirty="0" err="1"/>
+              <a:t>istio</a:t>
+            </a:r>
+            <a:r>
+              <a:rPr lang="en-US" altLang="zh-CN" dirty="0"/>
+              <a:t>/release-1.2/security/tools/</a:t>
+            </a:r>
+            <a:r>
+              <a:rPr lang="en-US" altLang="zh-CN" dirty="0" err="1"/>
+              <a:t>jwt</a:t>
+            </a:r>
+            <a:r>
+              <a:rPr lang="en-US" altLang="zh-CN" dirty="0"/>
+              <a:t>/samples/groups-</a:t>
+            </a:r>
+            <a:r>
+              <a:rPr lang="en-US" altLang="zh-CN" dirty="0" err="1"/>
+              <a:t>scope.jwt</a:t>
+            </a:r>
+            <a:r>
+              <a:rPr lang="en-US" altLang="zh-CN" dirty="0"/>
+              <a:t> -s)</a:t>
+            </a:r>
+          </a:p>
+          <a:p>
+            <a:r>
+              <a:rPr lang="en-US" altLang="zh-CN" dirty="0" err="1"/>
+              <a:t>kubectl</a:t>
+            </a:r>
+            <a:r>
+              <a:rPr lang="en-US" altLang="zh-CN" dirty="0"/>
+              <a:t> exec $(</a:t>
+            </a:r>
+            <a:r>
+              <a:rPr lang="en-US" altLang="zh-CN" dirty="0" err="1"/>
+              <a:t>kubectl</a:t>
+            </a:r>
+            <a:r>
+              <a:rPr lang="en-US" altLang="zh-CN" dirty="0"/>
+              <a:t> get pod -l app=sleep -n $NS -o </a:t>
+            </a:r>
+            <a:r>
+              <a:rPr lang="en-US" altLang="zh-CN" dirty="0" err="1"/>
+              <a:t>jsonpath</a:t>
+            </a:r>
+            <a:r>
+              <a:rPr lang="en-US" altLang="zh-CN" dirty="0"/>
+              <a:t>={.items..</a:t>
+            </a:r>
+            <a:r>
+              <a:rPr lang="en-US" altLang="zh-CN" dirty="0" err="1"/>
+              <a:t>metadata.name</a:t>
+            </a:r>
+            <a:r>
+              <a:rPr lang="en-US" altLang="zh-CN" dirty="0"/>
+              <a:t>}) -c sleep -n $NS -- curl http://httpbin.$NS:8000/</a:t>
+            </a:r>
+            <a:r>
+              <a:rPr lang="en-US" altLang="zh-CN" dirty="0" err="1"/>
+              <a:t>ip</a:t>
+            </a:r>
+            <a:r>
+              <a:rPr lang="en-US" altLang="zh-CN" dirty="0"/>
+              <a:t> -s -o /dev/null -w "%{</a:t>
+            </a:r>
+            <a:r>
+              <a:rPr lang="en-US" altLang="zh-CN" dirty="0" err="1"/>
+              <a:t>http_code</a:t>
+            </a:r>
+            <a:r>
+              <a:rPr lang="en-US" altLang="zh-CN" dirty="0"/>
+              <a:t>}\n" --header "Authorization: Bearer $TOKEN"</a:t>
+            </a:r>
+          </a:p>
+          <a:p>
+            <a:r>
+              <a:rPr lang="en-US" altLang="zh-CN" dirty="0"/>
+              <a:t>//401</a:t>
+            </a:r>
+          </a:p>
+          <a:p>
+            <a:r>
+              <a:rPr lang="en-US" altLang="zh-CN" dirty="0" err="1"/>
+              <a:t>kubectl</a:t>
+            </a:r>
+            <a:r>
+              <a:rPr lang="en-US" altLang="zh-CN" dirty="0"/>
+              <a:t> exec $(</a:t>
+            </a:r>
+            <a:r>
+              <a:rPr lang="en-US" altLang="zh-CN" dirty="0" err="1"/>
+              <a:t>kubectl</a:t>
+            </a:r>
+            <a:r>
+              <a:rPr lang="en-US" altLang="zh-CN" dirty="0"/>
+              <a:t> get pod -l app=sleep -n $NS -o </a:t>
+            </a:r>
+            <a:r>
+              <a:rPr lang="en-US" altLang="zh-CN" dirty="0" err="1"/>
+              <a:t>jsonpath</a:t>
+            </a:r>
+            <a:r>
+              <a:rPr lang="en-US" altLang="zh-CN" dirty="0"/>
+              <a:t>={.items..</a:t>
+            </a:r>
+            <a:r>
+              <a:rPr lang="en-US" altLang="zh-CN" dirty="0" err="1"/>
+              <a:t>metadata.name</a:t>
+            </a:r>
+            <a:r>
+              <a:rPr lang="en-US" altLang="zh-CN" dirty="0"/>
+              <a:t>}) -c sleep -n $NS -- curl http://httpbin.$NS:8000/</a:t>
+            </a:r>
+            <a:r>
+              <a:rPr lang="en-US" altLang="zh-CN" dirty="0" err="1"/>
+              <a:t>ip</a:t>
+            </a:r>
+            <a:r>
+              <a:rPr lang="en-US" altLang="zh-CN" dirty="0"/>
+              <a:t> -s -o /dev/null -w "%{</a:t>
+            </a:r>
+            <a:r>
+              <a:rPr lang="en-US" altLang="zh-CN" dirty="0" err="1"/>
+              <a:t>http_code</a:t>
+            </a:r>
+            <a:r>
+              <a:rPr lang="en-US" altLang="zh-CN" dirty="0"/>
+              <a:t>}\n</a:t>
+            </a:r>
+            <a:r>
+              <a:rPr lang="en-US" altLang="zh-CN" dirty="0" smtClean="0"/>
+              <a:t>"</a:t>
+            </a:r>
+          </a:p>
+          <a:p>
+            <a:endParaRPr lang="en-US" altLang="zh-CN" dirty="0">
+              <a:effectLst/>
+            </a:endParaRPr>
+          </a:p>
+        </p:txBody>
+      </p:sp>
+    </p:spTree>
+    <p:extLst>
+      <p:ext uri="{BB962C8B-B14F-4D97-AF65-F5344CB8AC3E}">
+        <p14:creationId xmlns:p14="http://schemas.microsoft.com/office/powerpoint/2010/main" val="253672884"/>
+      </p:ext>
+    </p:extLst>
+  </p:cSld>
+  <p:clrMapOvr>
+    <a:masterClrMapping/>
+  </p:clrMapOvr>
+</p:sld>
+</file>
+
+<file path=ppt/slides/slide25.xml><?xml version="1.0" encoding="utf-8"?>
+<p:sld xmlns:a="http://schemas.openxmlformats.org/drawingml/2006/main" xmlns:r="http://schemas.openxmlformats.org/officeDocument/2006/relationships" xmlns:p="http://schemas.openxmlformats.org/presentationml/2006/main">
+  <p:cSld>
+    <p:spTree>
+      <p:nvGrpSpPr>
+        <p:cNvPr id="1" name=""/>
+        <p:cNvGrpSpPr/>
+        <p:nvPr/>
+      </p:nvGrpSpPr>
+      <p:grpSpPr>
+        <a:xfrm>
+          <a:off x="0" y="0"/>
+          <a:ext cx="0" cy="0"/>
+          <a:chOff x="0" y="0"/>
+          <a:chExt cx="0" cy="0"/>
+        </a:xfrm>
+      </p:grpSpPr>
+      <p:sp>
+        <p:nvSpPr>
+          <p:cNvPr id="2" name="标题 1"/>
+          <p:cNvSpPr>
+            <a:spLocks noGrp="1"/>
+          </p:cNvSpPr>
+          <p:nvPr>
+            <p:ph type="title"/>
+          </p:nvPr>
+        </p:nvSpPr>
+        <p:spPr/>
+        <p:txBody>
+          <a:bodyPr/>
+          <a:lstStyle/>
+          <a:p>
+            <a:r>
+              <a:rPr kumimoji="1" lang="zh-CN" altLang="en-US" dirty="0" smtClean="0"/>
+              <a:t>授权</a:t>
+            </a:r>
+            <a:r>
+              <a:rPr kumimoji="1" lang="en-US" altLang="zh-CN" dirty="0" smtClean="0"/>
+              <a:t>-</a:t>
+            </a:r>
+            <a:r>
+              <a:rPr kumimoji="1" lang="zh-CN" altLang="en-US" dirty="0" smtClean="0"/>
+              <a:t>终端用户</a:t>
+            </a:r>
+            <a:r>
+              <a:rPr kumimoji="1" lang="en-US" altLang="zh-CN" dirty="0" smtClean="0"/>
+              <a:t>JWT</a:t>
+            </a:r>
+            <a:endParaRPr kumimoji="1" lang="zh-CN" altLang="en-US" dirty="0"/>
+          </a:p>
+        </p:txBody>
+      </p:sp>
+      <p:sp>
+        <p:nvSpPr>
+          <p:cNvPr id="3" name="内容占位符 2"/>
+          <p:cNvSpPr>
+            <a:spLocks noGrp="1"/>
+          </p:cNvSpPr>
+          <p:nvPr>
+            <p:ph idx="1"/>
+          </p:nvPr>
+        </p:nvSpPr>
+        <p:spPr>
+          <a:xfrm>
+            <a:off x="818712" y="2222287"/>
+            <a:ext cx="10554574" cy="4437593"/>
+          </a:xfrm>
+        </p:spPr>
+        <p:txBody>
+          <a:bodyPr>
+            <a:normAutofit lnSpcReduction="10000"/>
+          </a:bodyPr>
+          <a:lstStyle/>
+          <a:p>
+            <a:r>
+              <a:rPr lang="en-US" altLang="zh-CN" dirty="0" err="1"/>
+              <a:t>kubectl</a:t>
+            </a:r>
+            <a:r>
+              <a:rPr lang="en-US" altLang="zh-CN" dirty="0"/>
+              <a:t> apply -n $NS </a:t>
+            </a:r>
+            <a:r>
+              <a:rPr lang="en-US" altLang="zh-CN" dirty="0"/>
+              <a:t>-</a:t>
+            </a:r>
+            <a:r>
+              <a:rPr lang="en-US" altLang="zh-CN" dirty="0" smtClean="0"/>
+              <a:t>f</a:t>
+            </a:r>
+            <a:r>
+              <a:rPr lang="zh-CN" altLang="en-US" dirty="0" smtClean="0"/>
+              <a:t> </a:t>
+            </a:r>
+            <a:r>
+              <a:rPr lang="en-US" altLang="zh-CN" dirty="0" err="1"/>
+              <a:t>rbac-default.yaml</a:t>
+            </a:r>
+            <a:r>
+              <a:rPr lang="en-US" altLang="zh-CN" dirty="0"/>
+              <a:t> </a:t>
+            </a:r>
+            <a:endParaRPr lang="en-US" altLang="zh-CN" dirty="0" smtClean="0"/>
+          </a:p>
+          <a:p>
+            <a:r>
+              <a:rPr lang="en-US" altLang="zh-CN" dirty="0"/>
+              <a:t>//403</a:t>
+            </a:r>
+          </a:p>
+          <a:p>
+            <a:r>
+              <a:rPr lang="en-US" altLang="zh-CN" dirty="0" err="1"/>
+              <a:t>kubectl</a:t>
+            </a:r>
+            <a:r>
+              <a:rPr lang="en-US" altLang="zh-CN" dirty="0"/>
+              <a:t> exec $(</a:t>
+            </a:r>
+            <a:r>
+              <a:rPr lang="en-US" altLang="zh-CN" dirty="0" err="1"/>
+              <a:t>kubectl</a:t>
+            </a:r>
+            <a:r>
+              <a:rPr lang="en-US" altLang="zh-CN" dirty="0"/>
+              <a:t> get pod -l app=sleep -n $NS -o </a:t>
+            </a:r>
+            <a:r>
+              <a:rPr lang="en-US" altLang="zh-CN" dirty="0" err="1"/>
+              <a:t>jsonpath</a:t>
+            </a:r>
+            <a:r>
+              <a:rPr lang="en-US" altLang="zh-CN" dirty="0"/>
+              <a:t>={.items..</a:t>
+            </a:r>
+            <a:r>
+              <a:rPr lang="en-US" altLang="zh-CN" dirty="0" err="1"/>
+              <a:t>metadata.name</a:t>
+            </a:r>
+            <a:r>
+              <a:rPr lang="en-US" altLang="zh-CN" dirty="0"/>
+              <a:t>}) -c sleep -n $NS -- curl http://httpbin.$NS:8000/</a:t>
+            </a:r>
+            <a:r>
+              <a:rPr lang="en-US" altLang="zh-CN" dirty="0" err="1"/>
+              <a:t>ip</a:t>
+            </a:r>
+            <a:r>
+              <a:rPr lang="en-US" altLang="zh-CN" dirty="0"/>
+              <a:t> -s -o /dev/null -w "%{</a:t>
+            </a:r>
+            <a:r>
+              <a:rPr lang="en-US" altLang="zh-CN" dirty="0" err="1"/>
+              <a:t>http_code</a:t>
+            </a:r>
+            <a:r>
+              <a:rPr lang="en-US" altLang="zh-CN" dirty="0"/>
+              <a:t>}\n" --header "Authorization: Bearer $TOKEN</a:t>
+            </a:r>
+            <a:r>
+              <a:rPr lang="en-US" altLang="zh-CN" dirty="0" smtClean="0"/>
+              <a:t>"</a:t>
+            </a:r>
+          </a:p>
+          <a:p>
+            <a:r>
+              <a:rPr lang="en-US" altLang="zh-CN" dirty="0" err="1" smtClean="0"/>
+              <a:t>kubectl</a:t>
+            </a:r>
+            <a:r>
+              <a:rPr lang="en-US" altLang="zh-CN" dirty="0" smtClean="0"/>
+              <a:t> </a:t>
+            </a:r>
+            <a:r>
+              <a:rPr lang="en-US" altLang="zh-CN" dirty="0"/>
+              <a:t>apply -n $NS -f</a:t>
+            </a:r>
+            <a:r>
+              <a:rPr lang="zh-CN" altLang="en-US" dirty="0"/>
+              <a:t> </a:t>
+            </a:r>
+            <a:r>
+              <a:rPr lang="en-US" altLang="zh-CN" dirty="0" err="1"/>
+              <a:t>sr-httpbin-viewer.yaml</a:t>
+            </a:r>
+            <a:r>
+              <a:rPr lang="en-US" altLang="zh-CN" dirty="0"/>
+              <a:t> </a:t>
+            </a:r>
+            <a:endParaRPr lang="en-US" altLang="zh-CN" dirty="0" smtClean="0"/>
+          </a:p>
+          <a:p>
+            <a:r>
+              <a:rPr lang="en-US" altLang="zh-CN" dirty="0" err="1" smtClean="0"/>
+              <a:t>kubectl</a:t>
+            </a:r>
+            <a:r>
+              <a:rPr lang="en-US" altLang="zh-CN" dirty="0" smtClean="0"/>
+              <a:t> </a:t>
+            </a:r>
+            <a:r>
+              <a:rPr lang="en-US" altLang="zh-CN" dirty="0"/>
+              <a:t>apply -n $NS -f</a:t>
+            </a:r>
+            <a:r>
+              <a:rPr lang="zh-CN" altLang="en-US" dirty="0"/>
+              <a:t> </a:t>
+            </a:r>
+            <a:r>
+              <a:rPr lang="en-US" altLang="zh-CN" dirty="0" err="1"/>
+              <a:t>srb-httpbin-viewer.yaml</a:t>
+            </a:r>
+            <a:endParaRPr lang="en-US" altLang="zh-CN" dirty="0"/>
+          </a:p>
+          <a:p>
+            <a:r>
+              <a:rPr lang="en-US" altLang="zh-CN" dirty="0"/>
+              <a:t>//200</a:t>
+            </a:r>
+            <a:endParaRPr lang="en-US" altLang="zh-CN" dirty="0"/>
+          </a:p>
+          <a:p>
+            <a:r>
+              <a:rPr lang="en-US" altLang="zh-CN" dirty="0" err="1"/>
+              <a:t>kubectl</a:t>
+            </a:r>
+            <a:r>
+              <a:rPr lang="en-US" altLang="zh-CN" dirty="0"/>
+              <a:t> exec $(</a:t>
+            </a:r>
+            <a:r>
+              <a:rPr lang="en-US" altLang="zh-CN" dirty="0" err="1"/>
+              <a:t>kubectl</a:t>
+            </a:r>
+            <a:r>
+              <a:rPr lang="en-US" altLang="zh-CN" dirty="0"/>
+              <a:t> get pod -l app=sleep -n $NS -o </a:t>
+            </a:r>
+            <a:r>
+              <a:rPr lang="en-US" altLang="zh-CN" dirty="0" err="1"/>
+              <a:t>jsonpath</a:t>
+            </a:r>
+            <a:r>
+              <a:rPr lang="en-US" altLang="zh-CN" dirty="0"/>
+              <a:t>={.items..</a:t>
+            </a:r>
+            <a:r>
+              <a:rPr lang="en-US" altLang="zh-CN" dirty="0" err="1"/>
+              <a:t>metadata.name</a:t>
+            </a:r>
+            <a:r>
+              <a:rPr lang="en-US" altLang="zh-CN" dirty="0"/>
+              <a:t>}) -c sleep -n $NS -- curl http://httpbin.$NS:8000/</a:t>
+            </a:r>
+            <a:r>
+              <a:rPr lang="en-US" altLang="zh-CN" dirty="0" err="1"/>
+              <a:t>ip</a:t>
+            </a:r>
+            <a:r>
+              <a:rPr lang="en-US" altLang="zh-CN" dirty="0"/>
+              <a:t> -s -o /dev/null -w "%{</a:t>
+            </a:r>
+            <a:r>
+              <a:rPr lang="en-US" altLang="zh-CN" dirty="0" err="1"/>
+              <a:t>http_code</a:t>
+            </a:r>
+            <a:r>
+              <a:rPr lang="en-US" altLang="zh-CN" dirty="0"/>
+              <a:t>}\n" --header "Authorization: Bearer $</a:t>
+            </a:r>
+            <a:r>
+              <a:rPr lang="en-US" altLang="zh-CN" dirty="0" smtClean="0"/>
+              <a:t>TOKEN”</a:t>
+            </a:r>
+          </a:p>
+          <a:p>
+            <a:endParaRPr lang="en-US" altLang="zh-CN" dirty="0"/>
+          </a:p>
+          <a:p>
+            <a:r>
+              <a:rPr lang="en-US" altLang="zh-CN" dirty="0" err="1"/>
+              <a:t>kubectl</a:t>
+            </a:r>
+            <a:r>
+              <a:rPr lang="en-US" altLang="zh-CN" dirty="0"/>
+              <a:t> delete namespace $</a:t>
+            </a:r>
+            <a:r>
+              <a:rPr lang="en-US" altLang="zh-CN" dirty="0" smtClean="0"/>
+              <a:t>NS</a:t>
+            </a:r>
+            <a:endParaRPr lang="en-US" altLang="zh-CN" dirty="0"/>
+          </a:p>
+          <a:p>
+            <a:endParaRPr lang="en-US" altLang="zh-CN" dirty="0">
+              <a:effectLst/>
+            </a:endParaRPr>
+          </a:p>
+        </p:txBody>
+      </p:sp>
+    </p:spTree>
+    <p:extLst>
+      <p:ext uri="{BB962C8B-B14F-4D97-AF65-F5344CB8AC3E}">
+        <p14:creationId xmlns:p14="http://schemas.microsoft.com/office/powerpoint/2010/main" val="1653390638"/>
+      </p:ext>
+    </p:extLst>
+  </p:cSld>
+  <p:clrMapOvr>
+    <a:masterClrMapping/>
+  </p:clrMapOvr>
+</p:sld>
+</file>
+
+<file path=ppt/slides/slide3.xml><?xml version="1.0" encoding="utf-8"?>
+<p:sld xmlns:a="http://schemas.openxmlformats.org/drawingml/2006/main" xmlns:r="http://schemas.openxmlformats.org/officeDocument/2006/relationships" xmlns:p="http://schemas.openxmlformats.org/presentationml/2006/main">
+  <p:cSld>
+    <p:spTree>
+      <p:nvGrpSpPr>
+        <p:cNvPr id="1" name=""/>
+        <p:cNvGrpSpPr/>
+        <p:nvPr/>
+      </p:nvGrpSpPr>
+      <p:grpSpPr>
+        <a:xfrm>
+          <a:off x="0" y="0"/>
+          <a:ext cx="0" cy="0"/>
+          <a:chOff x="0" y="0"/>
+          <a:chExt cx="0" cy="0"/>
+        </a:xfrm>
+      </p:grpSpPr>
+      <p:sp>
+        <p:nvSpPr>
+          <p:cNvPr id="2" name="标题 1"/>
+          <p:cNvSpPr>
+            <a:spLocks noGrp="1"/>
+          </p:cNvSpPr>
+          <p:nvPr>
+            <p:ph type="title"/>
+          </p:nvPr>
+        </p:nvSpPr>
+        <p:spPr/>
+        <p:txBody>
+          <a:bodyPr/>
+          <a:lstStyle/>
+          <a:p>
+            <a:r>
+              <a:rPr kumimoji="1" lang="zh-CN" altLang="en-US" dirty="0" smtClean="0"/>
+              <a:t>概念</a:t>
+            </a:r>
+            <a:endParaRPr kumimoji="1" lang="zh-CN" altLang="en-US" dirty="0"/>
+          </a:p>
+        </p:txBody>
+      </p:sp>
+      <p:sp>
+        <p:nvSpPr>
+          <p:cNvPr id="3" name="内容占位符 2"/>
+          <p:cNvSpPr>
+            <a:spLocks noGrp="1"/>
+          </p:cNvSpPr>
+          <p:nvPr>
+            <p:ph idx="1"/>
+          </p:nvPr>
+        </p:nvSpPr>
+        <p:spPr/>
+        <p:txBody>
+          <a:bodyPr/>
+          <a:lstStyle/>
+          <a:p>
+            <a:r>
+              <a:rPr lang="en-US" altLang="zh-CN" dirty="0" smtClean="0"/>
+              <a:t>Policy/</a:t>
+            </a:r>
+            <a:r>
+              <a:rPr lang="en-US" altLang="zh-CN" dirty="0" err="1" smtClean="0"/>
+              <a:t>meshPolicy</a:t>
+            </a:r>
+            <a:r>
+              <a:rPr lang="zh-CN" altLang="en-US" dirty="0" smtClean="0"/>
+              <a:t>：</a:t>
+            </a:r>
+            <a:r>
+              <a:rPr lang="zh-CN" altLang="en-US" dirty="0"/>
+              <a:t>认证策略</a:t>
+            </a:r>
+          </a:p>
+          <a:p>
+            <a:r>
+              <a:rPr lang="en-US" altLang="zh-CN" dirty="0" err="1"/>
+              <a:t>rbacConfig</a:t>
+            </a:r>
+            <a:r>
+              <a:rPr lang="zh-CN" altLang="en-US" dirty="0"/>
+              <a:t>：</a:t>
+            </a:r>
+            <a:r>
+              <a:rPr lang="en-US" altLang="zh-CN" dirty="0"/>
+              <a:t>RBAC</a:t>
+            </a:r>
+            <a:r>
+              <a:rPr lang="zh-CN" altLang="en-US" dirty="0"/>
+              <a:t>授权配置</a:t>
+            </a:r>
+          </a:p>
+          <a:p>
+            <a:r>
+              <a:rPr lang="en-US" altLang="zh-CN" dirty="0" err="1"/>
+              <a:t>serviceRole&amp;serviceRoleBinding</a:t>
+            </a:r>
+            <a:r>
+              <a:rPr lang="zh-CN" altLang="en-US" dirty="0"/>
+              <a:t>：服务角色</a:t>
+            </a:r>
+            <a:r>
+              <a:rPr lang="en-US" altLang="zh-CN" dirty="0"/>
+              <a:t>&amp;</a:t>
+            </a:r>
+            <a:r>
+              <a:rPr lang="zh-CN" altLang="en-US" dirty="0"/>
+              <a:t>服务角色绑定</a:t>
+            </a:r>
+          </a:p>
+          <a:p>
+            <a:endParaRPr kumimoji="1" lang="zh-CN" altLang="en-US" dirty="0"/>
+          </a:p>
+        </p:txBody>
+      </p:sp>
+    </p:spTree>
+    <p:extLst>
+      <p:ext uri="{BB962C8B-B14F-4D97-AF65-F5344CB8AC3E}">
+        <p14:creationId xmlns:p14="http://schemas.microsoft.com/office/powerpoint/2010/main" val="1646098065"/>
+      </p:ext>
+    </p:extLst>
+  </p:cSld>
+  <p:clrMapOvr>
+    <a:masterClrMapping/>
+  </p:clrMapOvr>
+</p:sld>
+</file>
+
+<file path=ppt/slides/slide4.xml><?xml version="1.0" encoding="utf-8"?>
+<p:sld xmlns:a="http://schemas.openxmlformats.org/drawingml/2006/main" xmlns:r="http://schemas.openxmlformats.org/officeDocument/2006/relationships" xmlns:p="http://schemas.openxmlformats.org/presentationml/2006/main">
+  <p:cSld>
+    <p:spTree>
+      <p:nvGrpSpPr>
+        <p:cNvPr id="1" name=""/>
+        <p:cNvGrpSpPr/>
+        <p:nvPr/>
+      </p:nvGrpSpPr>
+      <p:grpSpPr>
+        <a:xfrm>
+          <a:off x="0" y="0"/>
+          <a:ext cx="0" cy="0"/>
+          <a:chOff x="0" y="0"/>
+          <a:chExt cx="0" cy="0"/>
+        </a:xfrm>
+      </p:grpSpPr>
+      <p:sp>
+        <p:nvSpPr>
+          <p:cNvPr id="2" name="标题 1"/>
+          <p:cNvSpPr>
+            <a:spLocks noGrp="1"/>
+          </p:cNvSpPr>
+          <p:nvPr>
+            <p:ph type="title"/>
+          </p:nvPr>
+        </p:nvSpPr>
+        <p:spPr/>
+        <p:txBody>
+          <a:bodyPr/>
+          <a:lstStyle/>
+          <a:p>
+            <a:r>
+              <a:rPr kumimoji="1" lang="zh-CN" altLang="en-US" dirty="0" smtClean="0"/>
+              <a:t>认证</a:t>
+            </a:r>
+            <a:endParaRPr kumimoji="1" lang="zh-CN" altLang="en-US" dirty="0"/>
+          </a:p>
+        </p:txBody>
+      </p:sp>
+      <p:sp>
+        <p:nvSpPr>
+          <p:cNvPr id="3" name="内容占位符 2"/>
+          <p:cNvSpPr>
+            <a:spLocks noGrp="1"/>
+          </p:cNvSpPr>
+          <p:nvPr>
+            <p:ph idx="1"/>
+          </p:nvPr>
+        </p:nvSpPr>
+        <p:spPr/>
+        <p:txBody>
+          <a:bodyPr>
+            <a:normAutofit/>
+          </a:bodyPr>
+          <a:lstStyle/>
+          <a:p>
+            <a:r>
+              <a:rPr lang="en-US" altLang="zh-CN" dirty="0" err="1"/>
+              <a:t>kubectl</a:t>
+            </a:r>
+            <a:r>
+              <a:rPr lang="en-US" altLang="zh-CN" dirty="0"/>
+              <a:t> create ns foo</a:t>
+            </a:r>
+          </a:p>
+          <a:p>
+            <a:r>
+              <a:rPr lang="en-US" altLang="zh-CN" dirty="0" err="1"/>
+              <a:t>kubectl</a:t>
+            </a:r>
+            <a:r>
+              <a:rPr lang="en-US" altLang="zh-CN" dirty="0"/>
+              <a:t> apply -f &lt;(</a:t>
+            </a:r>
+            <a:r>
+              <a:rPr lang="en-US" altLang="zh-CN" dirty="0" err="1"/>
+              <a:t>istioctl</a:t>
+            </a:r>
+            <a:r>
+              <a:rPr lang="en-US" altLang="zh-CN" dirty="0"/>
+              <a:t> </a:t>
+            </a:r>
+            <a:r>
+              <a:rPr lang="en-US" altLang="zh-CN" dirty="0" err="1"/>
+              <a:t>kube</a:t>
+            </a:r>
+            <a:r>
+              <a:rPr lang="en-US" altLang="zh-CN" dirty="0"/>
+              <a:t>-inject -f samples/</a:t>
+            </a:r>
+            <a:r>
+              <a:rPr lang="en-US" altLang="zh-CN" dirty="0" err="1"/>
+              <a:t>httpbin</a:t>
+            </a:r>
+            <a:r>
+              <a:rPr lang="en-US" altLang="zh-CN" dirty="0"/>
+              <a:t>/</a:t>
+            </a:r>
+            <a:r>
+              <a:rPr lang="en-US" altLang="zh-CN" dirty="0" err="1"/>
+              <a:t>httpbin.yaml</a:t>
+            </a:r>
+            <a:r>
+              <a:rPr lang="en-US" altLang="zh-CN" dirty="0"/>
+              <a:t>) -n foo</a:t>
+            </a:r>
+          </a:p>
+          <a:p>
+            <a:r>
+              <a:rPr lang="en-US" altLang="zh-CN" dirty="0" err="1"/>
+              <a:t>kubectl</a:t>
+            </a:r>
+            <a:r>
+              <a:rPr lang="en-US" altLang="zh-CN" dirty="0"/>
+              <a:t> apply -f &lt;(</a:t>
+            </a:r>
+            <a:r>
+              <a:rPr lang="en-US" altLang="zh-CN" dirty="0" err="1"/>
+              <a:t>istioctl</a:t>
+            </a:r>
+            <a:r>
+              <a:rPr lang="en-US" altLang="zh-CN" dirty="0"/>
+              <a:t> </a:t>
+            </a:r>
+            <a:r>
+              <a:rPr lang="en-US" altLang="zh-CN" dirty="0" err="1"/>
+              <a:t>kube</a:t>
+            </a:r>
+            <a:r>
+              <a:rPr lang="en-US" altLang="zh-CN" dirty="0"/>
+              <a:t>-inject -f samples/sleep/</a:t>
+            </a:r>
+            <a:r>
+              <a:rPr lang="en-US" altLang="zh-CN" dirty="0" err="1"/>
+              <a:t>sleep.yaml</a:t>
+            </a:r>
+            <a:r>
+              <a:rPr lang="en-US" altLang="zh-CN" dirty="0"/>
+              <a:t>) -n foo</a:t>
+            </a:r>
+          </a:p>
+          <a:p>
+            <a:r>
+              <a:rPr lang="en-US" altLang="zh-CN" dirty="0" err="1"/>
+              <a:t>kubectl</a:t>
+            </a:r>
+            <a:r>
+              <a:rPr lang="en-US" altLang="zh-CN" dirty="0"/>
+              <a:t> create ns bar</a:t>
+            </a:r>
+          </a:p>
+          <a:p>
+            <a:r>
+              <a:rPr lang="en-US" altLang="zh-CN" dirty="0" err="1"/>
+              <a:t>kubectl</a:t>
+            </a:r>
+            <a:r>
+              <a:rPr lang="en-US" altLang="zh-CN" dirty="0"/>
+              <a:t> apply -f &lt;(</a:t>
+            </a:r>
+            <a:r>
+              <a:rPr lang="en-US" altLang="zh-CN" dirty="0" err="1"/>
+              <a:t>istioctl</a:t>
+            </a:r>
+            <a:r>
+              <a:rPr lang="en-US" altLang="zh-CN" dirty="0"/>
+              <a:t> </a:t>
+            </a:r>
+            <a:r>
+              <a:rPr lang="en-US" altLang="zh-CN" dirty="0" err="1"/>
+              <a:t>kube</a:t>
+            </a:r>
+            <a:r>
+              <a:rPr lang="en-US" altLang="zh-CN" dirty="0"/>
+              <a:t>-inject -f samples/</a:t>
+            </a:r>
+            <a:r>
+              <a:rPr lang="en-US" altLang="zh-CN" dirty="0" err="1"/>
+              <a:t>httpbin</a:t>
+            </a:r>
+            <a:r>
+              <a:rPr lang="en-US" altLang="zh-CN" dirty="0"/>
+              <a:t>/</a:t>
+            </a:r>
+            <a:r>
+              <a:rPr lang="en-US" altLang="zh-CN" dirty="0" err="1"/>
+              <a:t>httpbin.yaml</a:t>
+            </a:r>
+            <a:r>
+              <a:rPr lang="en-US" altLang="zh-CN" dirty="0"/>
+              <a:t>) -n bar</a:t>
+            </a:r>
+          </a:p>
+          <a:p>
+            <a:r>
+              <a:rPr lang="en-US" altLang="zh-CN" dirty="0" err="1"/>
+              <a:t>kubectl</a:t>
+            </a:r>
+            <a:r>
+              <a:rPr lang="en-US" altLang="zh-CN" dirty="0"/>
+              <a:t> apply -f &lt;(</a:t>
+            </a:r>
+            <a:r>
+              <a:rPr lang="en-US" altLang="zh-CN" dirty="0" err="1"/>
+              <a:t>istioctl</a:t>
+            </a:r>
+            <a:r>
+              <a:rPr lang="en-US" altLang="zh-CN" dirty="0"/>
+              <a:t> </a:t>
+            </a:r>
+            <a:r>
+              <a:rPr lang="en-US" altLang="zh-CN" dirty="0" err="1"/>
+              <a:t>kube</a:t>
+            </a:r>
+            <a:r>
+              <a:rPr lang="en-US" altLang="zh-CN" dirty="0"/>
+              <a:t>-inject -f samples/sleep/</a:t>
+            </a:r>
+            <a:r>
+              <a:rPr lang="en-US" altLang="zh-CN" dirty="0" err="1"/>
+              <a:t>sleep.yaml</a:t>
+            </a:r>
+            <a:r>
+              <a:rPr lang="en-US" altLang="zh-CN" dirty="0"/>
+              <a:t>) -n bar</a:t>
+            </a:r>
+          </a:p>
+          <a:p>
+            <a:r>
+              <a:rPr lang="en-US" altLang="zh-CN" dirty="0" err="1"/>
+              <a:t>kubectl</a:t>
+            </a:r>
+            <a:r>
+              <a:rPr lang="en-US" altLang="zh-CN" dirty="0"/>
+              <a:t> create ns legacy</a:t>
+            </a:r>
+          </a:p>
+          <a:p>
+            <a:r>
+              <a:rPr lang="en-US" altLang="zh-CN" dirty="0" err="1"/>
+              <a:t>kubectl</a:t>
+            </a:r>
+            <a:r>
+              <a:rPr lang="en-US" altLang="zh-CN" dirty="0"/>
+              <a:t> apply -f samples/</a:t>
+            </a:r>
+            <a:r>
+              <a:rPr lang="en-US" altLang="zh-CN" dirty="0" err="1"/>
+              <a:t>httpbin</a:t>
+            </a:r>
+            <a:r>
+              <a:rPr lang="en-US" altLang="zh-CN" dirty="0"/>
+              <a:t>/</a:t>
+            </a:r>
+            <a:r>
+              <a:rPr lang="en-US" altLang="zh-CN" dirty="0" err="1"/>
+              <a:t>httpbin.yaml</a:t>
+            </a:r>
+            <a:r>
+              <a:rPr lang="en-US" altLang="zh-CN" dirty="0"/>
+              <a:t> -n legacy</a:t>
+            </a:r>
+          </a:p>
+          <a:p>
+            <a:r>
+              <a:rPr lang="en-US" altLang="zh-CN" dirty="0" err="1"/>
+              <a:t>kubectl</a:t>
+            </a:r>
+            <a:r>
+              <a:rPr lang="en-US" altLang="zh-CN" dirty="0"/>
+              <a:t> apply -f samples/sleep/</a:t>
+            </a:r>
+            <a:r>
+              <a:rPr lang="en-US" altLang="zh-CN" dirty="0" err="1"/>
+              <a:t>sleep.yaml</a:t>
+            </a:r>
+            <a:r>
+              <a:rPr lang="en-US" altLang="zh-CN" dirty="0"/>
+              <a:t> -n </a:t>
+            </a:r>
+            <a:r>
+              <a:rPr lang="en-US" altLang="zh-CN" dirty="0" smtClean="0"/>
+              <a:t>legacy</a:t>
+            </a:r>
+            <a:endParaRPr lang="en-US" altLang="zh-CN" dirty="0"/>
+          </a:p>
+        </p:txBody>
+      </p:sp>
+    </p:spTree>
+    <p:extLst>
+      <p:ext uri="{BB962C8B-B14F-4D97-AF65-F5344CB8AC3E}">
+        <p14:creationId xmlns:p14="http://schemas.microsoft.com/office/powerpoint/2010/main" val="2068543494"/>
+      </p:ext>
+    </p:extLst>
+  </p:cSld>
+  <p:clrMapOvr>
+    <a:masterClrMapping/>
+  </p:clrMapOvr>
+</p:sld>
+</file>
+
+<file path=ppt/slides/slide5.xml><?xml version="1.0" encoding="utf-8"?>
+<p:sld xmlns:a="http://schemas.openxmlformats.org/drawingml/2006/main" xmlns:r="http://schemas.openxmlformats.org/officeDocument/2006/relationships" xmlns:p="http://schemas.openxmlformats.org/presentationml/2006/main">
+  <p:cSld>
+    <p:spTree>
+      <p:nvGrpSpPr>
+        <p:cNvPr id="1" name=""/>
+        <p:cNvGrpSpPr/>
+        <p:nvPr/>
+      </p:nvGrpSpPr>
+      <p:grpSpPr>
+        <a:xfrm>
+          <a:off x="0" y="0"/>
+          <a:ext cx="0" cy="0"/>
+          <a:chOff x="0" y="0"/>
+          <a:chExt cx="0" cy="0"/>
+        </a:xfrm>
+      </p:grpSpPr>
+      <p:sp>
+        <p:nvSpPr>
+          <p:cNvPr id="2" name="标题 1"/>
+          <p:cNvSpPr>
+            <a:spLocks noGrp="1"/>
+          </p:cNvSpPr>
+          <p:nvPr>
+            <p:ph type="title"/>
+          </p:nvPr>
+        </p:nvSpPr>
+        <p:spPr/>
+        <p:txBody>
+          <a:bodyPr/>
+          <a:lstStyle/>
+          <a:p>
+            <a:r>
+              <a:rPr kumimoji="1" lang="zh-CN" altLang="en-US" dirty="0" smtClean="0"/>
+              <a:t>认证</a:t>
+            </a:r>
+            <a:endParaRPr kumimoji="1" lang="zh-CN" altLang="en-US" dirty="0"/>
+          </a:p>
+        </p:txBody>
+      </p:sp>
+      <p:sp>
+        <p:nvSpPr>
+          <p:cNvPr id="3" name="内容占位符 2"/>
+          <p:cNvSpPr>
+            <a:spLocks noGrp="1"/>
+          </p:cNvSpPr>
+          <p:nvPr>
+            <p:ph idx="1"/>
+          </p:nvPr>
+        </p:nvSpPr>
+        <p:spPr/>
+        <p:txBody>
+          <a:bodyPr>
+            <a:normAutofit/>
+          </a:bodyPr>
+          <a:lstStyle/>
+          <a:p>
+            <a:r>
+              <a:rPr lang="en-US" altLang="zh-CN" dirty="0"/>
+              <a:t>//</a:t>
+            </a:r>
+            <a:r>
+              <a:rPr lang="zh-CN" altLang="en-US" dirty="0"/>
+              <a:t>都</a:t>
+            </a:r>
+            <a:r>
+              <a:rPr lang="en-US" altLang="zh-CN" dirty="0"/>
+              <a:t>ok</a:t>
+            </a:r>
+          </a:p>
+          <a:p>
+            <a:r>
+              <a:rPr lang="en-US" altLang="zh-CN" dirty="0"/>
+              <a:t>for from in "foo" "bar" "legacy"; do for to in "foo" "bar" "legacy"; do </a:t>
+            </a:r>
+            <a:r>
+              <a:rPr lang="en-US" altLang="zh-CN" dirty="0" err="1"/>
+              <a:t>kubectl</a:t>
+            </a:r>
+            <a:r>
+              <a:rPr lang="en-US" altLang="zh-CN" dirty="0"/>
+              <a:t> exec $(</a:t>
+            </a:r>
+            <a:r>
+              <a:rPr lang="en-US" altLang="zh-CN" dirty="0" err="1"/>
+              <a:t>kubectl</a:t>
+            </a:r>
+            <a:r>
+              <a:rPr lang="en-US" altLang="zh-CN" dirty="0"/>
+              <a:t> get pod -l app=sleep -n ${from} -o </a:t>
+            </a:r>
+            <a:r>
+              <a:rPr lang="en-US" altLang="zh-CN" dirty="0" err="1"/>
+              <a:t>jsonpath</a:t>
+            </a:r>
+            <a:r>
+              <a:rPr lang="en-US" altLang="zh-CN" dirty="0"/>
+              <a:t>={.items..</a:t>
+            </a:r>
+            <a:r>
+              <a:rPr lang="en-US" altLang="zh-CN" dirty="0" err="1"/>
+              <a:t>metadata.name</a:t>
+            </a:r>
+            <a:r>
+              <a:rPr lang="en-US" altLang="zh-CN" dirty="0"/>
+              <a:t>}) -c sleep -n ${from} -- curl "http://</a:t>
+            </a:r>
+            <a:r>
+              <a:rPr lang="en-US" altLang="zh-CN" dirty="0" err="1"/>
+              <a:t>httpbin</a:t>
+            </a:r>
+            <a:r>
+              <a:rPr lang="en-US" altLang="zh-CN" dirty="0"/>
+              <a:t>.${to}:8000/</a:t>
+            </a:r>
+            <a:r>
+              <a:rPr lang="en-US" altLang="zh-CN" dirty="0" err="1"/>
+              <a:t>ip</a:t>
+            </a:r>
+            <a:r>
+              <a:rPr lang="en-US" altLang="zh-CN" dirty="0"/>
+              <a:t>" -s -o /dev/null -w "sleep.${from} to </a:t>
+            </a:r>
+            <a:r>
+              <a:rPr lang="en-US" altLang="zh-CN" dirty="0" err="1"/>
+              <a:t>httpbin</a:t>
+            </a:r>
+            <a:r>
+              <a:rPr lang="en-US" altLang="zh-CN" dirty="0"/>
+              <a:t>.${to}: %{</a:t>
+            </a:r>
+            <a:r>
+              <a:rPr lang="en-US" altLang="zh-CN" dirty="0" err="1"/>
+              <a:t>http_code</a:t>
+            </a:r>
+            <a:r>
+              <a:rPr lang="en-US" altLang="zh-CN" dirty="0"/>
+              <a:t>}\n"; done; done</a:t>
+            </a:r>
+          </a:p>
+          <a:p>
+            <a:r>
+              <a:rPr lang="en-US" altLang="zh-CN" dirty="0"/>
+              <a:t>//</a:t>
+            </a:r>
+            <a:r>
+              <a:rPr lang="zh-CN" altLang="en-US" dirty="0"/>
+              <a:t>没有</a:t>
+            </a:r>
+            <a:r>
+              <a:rPr lang="en-US" altLang="zh-CN" dirty="0"/>
+              <a:t>policy</a:t>
+            </a:r>
+          </a:p>
+          <a:p>
+            <a:r>
+              <a:rPr lang="en-US" altLang="zh-CN" dirty="0" err="1"/>
+              <a:t>kubectl</a:t>
+            </a:r>
+            <a:r>
+              <a:rPr lang="en-US" altLang="zh-CN" dirty="0"/>
+              <a:t> get policy --all-namespaces</a:t>
+            </a:r>
+          </a:p>
+          <a:p>
+            <a:r>
+              <a:rPr lang="en-US" altLang="zh-CN" dirty="0" err="1"/>
+              <a:t>kubectl</a:t>
+            </a:r>
+            <a:r>
+              <a:rPr lang="en-US" altLang="zh-CN" dirty="0"/>
+              <a:t> get </a:t>
+            </a:r>
+            <a:r>
+              <a:rPr lang="en-US" altLang="zh-CN" dirty="0" err="1"/>
+              <a:t>meshpolicy</a:t>
+            </a:r>
+            <a:endParaRPr lang="en-US" altLang="zh-CN" dirty="0"/>
+          </a:p>
+          <a:p>
+            <a:r>
+              <a:rPr lang="en-US" altLang="zh-CN" dirty="0"/>
+              <a:t>//host</a:t>
+            </a:r>
+            <a:r>
+              <a:rPr lang="zh-CN" altLang="en-US" dirty="0"/>
+              <a:t>中没有</a:t>
+            </a:r>
+            <a:r>
+              <a:rPr lang="en-US" altLang="zh-CN" dirty="0"/>
+              <a:t>foo</a:t>
+            </a:r>
+            <a:r>
+              <a:rPr lang="zh-CN" altLang="en-US" dirty="0"/>
+              <a:t>、</a:t>
+            </a:r>
+            <a:r>
+              <a:rPr lang="en-US" altLang="zh-CN" dirty="0"/>
+              <a:t>bar</a:t>
+            </a:r>
+            <a:r>
+              <a:rPr lang="zh-CN" altLang="en-US" dirty="0"/>
+              <a:t>、</a:t>
+            </a:r>
+            <a:r>
+              <a:rPr lang="en-US" altLang="zh-CN" dirty="0" err="1"/>
+              <a:t>lagacy</a:t>
+            </a:r>
+            <a:r>
+              <a:rPr lang="zh-CN" altLang="en-US" dirty="0"/>
+              <a:t>下的</a:t>
+            </a:r>
+            <a:r>
+              <a:rPr lang="en-US" altLang="zh-CN" dirty="0"/>
+              <a:t>service</a:t>
+            </a:r>
+          </a:p>
+          <a:p>
+            <a:r>
+              <a:rPr lang="en-US" altLang="zh-CN" dirty="0" err="1"/>
+              <a:t>kubectl</a:t>
+            </a:r>
+            <a:r>
+              <a:rPr lang="en-US" altLang="zh-CN" dirty="0"/>
+              <a:t> get </a:t>
+            </a:r>
+            <a:r>
+              <a:rPr lang="en-US" altLang="zh-CN" dirty="0" err="1"/>
+              <a:t>destinationrules</a:t>
+            </a:r>
+            <a:r>
+              <a:rPr lang="en-US" altLang="zh-CN" dirty="0"/>
+              <a:t> --all-namespaces -o </a:t>
+            </a:r>
+            <a:r>
+              <a:rPr lang="en-US" altLang="zh-CN" dirty="0" err="1"/>
+              <a:t>yaml</a:t>
+            </a:r>
+            <a:r>
+              <a:rPr lang="en-US" altLang="zh-CN" dirty="0"/>
+              <a:t> | grep "host</a:t>
+            </a:r>
+            <a:r>
+              <a:rPr lang="en-US" altLang="zh-CN" dirty="0" smtClean="0"/>
+              <a:t>:"</a:t>
+            </a:r>
+            <a:endParaRPr lang="en-US" altLang="zh-CN" dirty="0"/>
+          </a:p>
+        </p:txBody>
+      </p:sp>
+    </p:spTree>
+    <p:extLst>
+      <p:ext uri="{BB962C8B-B14F-4D97-AF65-F5344CB8AC3E}">
+        <p14:creationId xmlns:p14="http://schemas.microsoft.com/office/powerpoint/2010/main" val="428893288"/>
+      </p:ext>
+    </p:extLst>
+  </p:cSld>
+  <p:clrMapOvr>
+    <a:masterClrMapping/>
+  </p:clrMapOvr>
+</p:sld>
+</file>
+
+<file path=ppt/slides/slide6.xml><?xml version="1.0" encoding="utf-8"?>
+<p:sld xmlns:a="http://schemas.openxmlformats.org/drawingml/2006/main" xmlns:r="http://schemas.openxmlformats.org/officeDocument/2006/relationships" xmlns:p="http://schemas.openxmlformats.org/presentationml/2006/main">
+  <p:cSld>
+    <p:spTree>
+      <p:nvGrpSpPr>
+        <p:cNvPr id="1" name=""/>
+        <p:cNvGrpSpPr/>
+        <p:nvPr/>
+      </p:nvGrpSpPr>
+      <p:grpSpPr>
+        <a:xfrm>
+          <a:off x="0" y="0"/>
+          <a:ext cx="0" cy="0"/>
+          <a:chOff x="0" y="0"/>
+          <a:chExt cx="0" cy="0"/>
+        </a:xfrm>
+      </p:grpSpPr>
+      <p:sp>
+        <p:nvSpPr>
+          <p:cNvPr id="2" name="标题 1"/>
+          <p:cNvSpPr>
+            <a:spLocks noGrp="1"/>
+          </p:cNvSpPr>
+          <p:nvPr>
+            <p:ph type="title"/>
+          </p:nvPr>
+        </p:nvSpPr>
+        <p:spPr/>
+        <p:txBody>
+          <a:bodyPr/>
+          <a:lstStyle/>
+          <a:p>
+            <a:r>
+              <a:rPr kumimoji="1" lang="zh-CN" altLang="en-US" dirty="0" smtClean="0"/>
+              <a:t>认证</a:t>
+            </a:r>
+            <a:r>
+              <a:rPr kumimoji="1" lang="en-US" altLang="zh-CN" dirty="0" smtClean="0"/>
+              <a:t>-</a:t>
+            </a:r>
+            <a:r>
+              <a:rPr kumimoji="1" lang="zh-CN" altLang="en-US" dirty="0" smtClean="0"/>
+              <a:t>全局</a:t>
+            </a:r>
+            <a:r>
+              <a:rPr kumimoji="1" lang="en-US" altLang="zh-CN" dirty="0" smtClean="0"/>
+              <a:t>TLS</a:t>
+            </a:r>
+            <a:endParaRPr kumimoji="1" lang="zh-CN" altLang="en-US" dirty="0"/>
+          </a:p>
+        </p:txBody>
+      </p:sp>
+      <p:sp>
+        <p:nvSpPr>
+          <p:cNvPr id="3" name="内容占位符 2"/>
+          <p:cNvSpPr>
+            <a:spLocks noGrp="1"/>
+          </p:cNvSpPr>
+          <p:nvPr>
+            <p:ph idx="1"/>
+          </p:nvPr>
+        </p:nvSpPr>
+        <p:spPr/>
+        <p:txBody>
+          <a:bodyPr>
+            <a:normAutofit fontScale="62500" lnSpcReduction="20000"/>
+          </a:bodyPr>
+          <a:lstStyle/>
+          <a:p>
+            <a:r>
+              <a:rPr lang="en-US" altLang="zh-CN" dirty="0" err="1"/>
+              <a:t>kubectl</a:t>
+            </a:r>
+            <a:r>
+              <a:rPr lang="en-US" altLang="zh-CN" dirty="0"/>
+              <a:t> apply -f </a:t>
+            </a:r>
+            <a:r>
+              <a:rPr lang="zh-CN" altLang="en-US" dirty="0" smtClean="0"/>
+              <a:t> </a:t>
+            </a:r>
+            <a:r>
+              <a:rPr lang="en-US" altLang="zh-CN" dirty="0" err="1" smtClean="0"/>
+              <a:t>mp-default.yaml</a:t>
+            </a:r>
+            <a:endParaRPr lang="en-US" altLang="zh-CN" dirty="0" smtClean="0"/>
+          </a:p>
+          <a:p>
+            <a:r>
+              <a:rPr lang="en-US" altLang="zh-CN" dirty="0"/>
+              <a:t>//fail</a:t>
+            </a:r>
+          </a:p>
+          <a:p>
+            <a:r>
+              <a:rPr lang="en-US" altLang="zh-CN" dirty="0"/>
+              <a:t>for from in "foo" "bar"; do for to in "foo" "bar"; do </a:t>
+            </a:r>
+            <a:r>
+              <a:rPr lang="en-US" altLang="zh-CN" dirty="0" err="1"/>
+              <a:t>kubectl</a:t>
+            </a:r>
+            <a:r>
+              <a:rPr lang="en-US" altLang="zh-CN" dirty="0"/>
+              <a:t> exec $(</a:t>
+            </a:r>
+            <a:r>
+              <a:rPr lang="en-US" altLang="zh-CN" dirty="0" err="1"/>
+              <a:t>kubectl</a:t>
+            </a:r>
+            <a:r>
+              <a:rPr lang="en-US" altLang="zh-CN" dirty="0"/>
+              <a:t> get pod -l app=sleep -n ${from} -o </a:t>
+            </a:r>
+            <a:r>
+              <a:rPr lang="en-US" altLang="zh-CN" dirty="0" err="1"/>
+              <a:t>jsonpath</a:t>
+            </a:r>
+            <a:r>
+              <a:rPr lang="en-US" altLang="zh-CN" dirty="0"/>
+              <a:t>={.items..</a:t>
+            </a:r>
+            <a:r>
+              <a:rPr lang="en-US" altLang="zh-CN" dirty="0" err="1"/>
+              <a:t>metadata.name</a:t>
+            </a:r>
+            <a:r>
+              <a:rPr lang="en-US" altLang="zh-CN" dirty="0"/>
+              <a:t>}) -c sleep -n ${from} -- curl "http://</a:t>
+            </a:r>
+            <a:r>
+              <a:rPr lang="en-US" altLang="zh-CN" dirty="0" err="1"/>
+              <a:t>httpbin</a:t>
+            </a:r>
+            <a:r>
+              <a:rPr lang="en-US" altLang="zh-CN" dirty="0"/>
+              <a:t>.${to}:8000/</a:t>
+            </a:r>
+            <a:r>
+              <a:rPr lang="en-US" altLang="zh-CN" dirty="0" err="1"/>
+              <a:t>ip</a:t>
+            </a:r>
+            <a:r>
+              <a:rPr lang="en-US" altLang="zh-CN" dirty="0"/>
+              <a:t>" -s -o /dev/null -w "sleep.${from} to </a:t>
+            </a:r>
+            <a:r>
+              <a:rPr lang="en-US" altLang="zh-CN" dirty="0" err="1"/>
+              <a:t>httpbin</a:t>
+            </a:r>
+            <a:r>
+              <a:rPr lang="en-US" altLang="zh-CN" dirty="0"/>
+              <a:t>.${to}: %{</a:t>
+            </a:r>
+            <a:r>
+              <a:rPr lang="en-US" altLang="zh-CN" dirty="0" err="1"/>
+              <a:t>http_code</a:t>
+            </a:r>
+            <a:r>
+              <a:rPr lang="en-US" altLang="zh-CN" dirty="0"/>
+              <a:t>}\n"; done; done</a:t>
+            </a:r>
+          </a:p>
+          <a:p>
+            <a:r>
+              <a:rPr lang="en-US" altLang="zh-CN" dirty="0" err="1"/>
+              <a:t>kubectl</a:t>
+            </a:r>
+            <a:r>
+              <a:rPr lang="en-US" altLang="zh-CN" dirty="0"/>
+              <a:t> apply -f </a:t>
+            </a:r>
+            <a:r>
+              <a:rPr lang="en-US" altLang="zh-CN" dirty="0" err="1" smtClean="0"/>
+              <a:t>dr-default.yaml</a:t>
+            </a:r>
+            <a:endParaRPr lang="en-US" altLang="zh-CN" dirty="0" smtClean="0"/>
+          </a:p>
+          <a:p>
+            <a:r>
+              <a:rPr lang="en-US" altLang="zh-CN" dirty="0"/>
+              <a:t>for from in "foo" "bar"; do for to in "foo" "bar"; do </a:t>
+            </a:r>
+            <a:r>
+              <a:rPr lang="en-US" altLang="zh-CN" dirty="0" err="1"/>
+              <a:t>kubectl</a:t>
+            </a:r>
+            <a:r>
+              <a:rPr lang="en-US" altLang="zh-CN" dirty="0"/>
+              <a:t> exec $(</a:t>
+            </a:r>
+            <a:r>
+              <a:rPr lang="en-US" altLang="zh-CN" dirty="0" err="1"/>
+              <a:t>kubectl</a:t>
+            </a:r>
+            <a:r>
+              <a:rPr lang="en-US" altLang="zh-CN" dirty="0"/>
+              <a:t> get pod -l app=sleep -n ${from} -o </a:t>
+            </a:r>
+            <a:r>
+              <a:rPr lang="en-US" altLang="zh-CN" dirty="0" err="1"/>
+              <a:t>jsonpath</a:t>
+            </a:r>
+            <a:r>
+              <a:rPr lang="en-US" altLang="zh-CN" dirty="0"/>
+              <a:t>={.items..</a:t>
+            </a:r>
+            <a:r>
+              <a:rPr lang="en-US" altLang="zh-CN" dirty="0" err="1"/>
+              <a:t>metadata.name</a:t>
+            </a:r>
+            <a:r>
+              <a:rPr lang="en-US" altLang="zh-CN" dirty="0"/>
+              <a:t>}) -c sleep -n ${from} -- curl "http://</a:t>
+            </a:r>
+            <a:r>
+              <a:rPr lang="en-US" altLang="zh-CN" dirty="0" err="1"/>
+              <a:t>httpbin</a:t>
+            </a:r>
+            <a:r>
+              <a:rPr lang="en-US" altLang="zh-CN" dirty="0"/>
+              <a:t>.${to}:8000/</a:t>
+            </a:r>
+            <a:r>
+              <a:rPr lang="en-US" altLang="zh-CN" dirty="0" err="1"/>
+              <a:t>ip</a:t>
+            </a:r>
+            <a:r>
+              <a:rPr lang="en-US" altLang="zh-CN" dirty="0"/>
+              <a:t>" -s -o /dev/null -w "sleep.${from} to </a:t>
+            </a:r>
+            <a:r>
+              <a:rPr lang="en-US" altLang="zh-CN" dirty="0" err="1"/>
+              <a:t>httpbin</a:t>
+            </a:r>
+            <a:r>
+              <a:rPr lang="en-US" altLang="zh-CN" dirty="0"/>
+              <a:t>.${to}: %{</a:t>
+            </a:r>
+            <a:r>
+              <a:rPr lang="en-US" altLang="zh-CN" dirty="0" err="1"/>
+              <a:t>http_code</a:t>
+            </a:r>
+            <a:r>
+              <a:rPr lang="en-US" altLang="zh-CN" dirty="0"/>
+              <a:t>}\n"; done; done</a:t>
+            </a:r>
+          </a:p>
+          <a:p>
+            <a:r>
+              <a:rPr lang="en-US" altLang="zh-CN" dirty="0"/>
+              <a:t>//fail</a:t>
+            </a:r>
+          </a:p>
+          <a:p>
+            <a:r>
+              <a:rPr lang="en-US" altLang="zh-CN" dirty="0"/>
+              <a:t>for from in "legacy"; do for to in "foo" "bar"; do </a:t>
+            </a:r>
+            <a:r>
+              <a:rPr lang="en-US" altLang="zh-CN" dirty="0" err="1"/>
+              <a:t>kubectl</a:t>
+            </a:r>
+            <a:r>
+              <a:rPr lang="en-US" altLang="zh-CN" dirty="0"/>
+              <a:t> exec $(</a:t>
+            </a:r>
+            <a:r>
+              <a:rPr lang="en-US" altLang="zh-CN" dirty="0" err="1"/>
+              <a:t>kubectl</a:t>
+            </a:r>
+            <a:r>
+              <a:rPr lang="en-US" altLang="zh-CN" dirty="0"/>
+              <a:t> get pod -l app=sleep -n ${from} -o </a:t>
+            </a:r>
+            <a:r>
+              <a:rPr lang="en-US" altLang="zh-CN" dirty="0" err="1"/>
+              <a:t>jsonpath</a:t>
+            </a:r>
+            <a:r>
+              <a:rPr lang="en-US" altLang="zh-CN" dirty="0"/>
+              <a:t>={.items..</a:t>
+            </a:r>
+            <a:r>
+              <a:rPr lang="en-US" altLang="zh-CN" dirty="0" err="1"/>
+              <a:t>metadata.name</a:t>
+            </a:r>
+            <a:r>
+              <a:rPr lang="en-US" altLang="zh-CN" dirty="0"/>
+              <a:t>}) -c sleep -n ${from} -- curl "http://</a:t>
+            </a:r>
+            <a:r>
+              <a:rPr lang="en-US" altLang="zh-CN" dirty="0" err="1"/>
+              <a:t>httpbin</a:t>
+            </a:r>
+            <a:r>
+              <a:rPr lang="en-US" altLang="zh-CN" dirty="0"/>
+              <a:t>.${to}:8000/</a:t>
+            </a:r>
+            <a:r>
+              <a:rPr lang="en-US" altLang="zh-CN" dirty="0" err="1"/>
+              <a:t>ip</a:t>
+            </a:r>
+            <a:r>
+              <a:rPr lang="en-US" altLang="zh-CN" dirty="0"/>
+              <a:t>" -s -o /dev/null -w "sleep.${from} to </a:t>
+            </a:r>
+            <a:r>
+              <a:rPr lang="en-US" altLang="zh-CN" dirty="0" err="1"/>
+              <a:t>httpbin</a:t>
+            </a:r>
+            <a:r>
+              <a:rPr lang="en-US" altLang="zh-CN" dirty="0"/>
+              <a:t>.${to}: %{</a:t>
+            </a:r>
+            <a:r>
+              <a:rPr lang="en-US" altLang="zh-CN" dirty="0" err="1"/>
+              <a:t>http_code</a:t>
+            </a:r>
+            <a:r>
+              <a:rPr lang="en-US" altLang="zh-CN" dirty="0"/>
+              <a:t>}\n"; done; done</a:t>
+            </a:r>
+          </a:p>
+          <a:p>
+            <a:r>
+              <a:rPr lang="en-US" altLang="zh-CN" dirty="0"/>
+              <a:t>//fail</a:t>
+            </a:r>
+          </a:p>
+          <a:p>
+            <a:r>
+              <a:rPr lang="en-US" altLang="zh-CN" dirty="0"/>
+              <a:t>for from in "foo" "bar"; do for to in "legacy"; do </a:t>
+            </a:r>
+            <a:r>
+              <a:rPr lang="en-US" altLang="zh-CN" dirty="0" err="1"/>
+              <a:t>kubectl</a:t>
+            </a:r>
+            <a:r>
+              <a:rPr lang="en-US" altLang="zh-CN" dirty="0"/>
+              <a:t> exec $(</a:t>
+            </a:r>
+            <a:r>
+              <a:rPr lang="en-US" altLang="zh-CN" dirty="0" err="1"/>
+              <a:t>kubectl</a:t>
+            </a:r>
+            <a:r>
+              <a:rPr lang="en-US" altLang="zh-CN" dirty="0"/>
+              <a:t> get pod -l app=sleep -n ${from} -o </a:t>
+            </a:r>
+            <a:r>
+              <a:rPr lang="en-US" altLang="zh-CN" dirty="0" err="1"/>
+              <a:t>jsonpath</a:t>
+            </a:r>
+            <a:r>
+              <a:rPr lang="en-US" altLang="zh-CN" dirty="0"/>
+              <a:t>={.items..</a:t>
+            </a:r>
+            <a:r>
+              <a:rPr lang="en-US" altLang="zh-CN" dirty="0" err="1"/>
+              <a:t>metadata.name</a:t>
+            </a:r>
+            <a:r>
+              <a:rPr lang="en-US" altLang="zh-CN" dirty="0"/>
+              <a:t>}) -c sleep -n ${from} -- curl "http://</a:t>
+            </a:r>
+            <a:r>
+              <a:rPr lang="en-US" altLang="zh-CN" dirty="0" err="1"/>
+              <a:t>httpbin</a:t>
+            </a:r>
+            <a:r>
+              <a:rPr lang="en-US" altLang="zh-CN" dirty="0"/>
+              <a:t>.${to}:8000/</a:t>
+            </a:r>
+            <a:r>
+              <a:rPr lang="en-US" altLang="zh-CN" dirty="0" err="1"/>
+              <a:t>ip</a:t>
+            </a:r>
+            <a:r>
+              <a:rPr lang="en-US" altLang="zh-CN" dirty="0"/>
+              <a:t>" -s -o /dev/null -w "sleep.${from} to </a:t>
+            </a:r>
+            <a:r>
+              <a:rPr lang="en-US" altLang="zh-CN" dirty="0" err="1"/>
+              <a:t>httpbin</a:t>
+            </a:r>
+            <a:r>
+              <a:rPr lang="en-US" altLang="zh-CN" dirty="0"/>
+              <a:t>.${to}: %{</a:t>
+            </a:r>
+            <a:r>
+              <a:rPr lang="en-US" altLang="zh-CN" dirty="0" err="1"/>
+              <a:t>http_code</a:t>
+            </a:r>
+            <a:r>
+              <a:rPr lang="en-US" altLang="zh-CN" dirty="0"/>
+              <a:t>}\n"; done; </a:t>
+            </a:r>
+            <a:r>
+              <a:rPr lang="en-US" altLang="zh-CN" dirty="0" smtClean="0"/>
+              <a:t>done</a:t>
+            </a:r>
+            <a:endParaRPr lang="en-US" altLang="zh-CN" dirty="0"/>
+          </a:p>
+        </p:txBody>
+      </p:sp>
+    </p:spTree>
+    <p:extLst>
+      <p:ext uri="{BB962C8B-B14F-4D97-AF65-F5344CB8AC3E}">
+        <p14:creationId xmlns:p14="http://schemas.microsoft.com/office/powerpoint/2010/main" val="2063201599"/>
+      </p:ext>
+    </p:extLst>
+  </p:cSld>
+  <p:clrMapOvr>
+    <a:masterClrMapping/>
+  </p:clrMapOvr>
+</p:sld>
+</file>
+
+<file path=ppt/slides/slide7.xml><?xml version="1.0" encoding="utf-8"?>
+<p:sld xmlns:a="http://schemas.openxmlformats.org/drawingml/2006/main" xmlns:r="http://schemas.openxmlformats.org/officeDocument/2006/relationships" xmlns:p="http://schemas.openxmlformats.org/presentationml/2006/main">
+  <p:cSld>
+    <p:spTree>
+      <p:nvGrpSpPr>
+        <p:cNvPr id="1" name=""/>
+        <p:cNvGrpSpPr/>
+        <p:nvPr/>
+      </p:nvGrpSpPr>
+      <p:grpSpPr>
+        <a:xfrm>
+          <a:off x="0" y="0"/>
+          <a:ext cx="0" cy="0"/>
+          <a:chOff x="0" y="0"/>
+          <a:chExt cx="0" cy="0"/>
+        </a:xfrm>
+      </p:grpSpPr>
+      <p:sp>
+        <p:nvSpPr>
+          <p:cNvPr id="2" name="标题 1"/>
+          <p:cNvSpPr>
+            <a:spLocks noGrp="1"/>
+          </p:cNvSpPr>
+          <p:nvPr>
+            <p:ph type="title"/>
+          </p:nvPr>
+        </p:nvSpPr>
+        <p:spPr/>
+        <p:txBody>
+          <a:bodyPr/>
+          <a:lstStyle/>
+          <a:p>
+            <a:r>
+              <a:rPr kumimoji="1" lang="zh-CN" altLang="en-US" dirty="0" smtClean="0"/>
+              <a:t>认证</a:t>
+            </a:r>
+            <a:r>
+              <a:rPr kumimoji="1" lang="en-US" altLang="zh-CN" dirty="0" smtClean="0"/>
+              <a:t>-</a:t>
+            </a:r>
+            <a:r>
+              <a:rPr kumimoji="1" lang="zh-CN" altLang="en-US" dirty="0" smtClean="0"/>
+              <a:t>全局</a:t>
+            </a:r>
+            <a:r>
+              <a:rPr kumimoji="1" lang="en-US" altLang="zh-CN" dirty="0" smtClean="0"/>
+              <a:t>TLS</a:t>
+            </a:r>
+            <a:endParaRPr kumimoji="1" lang="zh-CN" altLang="en-US" dirty="0"/>
+          </a:p>
+        </p:txBody>
+      </p:sp>
+      <p:sp>
+        <p:nvSpPr>
+          <p:cNvPr id="3" name="内容占位符 2"/>
+          <p:cNvSpPr>
+            <a:spLocks noGrp="1"/>
+          </p:cNvSpPr>
+          <p:nvPr>
+            <p:ph idx="1"/>
+          </p:nvPr>
+        </p:nvSpPr>
+        <p:spPr/>
+        <p:txBody>
+          <a:bodyPr>
+            <a:normAutofit fontScale="77500" lnSpcReduction="20000"/>
+          </a:bodyPr>
+          <a:lstStyle/>
+          <a:p>
+            <a:r>
+              <a:rPr lang="en-US" altLang="zh-CN" dirty="0" err="1"/>
+              <a:t>kubectl</a:t>
+            </a:r>
+            <a:r>
+              <a:rPr lang="en-US" altLang="zh-CN" dirty="0"/>
+              <a:t> apply -f </a:t>
+            </a:r>
+            <a:r>
+              <a:rPr lang="en-US" altLang="zh-CN" dirty="0" err="1" smtClean="0"/>
+              <a:t>dr-httpbin-legacy.yaml</a:t>
+            </a:r>
+            <a:endParaRPr lang="en-US" altLang="zh-CN" dirty="0" smtClean="0"/>
+          </a:p>
+          <a:p>
+            <a:r>
+              <a:rPr lang="en-US" altLang="zh-CN" dirty="0"/>
+              <a:t>for from in "foo" "bar"; do for to in "legacy"; do </a:t>
+            </a:r>
+            <a:r>
+              <a:rPr lang="en-US" altLang="zh-CN" dirty="0" err="1"/>
+              <a:t>kubectl</a:t>
+            </a:r>
+            <a:r>
+              <a:rPr lang="en-US" altLang="zh-CN" dirty="0"/>
+              <a:t> exec $(</a:t>
+            </a:r>
+            <a:r>
+              <a:rPr lang="en-US" altLang="zh-CN" dirty="0" err="1"/>
+              <a:t>kubectl</a:t>
+            </a:r>
+            <a:r>
+              <a:rPr lang="en-US" altLang="zh-CN" dirty="0"/>
+              <a:t> get pod -l app=sleep -n ${from} -o </a:t>
+            </a:r>
+            <a:r>
+              <a:rPr lang="en-US" altLang="zh-CN" dirty="0" err="1"/>
+              <a:t>jsonpath</a:t>
+            </a:r>
+            <a:r>
+              <a:rPr lang="en-US" altLang="zh-CN" dirty="0"/>
+              <a:t>={.items..</a:t>
+            </a:r>
+            <a:r>
+              <a:rPr lang="en-US" altLang="zh-CN" dirty="0" err="1"/>
+              <a:t>metadata.name</a:t>
+            </a:r>
+            <a:r>
+              <a:rPr lang="en-US" altLang="zh-CN" dirty="0"/>
+              <a:t>}) -c sleep -n ${from} -- curl "http://</a:t>
+            </a:r>
+            <a:r>
+              <a:rPr lang="en-US" altLang="zh-CN" dirty="0" err="1"/>
+              <a:t>httpbin</a:t>
+            </a:r>
+            <a:r>
+              <a:rPr lang="en-US" altLang="zh-CN" dirty="0"/>
+              <a:t>.${to}:8000/</a:t>
+            </a:r>
+            <a:r>
+              <a:rPr lang="en-US" altLang="zh-CN" dirty="0" err="1"/>
+              <a:t>ip</a:t>
+            </a:r>
+            <a:r>
+              <a:rPr lang="en-US" altLang="zh-CN" dirty="0"/>
+              <a:t>" -s -o /dev/null -w "sleep.${from} to </a:t>
+            </a:r>
+            <a:r>
+              <a:rPr lang="en-US" altLang="zh-CN" dirty="0" err="1"/>
+              <a:t>httpbin</a:t>
+            </a:r>
+            <a:r>
+              <a:rPr lang="en-US" altLang="zh-CN" dirty="0"/>
+              <a:t>.${to}: %{</a:t>
+            </a:r>
+            <a:r>
+              <a:rPr lang="en-US" altLang="zh-CN" dirty="0" err="1"/>
+              <a:t>http_code</a:t>
+            </a:r>
+            <a:r>
+              <a:rPr lang="en-US" altLang="zh-CN" dirty="0"/>
+              <a:t>}\n"; done; done</a:t>
+            </a:r>
+          </a:p>
+          <a:p>
+            <a:r>
+              <a:rPr lang="en-US" altLang="zh-CN" dirty="0"/>
+              <a:t>TOKEN=$(</a:t>
+            </a:r>
+            <a:r>
+              <a:rPr lang="en-US" altLang="zh-CN" dirty="0" err="1"/>
+              <a:t>kubectl</a:t>
+            </a:r>
+            <a:r>
+              <a:rPr lang="en-US" altLang="zh-CN" dirty="0"/>
+              <a:t> describe secret $(</a:t>
+            </a:r>
+            <a:r>
+              <a:rPr lang="en-US" altLang="zh-CN" dirty="0" err="1"/>
+              <a:t>kubectl</a:t>
+            </a:r>
+            <a:r>
+              <a:rPr lang="en-US" altLang="zh-CN" dirty="0"/>
+              <a:t> get secrets | grep default-token | cut -f1 -d ' ' | head -1) | grep -E '^token' | cut -f2 -d':' | </a:t>
+            </a:r>
+            <a:r>
+              <a:rPr lang="en-US" altLang="zh-CN" dirty="0" err="1"/>
+              <a:t>tr</a:t>
+            </a:r>
+            <a:r>
+              <a:rPr lang="en-US" altLang="zh-CN" dirty="0"/>
+              <a:t> -d '\t')</a:t>
+            </a:r>
+          </a:p>
+          <a:p>
+            <a:r>
+              <a:rPr lang="en-US" altLang="zh-CN" dirty="0"/>
+              <a:t>//fail</a:t>
+            </a:r>
+          </a:p>
+          <a:p>
+            <a:r>
+              <a:rPr lang="en-US" altLang="zh-CN" dirty="0" err="1"/>
+              <a:t>kubectl</a:t>
+            </a:r>
+            <a:r>
+              <a:rPr lang="en-US" altLang="zh-CN" dirty="0"/>
+              <a:t> exec $(</a:t>
+            </a:r>
+            <a:r>
+              <a:rPr lang="en-US" altLang="zh-CN" dirty="0" err="1"/>
+              <a:t>kubectl</a:t>
+            </a:r>
+            <a:r>
+              <a:rPr lang="en-US" altLang="zh-CN" dirty="0"/>
+              <a:t> get pod -l app=sleep -n foo -o </a:t>
+            </a:r>
+            <a:r>
+              <a:rPr lang="en-US" altLang="zh-CN" dirty="0" err="1"/>
+              <a:t>jsonpath</a:t>
+            </a:r>
+            <a:r>
+              <a:rPr lang="en-US" altLang="zh-CN" dirty="0"/>
+              <a:t>={.items..</a:t>
+            </a:r>
+            <a:r>
+              <a:rPr lang="en-US" altLang="zh-CN" dirty="0" err="1"/>
+              <a:t>metadata.name</a:t>
+            </a:r>
+            <a:r>
+              <a:rPr lang="en-US" altLang="zh-CN" dirty="0"/>
+              <a:t>}) -c sleep -n foo -- curl https://</a:t>
+            </a:r>
+            <a:r>
+              <a:rPr lang="en-US" altLang="zh-CN" dirty="0" err="1"/>
+              <a:t>kubernetes.default</a:t>
+            </a:r>
+            <a:r>
+              <a:rPr lang="en-US" altLang="zh-CN" dirty="0"/>
+              <a:t>/</a:t>
+            </a:r>
+            <a:r>
+              <a:rPr lang="en-US" altLang="zh-CN" dirty="0" err="1"/>
+              <a:t>api</a:t>
+            </a:r>
+            <a:r>
+              <a:rPr lang="en-US" altLang="zh-CN" dirty="0"/>
+              <a:t> --header "Authorization: Bearer $TOKEN" --insecure -s -o /dev/null -w "%{</a:t>
+            </a:r>
+            <a:r>
+              <a:rPr lang="en-US" altLang="zh-CN" dirty="0" err="1"/>
+              <a:t>http_code</a:t>
+            </a:r>
+            <a:r>
+              <a:rPr lang="en-US" altLang="zh-CN" dirty="0"/>
+              <a:t>}\n"</a:t>
+            </a:r>
+          </a:p>
+          <a:p>
+            <a:r>
+              <a:rPr lang="en-US" altLang="zh-CN" dirty="0" err="1"/>
+              <a:t>kubectl</a:t>
+            </a:r>
+            <a:r>
+              <a:rPr lang="en-US" altLang="zh-CN" dirty="0"/>
+              <a:t> apply -</a:t>
+            </a:r>
+            <a:r>
+              <a:rPr lang="en-US" altLang="zh-CN" dirty="0" smtClean="0"/>
+              <a:t>f</a:t>
+            </a:r>
+            <a:r>
+              <a:rPr lang="zh-CN" altLang="en-US" dirty="0" smtClean="0"/>
+              <a:t> </a:t>
+            </a:r>
+            <a:r>
+              <a:rPr lang="en-US" altLang="zh-CN" dirty="0" err="1"/>
+              <a:t>dr-api-server.yaml</a:t>
+            </a:r>
+            <a:r>
+              <a:rPr lang="zh-CN" altLang="en-US" dirty="0" smtClean="0"/>
+              <a:t> </a:t>
+            </a:r>
+            <a:endParaRPr lang="en-US" altLang="zh-CN" dirty="0" smtClean="0"/>
+          </a:p>
+          <a:p>
+            <a:r>
+              <a:rPr lang="en-US" altLang="zh-CN" dirty="0" smtClean="0"/>
+              <a:t>//</a:t>
+            </a:r>
+            <a:r>
+              <a:rPr lang="en-US" altLang="zh-CN" dirty="0"/>
+              <a:t>403 </a:t>
+            </a:r>
+            <a:endParaRPr lang="en-US" altLang="zh-CN" dirty="0" smtClean="0"/>
+          </a:p>
+          <a:p>
+            <a:r>
+              <a:rPr lang="en-US" altLang="zh-CN" dirty="0" err="1" smtClean="0"/>
+              <a:t>kubectl</a:t>
+            </a:r>
+            <a:r>
+              <a:rPr lang="en-US" altLang="zh-CN" dirty="0" smtClean="0"/>
+              <a:t> </a:t>
+            </a:r>
+            <a:r>
+              <a:rPr lang="en-US" altLang="zh-CN" dirty="0"/>
+              <a:t>exec $(</a:t>
+            </a:r>
+            <a:r>
+              <a:rPr lang="en-US" altLang="zh-CN" dirty="0" err="1"/>
+              <a:t>kubectl</a:t>
+            </a:r>
+            <a:r>
+              <a:rPr lang="en-US" altLang="zh-CN" dirty="0"/>
+              <a:t> get pod -l app=sleep -n foo -o </a:t>
+            </a:r>
+            <a:r>
+              <a:rPr lang="en-US" altLang="zh-CN" dirty="0" err="1"/>
+              <a:t>jsonpath</a:t>
+            </a:r>
+            <a:r>
+              <a:rPr lang="en-US" altLang="zh-CN" dirty="0"/>
+              <a:t>={.items..</a:t>
+            </a:r>
+            <a:r>
+              <a:rPr lang="en-US" altLang="zh-CN" dirty="0" err="1"/>
+              <a:t>metadata.name</a:t>
+            </a:r>
+            <a:r>
+              <a:rPr lang="en-US" altLang="zh-CN" dirty="0"/>
+              <a:t>}) -c sleep -n foo -- curl https://</a:t>
+            </a:r>
+            <a:r>
+              <a:rPr lang="en-US" altLang="zh-CN" dirty="0" err="1"/>
+              <a:t>kubernetes.default</a:t>
+            </a:r>
+            <a:r>
+              <a:rPr lang="en-US" altLang="zh-CN" dirty="0"/>
+              <a:t>/</a:t>
+            </a:r>
+            <a:r>
+              <a:rPr lang="en-US" altLang="zh-CN" dirty="0" err="1"/>
+              <a:t>api</a:t>
+            </a:r>
+            <a:r>
+              <a:rPr lang="en-US" altLang="zh-CN" dirty="0"/>
+              <a:t> --header "Authorization: Bearer $TOKEN" --insecure -s -o /dev/null -w "%{</a:t>
+            </a:r>
+            <a:r>
+              <a:rPr lang="en-US" altLang="zh-CN" dirty="0" err="1"/>
+              <a:t>http_code</a:t>
+            </a:r>
+            <a:r>
+              <a:rPr lang="en-US" altLang="zh-CN" dirty="0"/>
+              <a:t>}\n</a:t>
+            </a:r>
+            <a:r>
+              <a:rPr lang="en-US" altLang="zh-CN" dirty="0" smtClean="0"/>
+              <a:t>"</a:t>
+            </a:r>
+          </a:p>
+          <a:p>
+            <a:endParaRPr lang="en-US" altLang="zh-CN" dirty="0" smtClean="0"/>
+          </a:p>
+        </p:txBody>
+      </p:sp>
+    </p:spTree>
+    <p:extLst>
+      <p:ext uri="{BB962C8B-B14F-4D97-AF65-F5344CB8AC3E}">
+        <p14:creationId xmlns:p14="http://schemas.microsoft.com/office/powerpoint/2010/main" val="1704366449"/>
+      </p:ext>
+    </p:extLst>
+  </p:cSld>
+  <p:clrMapOvr>
+    <a:masterClrMapping/>
+  </p:clrMapOvr>
+</p:sld>
+</file>
+
+<file path=ppt/slides/slide8.xml><?xml version="1.0" encoding="utf-8"?>
+<p:sld xmlns:a="http://schemas.openxmlformats.org/drawingml/2006/main" xmlns:r="http://schemas.openxmlformats.org/officeDocument/2006/relationships" xmlns:p="http://schemas.openxmlformats.org/presentationml/2006/main">
+  <p:cSld>
+    <p:spTree>
+      <p:nvGrpSpPr>
+        <p:cNvPr id="1" name=""/>
+        <p:cNvGrpSpPr/>
+        <p:nvPr/>
+      </p:nvGrpSpPr>
+      <p:grpSpPr>
+        <a:xfrm>
+          <a:off x="0" y="0"/>
+          <a:ext cx="0" cy="0"/>
+          <a:chOff x="0" y="0"/>
+          <a:chExt cx="0" cy="0"/>
+        </a:xfrm>
+      </p:grpSpPr>
+      <p:sp>
+        <p:nvSpPr>
+          <p:cNvPr id="2" name="标题 1"/>
+          <p:cNvSpPr>
+            <a:spLocks noGrp="1"/>
+          </p:cNvSpPr>
+          <p:nvPr>
+            <p:ph type="title"/>
+          </p:nvPr>
+        </p:nvSpPr>
+        <p:spPr/>
+        <p:txBody>
+          <a:bodyPr/>
+          <a:lstStyle/>
+          <a:p>
+            <a:r>
+              <a:rPr kumimoji="1" lang="zh-CN" altLang="en-US" dirty="0"/>
+              <a:t>认证</a:t>
+            </a:r>
+            <a:r>
+              <a:rPr kumimoji="1" lang="en-US" altLang="zh-CN" dirty="0"/>
+              <a:t>-</a:t>
+            </a:r>
+            <a:r>
+              <a:rPr kumimoji="1" lang="zh-CN" altLang="en-US" dirty="0"/>
+              <a:t>全局</a:t>
+            </a:r>
+            <a:r>
+              <a:rPr kumimoji="1" lang="en-US" altLang="zh-CN" dirty="0"/>
+              <a:t>TLS</a:t>
+            </a:r>
+            <a:endParaRPr kumimoji="1" lang="zh-CN" altLang="en-US" dirty="0"/>
+          </a:p>
+        </p:txBody>
+      </p:sp>
+      <p:sp>
+        <p:nvSpPr>
+          <p:cNvPr id="3" name="内容占位符 2"/>
+          <p:cNvSpPr>
+            <a:spLocks noGrp="1"/>
+          </p:cNvSpPr>
+          <p:nvPr>
+            <p:ph idx="1"/>
+          </p:nvPr>
+        </p:nvSpPr>
+        <p:spPr/>
+        <p:txBody>
+          <a:bodyPr/>
+          <a:lstStyle/>
+          <a:p>
+            <a:r>
+              <a:rPr lang="en-US" altLang="zh-CN" dirty="0" err="1"/>
+              <a:t>kubectl</a:t>
+            </a:r>
+            <a:r>
+              <a:rPr lang="en-US" altLang="zh-CN" dirty="0"/>
+              <a:t> delete </a:t>
+            </a:r>
+            <a:r>
+              <a:rPr lang="en-US" altLang="zh-CN" dirty="0" err="1"/>
+              <a:t>meshpolicy</a:t>
+            </a:r>
+            <a:r>
+              <a:rPr lang="en-US" altLang="zh-CN" dirty="0"/>
+              <a:t> default</a:t>
+            </a:r>
+          </a:p>
+          <a:p>
+            <a:r>
+              <a:rPr lang="en-US" altLang="zh-CN" dirty="0" err="1"/>
+              <a:t>kubectl</a:t>
+            </a:r>
+            <a:r>
+              <a:rPr lang="en-US" altLang="zh-CN" dirty="0"/>
+              <a:t> delete </a:t>
+            </a:r>
+            <a:r>
+              <a:rPr lang="en-US" altLang="zh-CN" dirty="0" err="1"/>
+              <a:t>destinationrules</a:t>
+            </a:r>
+            <a:r>
+              <a:rPr lang="en-US" altLang="zh-CN" dirty="0"/>
+              <a:t> </a:t>
+            </a:r>
+            <a:r>
+              <a:rPr lang="en-US" altLang="zh-CN" dirty="0" err="1"/>
+              <a:t>httpbin</a:t>
+            </a:r>
+            <a:r>
+              <a:rPr lang="en-US" altLang="zh-CN" dirty="0"/>
+              <a:t>-legacy -n legacy</a:t>
+            </a:r>
+          </a:p>
+          <a:p>
+            <a:r>
+              <a:rPr lang="en-US" altLang="zh-CN" dirty="0" err="1"/>
+              <a:t>kubectl</a:t>
+            </a:r>
+            <a:r>
+              <a:rPr lang="en-US" altLang="zh-CN" dirty="0"/>
+              <a:t> delete </a:t>
+            </a:r>
+            <a:r>
+              <a:rPr lang="en-US" altLang="zh-CN" dirty="0" err="1"/>
+              <a:t>destinationrules</a:t>
+            </a:r>
+            <a:r>
+              <a:rPr lang="en-US" altLang="zh-CN" dirty="0"/>
+              <a:t> </a:t>
+            </a:r>
+            <a:r>
+              <a:rPr lang="en-US" altLang="zh-CN" dirty="0" err="1"/>
+              <a:t>api</a:t>
+            </a:r>
+            <a:r>
+              <a:rPr lang="en-US" altLang="zh-CN" dirty="0"/>
+              <a:t>-server -n </a:t>
+            </a:r>
+            <a:r>
+              <a:rPr lang="en-US" altLang="zh-CN" dirty="0" err="1"/>
+              <a:t>istio</a:t>
+            </a:r>
+            <a:r>
+              <a:rPr lang="en-US" altLang="zh-CN" dirty="0"/>
+              <a:t>-system</a:t>
+            </a:r>
+          </a:p>
+          <a:p>
+            <a:r>
+              <a:rPr lang="en-US" altLang="zh-CN" dirty="0" err="1"/>
+              <a:t>kubectl</a:t>
+            </a:r>
+            <a:r>
+              <a:rPr lang="en-US" altLang="zh-CN" dirty="0"/>
+              <a:t> delete </a:t>
+            </a:r>
+            <a:r>
+              <a:rPr lang="en-US" altLang="zh-CN" dirty="0" err="1"/>
+              <a:t>destinationrules</a:t>
+            </a:r>
+            <a:r>
+              <a:rPr lang="en-US" altLang="zh-CN" dirty="0"/>
+              <a:t> default -n </a:t>
+            </a:r>
+            <a:r>
+              <a:rPr lang="en-US" altLang="zh-CN" dirty="0" err="1"/>
+              <a:t>istio</a:t>
+            </a:r>
+            <a:r>
+              <a:rPr lang="en-US" altLang="zh-CN" dirty="0"/>
+              <a:t>-system</a:t>
+            </a:r>
+          </a:p>
+          <a:p>
+            <a:endParaRPr kumimoji="1" lang="zh-CN" altLang="en-US" dirty="0"/>
+          </a:p>
+        </p:txBody>
+      </p:sp>
+    </p:spTree>
+    <p:extLst>
+      <p:ext uri="{BB962C8B-B14F-4D97-AF65-F5344CB8AC3E}">
+        <p14:creationId xmlns:p14="http://schemas.microsoft.com/office/powerpoint/2010/main" val="1943616615"/>
+      </p:ext>
+    </p:extLst>
+  </p:cSld>
+  <p:clrMapOvr>
+    <a:masterClrMapping/>
+  </p:clrMapOvr>
+</p:sld>
+</file>
+
+<file path=ppt/slides/slide9.xml><?xml version="1.0" encoding="utf-8"?>
+<p:sld xmlns:a="http://schemas.openxmlformats.org/drawingml/2006/main" xmlns:r="http://schemas.openxmlformats.org/officeDocument/2006/relationships" xmlns:p="http://schemas.openxmlformats.org/presentationml/2006/main">
+  <p:cSld>
+    <p:spTree>
+      <p:nvGrpSpPr>
+        <p:cNvPr id="1" name=""/>
+        <p:cNvGrpSpPr/>
+        <p:nvPr/>
+      </p:nvGrpSpPr>
+      <p:grpSpPr>
+        <a:xfrm>
+          <a:off x="0" y="0"/>
+          <a:ext cx="0" cy="0"/>
+          <a:chOff x="0" y="0"/>
+          <a:chExt cx="0" cy="0"/>
+        </a:xfrm>
+      </p:grpSpPr>
+      <p:sp>
+        <p:nvSpPr>
+          <p:cNvPr id="2" name="标题 1"/>
+          <p:cNvSpPr>
+            <a:spLocks noGrp="1"/>
+          </p:cNvSpPr>
+          <p:nvPr>
+            <p:ph type="title"/>
+          </p:nvPr>
+        </p:nvSpPr>
+        <p:spPr/>
+        <p:txBody>
+          <a:bodyPr/>
+          <a:lstStyle/>
+          <a:p>
+            <a:r>
+              <a:rPr kumimoji="1" lang="zh-CN" altLang="en-US" dirty="0"/>
+              <a:t>认证</a:t>
+            </a:r>
+            <a:r>
+              <a:rPr kumimoji="1" lang="en-US" altLang="zh-CN" dirty="0" smtClean="0"/>
+              <a:t>-NS</a:t>
+            </a:r>
+            <a:r>
+              <a:rPr kumimoji="1" lang="zh-CN" altLang="en-US" dirty="0" smtClean="0"/>
+              <a:t> </a:t>
+            </a:r>
+            <a:r>
+              <a:rPr kumimoji="1" lang="en-US" altLang="zh-CN" dirty="0" smtClean="0"/>
+              <a:t>TLS</a:t>
+            </a:r>
+            <a:endParaRPr kumimoji="1" lang="zh-CN" altLang="en-US" dirty="0"/>
+          </a:p>
+        </p:txBody>
+      </p:sp>
+      <p:sp>
+        <p:nvSpPr>
+          <p:cNvPr id="3" name="内容占位符 2"/>
+          <p:cNvSpPr>
+            <a:spLocks noGrp="1"/>
+          </p:cNvSpPr>
+          <p:nvPr>
+            <p:ph idx="1"/>
+          </p:nvPr>
+        </p:nvSpPr>
+        <p:spPr/>
+        <p:txBody>
+          <a:bodyPr/>
+          <a:lstStyle/>
+          <a:p>
+            <a:r>
+              <a:rPr lang="en-US" altLang="zh-CN" dirty="0" err="1"/>
+              <a:t>kubectl</a:t>
+            </a:r>
+            <a:r>
+              <a:rPr lang="en-US" altLang="zh-CN" dirty="0"/>
+              <a:t> apply -f </a:t>
+            </a:r>
+            <a:r>
+              <a:rPr lang="en-US" altLang="zh-CN" dirty="0" err="1"/>
+              <a:t>dr-default.yaml</a:t>
+            </a:r>
+            <a:endParaRPr lang="en-US" altLang="zh-CN" dirty="0"/>
+          </a:p>
+          <a:p>
+            <a:r>
+              <a:rPr lang="en-US" altLang="zh-CN" dirty="0" err="1"/>
+              <a:t>kubectl</a:t>
+            </a:r>
+            <a:r>
+              <a:rPr lang="en-US" altLang="zh-CN" dirty="0"/>
+              <a:t> apply -f </a:t>
+            </a:r>
+            <a:r>
+              <a:rPr lang="en-US" altLang="zh-CN" dirty="0" err="1"/>
+              <a:t>dr</a:t>
+            </a:r>
+            <a:r>
+              <a:rPr lang="en-US" altLang="zh-CN" dirty="0"/>
+              <a:t>-default-</a:t>
+            </a:r>
+            <a:r>
+              <a:rPr lang="en-US" altLang="zh-CN" dirty="0" err="1"/>
+              <a:t>ns</a:t>
+            </a:r>
+            <a:r>
+              <a:rPr lang="en-US" altLang="zh-CN" dirty="0" err="1" smtClean="0"/>
+              <a:t>.yaml</a:t>
+            </a:r>
+            <a:endParaRPr lang="en-US" altLang="zh-CN" dirty="0"/>
+          </a:p>
+          <a:p>
+            <a:r>
+              <a:rPr lang="en-US" altLang="zh-CN" dirty="0"/>
+              <a:t>//</a:t>
+            </a:r>
+            <a:r>
+              <a:rPr lang="en-US" altLang="zh-CN" i="1" dirty="0" err="1"/>
+              <a:t>sleep.legacy</a:t>
+            </a:r>
+            <a:r>
+              <a:rPr lang="en-US" altLang="zh-CN" i="1" dirty="0"/>
+              <a:t> to </a:t>
+            </a:r>
+            <a:r>
+              <a:rPr lang="en-US" altLang="zh-CN" i="1" dirty="0" err="1"/>
+              <a:t>httpbin.foo</a:t>
+            </a:r>
+            <a:r>
+              <a:rPr lang="en-US" altLang="zh-CN" dirty="0"/>
+              <a:t> fail</a:t>
+            </a:r>
+            <a:endParaRPr lang="en-US" altLang="zh-CN" dirty="0"/>
+          </a:p>
+          <a:p>
+            <a:r>
+              <a:rPr lang="en-US" altLang="zh-CN" dirty="0"/>
+              <a:t>for from in "foo" "bar" "legacy"; do for to in "foo" "bar" "legacy"; do </a:t>
+            </a:r>
+            <a:r>
+              <a:rPr lang="en-US" altLang="zh-CN" dirty="0" err="1"/>
+              <a:t>kubectl</a:t>
+            </a:r>
+            <a:r>
+              <a:rPr lang="en-US" altLang="zh-CN" dirty="0"/>
+              <a:t> exec $(</a:t>
+            </a:r>
+            <a:r>
+              <a:rPr lang="en-US" altLang="zh-CN" dirty="0" err="1"/>
+              <a:t>kubectl</a:t>
+            </a:r>
+            <a:r>
+              <a:rPr lang="en-US" altLang="zh-CN" dirty="0"/>
+              <a:t> get pod -l app=sleep -n ${from} -o </a:t>
+            </a:r>
+            <a:r>
+              <a:rPr lang="en-US" altLang="zh-CN" dirty="0" err="1"/>
+              <a:t>jsonpath</a:t>
+            </a:r>
+            <a:r>
+              <a:rPr lang="en-US" altLang="zh-CN" dirty="0"/>
+              <a:t>={.items..</a:t>
+            </a:r>
+            <a:r>
+              <a:rPr lang="en-US" altLang="zh-CN" dirty="0" err="1"/>
+              <a:t>metadata.name</a:t>
+            </a:r>
+            <a:r>
+              <a:rPr lang="en-US" altLang="zh-CN" dirty="0"/>
+              <a:t>}) -c sleep -n ${from} -- curl "http://</a:t>
+            </a:r>
+            <a:r>
+              <a:rPr lang="en-US" altLang="zh-CN" dirty="0" err="1"/>
+              <a:t>httpbin</a:t>
+            </a:r>
+            <a:r>
+              <a:rPr lang="en-US" altLang="zh-CN" dirty="0"/>
+              <a:t>.${to}:8000/</a:t>
+            </a:r>
+            <a:r>
+              <a:rPr lang="en-US" altLang="zh-CN" dirty="0" err="1"/>
+              <a:t>ip</a:t>
+            </a:r>
+            <a:r>
+              <a:rPr lang="en-US" altLang="zh-CN" dirty="0"/>
+              <a:t>" -s -o /dev/null -w "sleep.${from} to </a:t>
+            </a:r>
+            <a:r>
+              <a:rPr lang="en-US" altLang="zh-CN" dirty="0" err="1"/>
+              <a:t>httpbin</a:t>
+            </a:r>
+            <a:r>
+              <a:rPr lang="en-US" altLang="zh-CN" dirty="0"/>
+              <a:t>.${to}: %{</a:t>
+            </a:r>
+            <a:r>
+              <a:rPr lang="en-US" altLang="zh-CN" dirty="0" err="1"/>
+              <a:t>http_code</a:t>
+            </a:r>
+            <a:r>
+              <a:rPr lang="en-US" altLang="zh-CN" dirty="0"/>
+              <a:t>}\n"; done; </a:t>
+            </a:r>
+            <a:r>
+              <a:rPr lang="en-US" altLang="zh-CN" dirty="0" smtClean="0"/>
+              <a:t>done</a:t>
+            </a:r>
+            <a:endParaRPr lang="en-US" altLang="zh-CN" dirty="0"/>
+          </a:p>
+        </p:txBody>
+      </p:sp>
+    </p:spTree>
+    <p:extLst>
+      <p:ext uri="{BB962C8B-B14F-4D97-AF65-F5344CB8AC3E}">
+        <p14:creationId xmlns:p14="http://schemas.microsoft.com/office/powerpoint/2010/main" val="1190043616"/>
+      </p:ext>
+    </p:extLst>
+  </p:cSld>
+  <p:clrMapOvr>
+    <a:masterClrMapping/>
+  </p:clrMapOvr>
 </p:sld>
 </file>
 
